--- a/presentation/list_ArrayList_Java_api.pptx
+++ b/presentation/list_ArrayList_Java_api.pptx
@@ -2,7 +2,7 @@
 <file path=ppt/presentation.xml><?xml version="1.0" encoding="utf-8"?>
 <p:presentation xmlns:a="http://schemas.openxmlformats.org/drawingml/2006/main" xmlns:r="http://schemas.openxmlformats.org/officeDocument/2006/relationships" xmlns:p="http://schemas.openxmlformats.org/presentationml/2006/main" autoCompressPictures="0">
   <p:sldMasterIdLst>
-    <p:sldMasterId id="2147483768" r:id="rId1"/>
+    <p:sldMasterId id="2147483794" r:id="rId1"/>
   </p:sldMasterIdLst>
   <p:sldIdLst>
     <p:sldId id="256" r:id="rId2"/>
@@ -139,8 +139,8 @@
 </file>
 
 <file path=ppt/slideLayouts/slideLayout1.xml><?xml version="1.0" encoding="utf-8"?>
-<p:sldLayout xmlns:a="http://schemas.openxmlformats.org/drawingml/2006/main" xmlns:r="http://schemas.openxmlformats.org/officeDocument/2006/relationships" xmlns:p="http://schemas.openxmlformats.org/presentationml/2006/main" showMasterSp="0" type="title" preserve="1">
-  <p:cSld name="1_제목 슬라이드">
+<p:sldLayout xmlns:a="http://schemas.openxmlformats.org/drawingml/2006/main" xmlns:r="http://schemas.openxmlformats.org/officeDocument/2006/relationships" xmlns:p="http://schemas.openxmlformats.org/presentationml/2006/main" showMasterSp="0" preserve="1" userDrawn="1">
+  <p:cSld name="3_제목 슬라이드">
     <p:bg>
       <p:bgRef idx="1002">
         <a:schemeClr val="bg2"/>
@@ -200,65 +200,6 @@
       </p:sp>
       <p:sp>
         <p:nvSpPr>
-          <p:cNvPr id="10" name="Rectangle 9"/>
-          <p:cNvSpPr/>
-          <p:nvPr userDrawn="1"/>
-        </p:nvSpPr>
-        <p:spPr>
-          <a:xfrm>
-            <a:off x="1307870" y="1267730"/>
-            <a:ext cx="9576262" cy="4307950"/>
-          </a:xfrm>
-          <a:prstGeom prst="rect">
-            <a:avLst/>
-          </a:prstGeom>
-          <a:solidFill>
-            <a:schemeClr val="bg1"/>
-          </a:solidFill>
-          <a:ln w="6350" cap="flat" cmpd="sng" algn="ctr">
-            <a:noFill/>
-            <a:prstDash val="solid"/>
-          </a:ln>
-          <a:effectLst>
-            <a:outerShdw blurRad="50800" algn="ctr" rotWithShape="0">
-              <a:prstClr val="black">
-                <a:alpha val="66000"/>
-              </a:prstClr>
-            </a:outerShdw>
-            <a:softEdge rad="0"/>
-          </a:effectLst>
-        </p:spPr>
-      </p:sp>
-      <p:sp>
-        <p:nvSpPr>
-          <p:cNvPr id="11" name="Rectangle 10"/>
-          <p:cNvSpPr/>
-          <p:nvPr/>
-        </p:nvSpPr>
-        <p:spPr>
-          <a:xfrm>
-            <a:off x="1447801" y="1411615"/>
-            <a:ext cx="9296400" cy="4034770"/>
-          </a:xfrm>
-          <a:prstGeom prst="rect">
-            <a:avLst/>
-          </a:prstGeom>
-          <a:noFill/>
-          <a:ln w="6350" cap="sq" cmpd="sng" algn="ctr">
-            <a:solidFill>
-              <a:schemeClr val="tx1">
-                <a:lumMod val="75000"/>
-                <a:lumOff val="25000"/>
-              </a:schemeClr>
-            </a:solidFill>
-            <a:prstDash val="solid"/>
-            <a:miter lim="800000"/>
-          </a:ln>
-          <a:effectLst/>
-        </p:spPr>
-      </p:sp>
-      <p:sp>
-        <p:nvSpPr>
           <p:cNvPr id="15" name="Rectangle 14"/>
           <p:cNvSpPr/>
           <p:nvPr userDrawn="1"/>
@@ -305,8 +246,8 @@
         </p:nvSpPr>
         <p:spPr>
           <a:xfrm>
-            <a:off x="1561708" y="2091263"/>
-            <a:ext cx="9068586" cy="2138110"/>
+            <a:off x="545430" y="922029"/>
+            <a:ext cx="11217945" cy="3308430"/>
           </a:xfrm>
         </p:spPr>
         <p:txBody>
@@ -314,20 +255,17 @@
             <a:noAutofit/>
           </a:bodyPr>
           <a:lstStyle>
-            <a:lvl1pPr algn="ctr">
+            <a:lvl1pPr algn="l">
               <a:lnSpc>
                 <a:spcPct val="83000"/>
               </a:lnSpc>
-              <a:defRPr lang="en-US" sz="7200" b="0" kern="1200" cap="all" spc="-100" baseline="0" dirty="0">
+              <a:defRPr lang="en-US" sz="13800" b="0" kern="1200" cap="none" spc="-100" baseline="0" dirty="0">
                 <a:solidFill>
-                  <a:schemeClr val="tx1">
-                    <a:lumMod val="85000"/>
-                    <a:lumOff val="15000"/>
-                  </a:schemeClr>
+                  <a:srgbClr val="333333"/>
                 </a:solidFill>
                 <a:effectLst/>
-                <a:latin typeface="+mj-ea"/>
-                <a:ea typeface="+mj-ea"/>
+                <a:latin typeface="나눔바른고딕 Light" panose="020B0603020101020101" pitchFamily="50" charset="-127"/>
+                <a:ea typeface="나눔바른고딕 Light" panose="020B0603020101020101" pitchFamily="50" charset="-127"/>
                 <a:cs typeface="+mn-cs"/>
               </a:defRPr>
             </a:lvl1pPr>
@@ -343,208 +281,20 @@
       </p:sp>
       <p:sp>
         <p:nvSpPr>
-          <p:cNvPr id="3" name="Subtitle 2"/>
-          <p:cNvSpPr>
-            <a:spLocks noGrp="1"/>
-          </p:cNvSpPr>
-          <p:nvPr>
-            <p:ph type="subTitle" idx="1"/>
-          </p:nvPr>
+          <p:cNvPr id="4" name="직사각형 3"/>
+          <p:cNvSpPr/>
+          <p:nvPr userDrawn="1"/>
         </p:nvSpPr>
         <p:spPr>
           <a:xfrm>
-            <a:off x="1562100" y="4236098"/>
-            <a:ext cx="9070848" cy="903165"/>
-          </a:xfrm>
-        </p:spPr>
-        <p:txBody>
-          <a:bodyPr anchor="ctr">
-            <a:normAutofit/>
-          </a:bodyPr>
-          <a:lstStyle>
-            <a:lvl1pPr marL="0" indent="0" algn="ctr">
-              <a:spcBef>
-                <a:spcPts val="0"/>
-              </a:spcBef>
-              <a:buNone/>
-              <a:defRPr sz="4000" spc="80" baseline="0">
-                <a:solidFill>
-                  <a:schemeClr val="tx1"/>
-                </a:solidFill>
-                <a:latin typeface="+mj-ea"/>
-                <a:ea typeface="+mj-ea"/>
-              </a:defRPr>
-            </a:lvl1pPr>
-            <a:lvl2pPr marL="457200" indent="0" algn="ctr">
-              <a:buNone/>
-              <a:defRPr sz="1600"/>
-            </a:lvl2pPr>
-            <a:lvl3pPr marL="914400" indent="0" algn="ctr">
-              <a:buNone/>
-              <a:defRPr sz="1600"/>
-            </a:lvl3pPr>
-            <a:lvl4pPr marL="1371600" indent="0" algn="ctr">
-              <a:buNone/>
-              <a:defRPr sz="1600"/>
-            </a:lvl4pPr>
-            <a:lvl5pPr marL="1828800" indent="0" algn="ctr">
-              <a:buNone/>
-              <a:defRPr sz="1600"/>
-            </a:lvl5pPr>
-            <a:lvl6pPr marL="2286000" indent="0" algn="ctr">
-              <a:buNone/>
-              <a:defRPr sz="1600"/>
-            </a:lvl6pPr>
-            <a:lvl7pPr marL="2743200" indent="0" algn="ctr">
-              <a:buNone/>
-              <a:defRPr sz="1600"/>
-            </a:lvl7pPr>
-            <a:lvl8pPr marL="3200400" indent="0" algn="ctr">
-              <a:buNone/>
-              <a:defRPr sz="1600"/>
-            </a:lvl8pPr>
-            <a:lvl9pPr marL="3657600" indent="0" algn="ctr">
-              <a:buNone/>
-              <a:defRPr sz="1600"/>
-            </a:lvl9pPr>
-          </a:lstStyle>
-          <a:p>
-            <a:r>
-              <a:rPr lang="ko-KR" altLang="en-US" dirty="0" smtClean="0"/>
-              <a:t>마스터 부제목 스타일 편집</a:t>
-            </a:r>
-            <a:endParaRPr lang="en-US" dirty="0"/>
-          </a:p>
-        </p:txBody>
-      </p:sp>
-      <p:sp>
-        <p:nvSpPr>
-          <p:cNvPr id="21" name="Footer Placeholder 20"/>
-          <p:cNvSpPr>
-            <a:spLocks noGrp="1"/>
-          </p:cNvSpPr>
-          <p:nvPr>
-            <p:ph type="ftr" sz="quarter" idx="11"/>
-          </p:nvPr>
-        </p:nvSpPr>
-        <p:spPr>
-          <a:xfrm>
-            <a:off x="1453896" y="5211060"/>
-            <a:ext cx="5905500" cy="228600"/>
-          </a:xfrm>
-        </p:spPr>
-        <p:txBody>
-          <a:bodyPr/>
-          <a:lstStyle>
-            <a:lvl1pPr algn="l">
-              <a:defRPr>
-                <a:solidFill>
-                  <a:schemeClr val="tx1">
-                    <a:lumMod val="75000"/>
-                    <a:lumOff val="25000"/>
-                  </a:schemeClr>
-                </a:solidFill>
-              </a:defRPr>
-            </a:lvl1pPr>
-          </a:lstStyle>
-          <a:p>
-            <a:endParaRPr lang="en-US" dirty="0"/>
-          </a:p>
-        </p:txBody>
-      </p:sp>
-      <p:sp>
-        <p:nvSpPr>
-          <p:cNvPr id="22" name="Slide Number Placeholder 21"/>
-          <p:cNvSpPr>
-            <a:spLocks noGrp="1"/>
-          </p:cNvSpPr>
-          <p:nvPr>
-            <p:ph type="sldNum" sz="quarter" idx="12"/>
-          </p:nvPr>
-        </p:nvSpPr>
-        <p:spPr>
-          <a:xfrm>
-            <a:off x="8606919" y="5212080"/>
-            <a:ext cx="2111881" cy="228600"/>
-          </a:xfrm>
-        </p:spPr>
-        <p:txBody>
-          <a:bodyPr/>
-          <a:lstStyle>
-            <a:lvl1pPr>
-              <a:defRPr>
-                <a:solidFill>
-                  <a:schemeClr val="tx1">
-                    <a:lumMod val="75000"/>
-                    <a:lumOff val="25000"/>
-                  </a:schemeClr>
-                </a:solidFill>
-              </a:defRPr>
-            </a:lvl1pPr>
-          </a:lstStyle>
-          <a:p>
-            <a:fld id="{4FAB73BC-B049-4115-A692-8D63A059BFB8}" type="slidenum">
-              <a:rPr lang="en-US" dirty="0"/>
-              <a:pPr/>
-              <a:t>‹#›</a:t>
-            </a:fld>
-            <a:endParaRPr lang="en-US" dirty="0"/>
-          </a:p>
-        </p:txBody>
-      </p:sp>
-    </p:spTree>
-    <p:extLst>
-      <p:ext uri="{BB962C8B-B14F-4D97-AF65-F5344CB8AC3E}">
-        <p14:creationId xmlns:p14="http://schemas.microsoft.com/office/powerpoint/2010/main" val="3054006937"/>
-      </p:ext>
-    </p:extLst>
-  </p:cSld>
-  <p:clrMapOvr>
-    <a:overrideClrMapping bg1="lt1" tx1="dk1" bg2="lt2" tx2="dk2" accent1="accent1" accent2="accent2" accent3="accent3" accent4="accent4" accent5="accent5" accent6="accent6" hlink="hlink" folHlink="folHlink"/>
-  </p:clrMapOvr>
-  <p:timing>
-    <p:tnLst>
-      <p:par>
-        <p:cTn id="1" dur="indefinite" restart="never" nodeType="tmRoot"/>
-      </p:par>
-    </p:tnLst>
-  </p:timing>
-</p:sldLayout>
-</file>
-
-<file path=ppt/slideLayouts/slideLayout10.xml><?xml version="1.0" encoding="utf-8"?>
-<p:sldLayout xmlns:a="http://schemas.openxmlformats.org/drawingml/2006/main" xmlns:r="http://schemas.openxmlformats.org/officeDocument/2006/relationships" xmlns:p="http://schemas.openxmlformats.org/presentationml/2006/main" showMasterSp="0" type="picTx" preserve="1">
-  <p:cSld name="캡션 있는 그림">
-    <p:spTree>
-      <p:nvGrpSpPr>
-        <p:cNvPr id="1" name=""/>
-        <p:cNvGrpSpPr/>
-        <p:nvPr/>
-      </p:nvGrpSpPr>
-      <p:grpSpPr>
-        <a:xfrm>
-          <a:off x="0" y="0"/>
-          <a:ext cx="0" cy="0"/>
-          <a:chOff x="0" y="0"/>
-          <a:chExt cx="0" cy="0"/>
-        </a:xfrm>
-      </p:grpSpPr>
-      <p:sp>
-        <p:nvSpPr>
-          <p:cNvPr id="14" name="Rectangle 13"/>
-          <p:cNvSpPr/>
-          <p:nvPr/>
-        </p:nvSpPr>
-        <p:spPr>
-          <a:xfrm>
-            <a:off x="9020386" y="237744"/>
-            <a:ext cx="2926080" cy="6382512"/>
+            <a:off x="545431" y="4714875"/>
+            <a:ext cx="11217944" cy="1657350"/>
           </a:xfrm>
           <a:prstGeom prst="rect">
             <a:avLst/>
           </a:prstGeom>
           <a:solidFill>
-            <a:schemeClr val="accent1"/>
+            <a:srgbClr val="333333"/>
           </a:solidFill>
           <a:ln>
             <a:noFill/>
@@ -566,522 +316,97 @@
             <a:schemeClr val="lt1"/>
           </a:fontRef>
         </p:style>
-      </p:sp>
-      <p:sp>
-        <p:nvSpPr>
-          <p:cNvPr id="2" name="Title 1"/>
-          <p:cNvSpPr>
-            <a:spLocks noGrp="1"/>
-          </p:cNvSpPr>
-          <p:nvPr>
-            <p:ph type="title"/>
-          </p:nvPr>
-        </p:nvSpPr>
-        <p:spPr>
-          <a:xfrm>
-            <a:off x="9296400" y="603504"/>
-            <a:ext cx="2432304" cy="1645920"/>
-          </a:xfrm>
-        </p:spPr>
         <p:txBody>
-          <a:bodyPr anchor="b">
+          <a:bodyPr rot="0" spcFirstLastPara="0" vertOverflow="overflow" horzOverflow="overflow" vert="horz" wrap="square" lIns="91440" tIns="45720" rIns="91440" bIns="45720" numCol="1" spcCol="0" rtlCol="0" fromWordArt="0" anchor="ctr" anchorCtr="0" forceAA="0" compatLnSpc="1">
+            <a:prstTxWarp prst="textNoShape">
+              <a:avLst/>
+            </a:prstTxWarp>
             <a:noAutofit/>
           </a:bodyPr>
-          <a:lstStyle>
-            <a:lvl1pPr algn="l">
-              <a:defRPr sz="2800" b="0">
-                <a:solidFill>
-                  <a:srgbClr val="FFFFFF"/>
-                </a:solidFill>
-                <a:latin typeface="+mj-lt"/>
-              </a:defRPr>
-            </a:lvl1pPr>
-          </a:lstStyle>
+          <a:lstStyle/>
           <a:p>
-            <a:r>
-              <a:rPr lang="ko-KR" altLang="en-US" smtClean="0"/>
-              <a:t>마스터 제목 스타일 편집</a:t>
-            </a:r>
-            <a:endParaRPr lang="en-US" dirty="0"/>
+            <a:pPr algn="ctr"/>
+            <a:endParaRPr lang="ko-KR" altLang="en-US" dirty="0">
+              <a:solidFill>
+                <a:schemeClr val="tx1"/>
+              </a:solidFill>
+            </a:endParaRPr>
           </a:p>
         </p:txBody>
       </p:sp>
       <p:sp>
         <p:nvSpPr>
-          <p:cNvPr id="3" name="Picture Placeholder 2"/>
-          <p:cNvSpPr>
-            <a:spLocks noGrp="1" noChangeAspect="1"/>
-          </p:cNvSpPr>
-          <p:nvPr>
-            <p:ph type="pic" idx="1"/>
-          </p:nvPr>
+          <p:cNvPr id="5" name="TextBox 4"/>
+          <p:cNvSpPr txBox="1"/>
+          <p:nvPr userDrawn="1"/>
         </p:nvSpPr>
         <p:spPr>
           <a:xfrm>
-            <a:off x="228599" y="237744"/>
-            <a:ext cx="8531352" cy="6382512"/>
-          </a:xfrm>
-          <a:solidFill>
-            <a:schemeClr val="accent1">
-              <a:lumMod val="60000"/>
-              <a:lumOff val="40000"/>
-            </a:schemeClr>
-          </a:solidFill>
-          <a:ln>
-            <a:noFill/>
-          </a:ln>
-        </p:spPr>
-        <p:txBody>
-          <a:bodyPr anchor="t"/>
-          <a:lstStyle>
-            <a:lvl1pPr marL="0" indent="0">
-              <a:buNone/>
-              <a:defRPr sz="3200"/>
-            </a:lvl1pPr>
-            <a:lvl2pPr marL="457200" indent="0">
-              <a:buNone/>
-              <a:defRPr sz="2800"/>
-            </a:lvl2pPr>
-            <a:lvl3pPr marL="914400" indent="0">
-              <a:buNone/>
-              <a:defRPr sz="2400"/>
-            </a:lvl3pPr>
-            <a:lvl4pPr marL="1371600" indent="0">
-              <a:buNone/>
-              <a:defRPr sz="2000"/>
-            </a:lvl4pPr>
-            <a:lvl5pPr marL="1828800" indent="0">
-              <a:buNone/>
-              <a:defRPr sz="2000"/>
-            </a:lvl5pPr>
-            <a:lvl6pPr marL="2286000" indent="0">
-              <a:buNone/>
-              <a:defRPr sz="2000"/>
-            </a:lvl6pPr>
-            <a:lvl7pPr marL="2743200" indent="0">
-              <a:buNone/>
-              <a:defRPr sz="2000"/>
-            </a:lvl7pPr>
-            <a:lvl8pPr marL="3200400" indent="0">
-              <a:buNone/>
-              <a:defRPr sz="2000"/>
-            </a:lvl8pPr>
-            <a:lvl9pPr marL="3657600" indent="0">
-              <a:buNone/>
-              <a:defRPr sz="2000"/>
-            </a:lvl9pPr>
-          </a:lstStyle>
-          <a:p>
-            <a:r>
-              <a:rPr lang="ko-KR" altLang="en-US" smtClean="0"/>
-              <a:t>그림을 추가하려면 아이콘을 클릭하십시오</a:t>
-            </a:r>
-            <a:endParaRPr lang="en-US" dirty="0"/>
-          </a:p>
-        </p:txBody>
-      </p:sp>
-      <p:sp>
-        <p:nvSpPr>
-          <p:cNvPr id="4" name="Text Placeholder 3"/>
-          <p:cNvSpPr>
-            <a:spLocks noGrp="1"/>
-          </p:cNvSpPr>
-          <p:nvPr>
-            <p:ph type="body" sz="half" idx="2"/>
-          </p:nvPr>
-        </p:nvSpPr>
-        <p:spPr>
-          <a:xfrm>
-            <a:off x="9296400" y="2286000"/>
-            <a:ext cx="2432304" cy="3502152"/>
-          </a:xfrm>
-        </p:spPr>
-        <p:txBody>
-          <a:bodyPr>
-            <a:normAutofit/>
-          </a:bodyPr>
-          <a:lstStyle>
-            <a:lvl1pPr marL="0" indent="0" algn="l">
-              <a:lnSpc>
-                <a:spcPct val="110000"/>
-              </a:lnSpc>
-              <a:spcBef>
-                <a:spcPts val="800"/>
-              </a:spcBef>
-              <a:buNone/>
-              <a:defRPr sz="1400">
-                <a:solidFill>
-                  <a:srgbClr val="FFFFFF"/>
-                </a:solidFill>
-              </a:defRPr>
-            </a:lvl1pPr>
-            <a:lvl2pPr marL="457200" indent="0">
-              <a:buNone/>
-              <a:defRPr sz="1200"/>
-            </a:lvl2pPr>
-            <a:lvl3pPr marL="914400" indent="0">
-              <a:buNone/>
-              <a:defRPr sz="1000"/>
-            </a:lvl3pPr>
-            <a:lvl4pPr marL="1371600" indent="0">
-              <a:buNone/>
-              <a:defRPr sz="900"/>
-            </a:lvl4pPr>
-            <a:lvl5pPr marL="1828800" indent="0">
-              <a:buNone/>
-              <a:defRPr sz="900"/>
-            </a:lvl5pPr>
-            <a:lvl6pPr marL="2286000" indent="0">
-              <a:buNone/>
-              <a:defRPr sz="900"/>
-            </a:lvl6pPr>
-            <a:lvl7pPr marL="2743200" indent="0">
-              <a:buNone/>
-              <a:defRPr sz="900"/>
-            </a:lvl7pPr>
-            <a:lvl8pPr marL="3200400" indent="0">
-              <a:buNone/>
-              <a:defRPr sz="900"/>
-            </a:lvl8pPr>
-            <a:lvl9pPr marL="3657600" indent="0">
-              <a:buNone/>
-              <a:defRPr sz="900"/>
-            </a:lvl9pPr>
-          </a:lstStyle>
-          <a:p>
-            <a:pPr lvl="0"/>
-            <a:r>
-              <a:rPr lang="ko-KR" altLang="en-US" smtClean="0"/>
-              <a:t>마스터 텍스트 스타일을 편집합니다</a:t>
-            </a:r>
-          </a:p>
-        </p:txBody>
-      </p:sp>
-      <p:sp>
-        <p:nvSpPr>
-          <p:cNvPr id="5" name="Date Placeholder 4"/>
-          <p:cNvSpPr>
-            <a:spLocks noGrp="1"/>
-          </p:cNvSpPr>
-          <p:nvPr>
-            <p:ph type="dt" sz="half" idx="10"/>
-          </p:nvPr>
-        </p:nvSpPr>
-        <p:spPr/>
-        <p:txBody>
-          <a:bodyPr/>
-          <a:lstStyle>
-            <a:lvl1pPr>
-              <a:defRPr>
-                <a:solidFill>
-                  <a:srgbClr val="FFFFFF"/>
-                </a:solidFill>
-                <a:effectLst>
-                  <a:outerShdw blurRad="12700" dist="6350" dir="2700000" algn="tl" rotWithShape="0">
-                    <a:prstClr val="black">
-                      <a:alpha val="40000"/>
-                    </a:prstClr>
-                  </a:outerShdw>
-                </a:effectLst>
-              </a:defRPr>
-            </a:lvl1pPr>
-          </a:lstStyle>
-          <a:p>
-            <a:fld id="{AB334A90-EB03-42F3-8859-2C2B2724C058}" type="datetimeFigureOut">
-              <a:rPr lang="en-US" dirty="0"/>
-              <a:t>12/2/2014</a:t>
-            </a:fld>
-            <a:endParaRPr lang="en-US" dirty="0"/>
-          </a:p>
-        </p:txBody>
-      </p:sp>
-      <p:sp>
-        <p:nvSpPr>
-          <p:cNvPr id="6" name="Footer Placeholder 5"/>
-          <p:cNvSpPr>
-            <a:spLocks noGrp="1"/>
-          </p:cNvSpPr>
-          <p:nvPr>
-            <p:ph type="ftr" sz="quarter" idx="11"/>
-          </p:nvPr>
-        </p:nvSpPr>
-        <p:spPr/>
-        <p:txBody>
-          <a:bodyPr/>
-          <a:lstStyle>
-            <a:lvl1pPr marL="0" algn="r" defTabSz="914400" rtl="0" eaLnBrk="1" latinLnBrk="0" hangingPunct="1">
-              <a:defRPr lang="en-US" sz="1000" kern="1200" dirty="0">
-                <a:solidFill>
-                  <a:srgbClr val="FFFFFF"/>
-                </a:solidFill>
-                <a:effectLst>
-                  <a:outerShdw blurRad="12700" dist="6350" dir="2700000" algn="tl" rotWithShape="0">
-                    <a:prstClr val="black">
-                      <a:alpha val="40000"/>
-                    </a:prstClr>
-                  </a:outerShdw>
-                </a:effectLst>
-                <a:latin typeface="+mn-lt"/>
-                <a:ea typeface="+mn-ea"/>
-                <a:cs typeface="+mn-cs"/>
-              </a:defRPr>
-            </a:lvl1pPr>
-          </a:lstStyle>
-          <a:p>
-            <a:endParaRPr lang="en-US" dirty="0"/>
-          </a:p>
-        </p:txBody>
-      </p:sp>
-      <p:sp>
-        <p:nvSpPr>
-          <p:cNvPr id="7" name="Slide Number Placeholder 6"/>
-          <p:cNvSpPr>
-            <a:spLocks noGrp="1"/>
-          </p:cNvSpPr>
-          <p:nvPr>
-            <p:ph type="sldNum" sz="quarter" idx="12"/>
-          </p:nvPr>
-        </p:nvSpPr>
-        <p:spPr>
-          <a:xfrm>
-            <a:off x="10396728" y="6227064"/>
-            <a:ext cx="1463040" cy="274320"/>
-          </a:xfrm>
-        </p:spPr>
-        <p:txBody>
-          <a:bodyPr/>
-          <a:lstStyle>
-            <a:lvl1pPr>
-              <a:defRPr>
-                <a:solidFill>
-                  <a:srgbClr val="FFFFFF"/>
-                </a:solidFill>
-              </a:defRPr>
-            </a:lvl1pPr>
-          </a:lstStyle>
-          <a:p>
-            <a:fld id="{4FAB73BC-B049-4115-A692-8D63A059BFB8}" type="slidenum">
-              <a:rPr lang="en-US" dirty="0"/>
-              <a:pPr/>
-              <a:t>‹#›</a:t>
-            </a:fld>
-            <a:endParaRPr lang="en-US" dirty="0"/>
-          </a:p>
-        </p:txBody>
-      </p:sp>
-      <p:sp>
-        <p:nvSpPr>
-          <p:cNvPr id="10" name="Rectangle 9"/>
-          <p:cNvSpPr/>
-          <p:nvPr/>
-        </p:nvSpPr>
-        <p:spPr>
-          <a:xfrm>
-            <a:off x="9157546" y="374904"/>
-            <a:ext cx="2651760" cy="6108192"/>
+            <a:off x="602117" y="4169554"/>
+            <a:ext cx="11161258" cy="2662267"/>
           </a:xfrm>
           <a:prstGeom prst="rect">
             <a:avLst/>
           </a:prstGeom>
           <a:noFill/>
-          <a:ln w="6350" cap="sq">
-            <a:solidFill>
-              <a:srgbClr val="FFFFFF"/>
-            </a:solidFill>
-            <a:miter lim="800000"/>
-          </a:ln>
         </p:spPr>
-        <p:style>
-          <a:lnRef idx="2">
-            <a:schemeClr val="accent1">
-              <a:shade val="50000"/>
-            </a:schemeClr>
-          </a:lnRef>
-          <a:fillRef idx="1">
-            <a:schemeClr val="accent1"/>
-          </a:fillRef>
-          <a:effectRef idx="0">
-            <a:schemeClr val="accent1"/>
-          </a:effectRef>
-          <a:fontRef idx="minor">
-            <a:schemeClr val="lt1"/>
-          </a:fontRef>
-        </p:style>
-      </p:sp>
-    </p:spTree>
-  </p:cSld>
-  <p:clrMapOvr>
-    <a:masterClrMapping/>
-  </p:clrMapOvr>
-</p:sldLayout>
-</file>
-
-<file path=ppt/slideLayouts/slideLayout11.xml><?xml version="1.0" encoding="utf-8"?>
-<p:sldLayout xmlns:a="http://schemas.openxmlformats.org/drawingml/2006/main" xmlns:r="http://schemas.openxmlformats.org/officeDocument/2006/relationships" xmlns:p="http://schemas.openxmlformats.org/presentationml/2006/main" type="vertTx" preserve="1">
-  <p:cSld name="제목 및 세로 텍스트">
-    <p:spTree>
-      <p:nvGrpSpPr>
-        <p:cNvPr id="1" name=""/>
-        <p:cNvGrpSpPr/>
-        <p:nvPr/>
-      </p:nvGrpSpPr>
-      <p:grpSpPr>
-        <a:xfrm>
-          <a:off x="0" y="0"/>
-          <a:ext cx="0" cy="0"/>
-          <a:chOff x="0" y="0"/>
-          <a:chExt cx="0" cy="0"/>
-        </a:xfrm>
-      </p:grpSpPr>
-      <p:sp>
-        <p:nvSpPr>
-          <p:cNvPr id="2" name="Title 1"/>
-          <p:cNvSpPr>
-            <a:spLocks noGrp="1"/>
-          </p:cNvSpPr>
-          <p:nvPr>
-            <p:ph type="title"/>
-          </p:nvPr>
-        </p:nvSpPr>
-        <p:spPr/>
         <p:txBody>
-          <a:bodyPr/>
+          <a:bodyPr wrap="square" rtlCol="0">
+            <a:spAutoFit/>
+          </a:bodyPr>
           <a:lstStyle/>
           <a:p>
             <a:r>
-              <a:rPr lang="ko-KR" altLang="en-US" smtClean="0"/>
-              <a:t>마스터 제목 스타일 편집</a:t>
+              <a:rPr lang="en-US" altLang="ko-KR" sz="16700" b="0" dirty="0" smtClean="0">
+                <a:solidFill>
+                  <a:srgbClr val="EEEEEE"/>
+                </a:solidFill>
+                <a:latin typeface="Ostrich Sans Light" panose="00000400000000000000" pitchFamily="50" charset="0"/>
+                <a:ea typeface="나눔바른고딕 UltraLight" panose="020B0603020101020101" pitchFamily="50" charset="-127"/>
+              </a:rPr>
+              <a:t>Data</a:t>
             </a:r>
-            <a:endParaRPr lang="en-US" dirty="0"/>
-          </a:p>
-        </p:txBody>
-      </p:sp>
-      <p:sp>
-        <p:nvSpPr>
-          <p:cNvPr id="3" name="Vertical Text Placeholder 2"/>
-          <p:cNvSpPr>
-            <a:spLocks noGrp="1"/>
-          </p:cNvSpPr>
-          <p:nvPr>
-            <p:ph type="body" orient="vert" idx="1"/>
-          </p:nvPr>
-        </p:nvSpPr>
-        <p:spPr/>
-        <p:txBody>
-          <a:bodyPr vert="eaVert"/>
-          <a:lstStyle/>
-          <a:p>
-            <a:pPr lvl="0"/>
             <a:r>
-              <a:rPr lang="ko-KR" altLang="en-US" smtClean="0"/>
-              <a:t>마스터 텍스트 스타일을 편집합니다</a:t>
+              <a:rPr lang="en-US" altLang="ko-KR" sz="16700" b="0" baseline="0" dirty="0" smtClean="0">
+                <a:solidFill>
+                  <a:srgbClr val="EEEEEE"/>
+                </a:solidFill>
+                <a:latin typeface="Ostrich Sans Light" panose="00000400000000000000" pitchFamily="50" charset="0"/>
+                <a:ea typeface="나눔바른고딕 UltraLight" panose="020B0603020101020101" pitchFamily="50" charset="-127"/>
+              </a:rPr>
+              <a:t> Structure</a:t>
             </a:r>
-          </a:p>
-          <a:p>
-            <a:pPr lvl="1"/>
-            <a:r>
-              <a:rPr lang="ko-KR" altLang="en-US" smtClean="0"/>
-              <a:t>둘째 수준</a:t>
-            </a:r>
-          </a:p>
-          <a:p>
-            <a:pPr lvl="2"/>
-            <a:r>
-              <a:rPr lang="ko-KR" altLang="en-US" smtClean="0"/>
-              <a:t>셋째 수준</a:t>
-            </a:r>
-          </a:p>
-          <a:p>
-            <a:pPr lvl="3"/>
-            <a:r>
-              <a:rPr lang="ko-KR" altLang="en-US" smtClean="0"/>
-              <a:t>넷째 수준</a:t>
-            </a:r>
-          </a:p>
-          <a:p>
-            <a:pPr lvl="4"/>
-            <a:r>
-              <a:rPr lang="ko-KR" altLang="en-US" smtClean="0"/>
-              <a:t>다섯째 수준</a:t>
-            </a:r>
-            <a:endParaRPr lang="en-US" dirty="0"/>
-          </a:p>
-        </p:txBody>
-      </p:sp>
-      <p:sp>
-        <p:nvSpPr>
-          <p:cNvPr id="4" name="Date Placeholder 3"/>
-          <p:cNvSpPr>
-            <a:spLocks noGrp="1"/>
-          </p:cNvSpPr>
-          <p:nvPr>
-            <p:ph type="dt" sz="half" idx="10"/>
-          </p:nvPr>
-        </p:nvSpPr>
-        <p:spPr/>
-        <p:txBody>
-          <a:bodyPr/>
-          <a:lstStyle/>
-          <a:p>
-            <a:fld id="{D11A6AA8-A04B-4104-9AE2-BD48D340E27F}" type="datetimeFigureOut">
-              <a:rPr lang="en-US" dirty="0"/>
-              <a:t>12/2/2014</a:t>
-            </a:fld>
-            <a:endParaRPr lang="en-US" dirty="0"/>
-          </a:p>
-        </p:txBody>
-      </p:sp>
-      <p:sp>
-        <p:nvSpPr>
-          <p:cNvPr id="5" name="Footer Placeholder 4"/>
-          <p:cNvSpPr>
-            <a:spLocks noGrp="1"/>
-          </p:cNvSpPr>
-          <p:nvPr>
-            <p:ph type="ftr" sz="quarter" idx="11"/>
-          </p:nvPr>
-        </p:nvSpPr>
-        <p:spPr/>
-        <p:txBody>
-          <a:bodyPr/>
-          <a:lstStyle/>
-          <a:p>
-            <a:endParaRPr lang="en-US" dirty="0"/>
-          </a:p>
-        </p:txBody>
-      </p:sp>
-      <p:sp>
-        <p:nvSpPr>
-          <p:cNvPr id="6" name="Slide Number Placeholder 5"/>
-          <p:cNvSpPr>
-            <a:spLocks noGrp="1"/>
-          </p:cNvSpPr>
-          <p:nvPr>
-            <p:ph type="sldNum" sz="quarter" idx="12"/>
-          </p:nvPr>
-        </p:nvSpPr>
-        <p:spPr/>
-        <p:txBody>
-          <a:bodyPr/>
-          <a:lstStyle/>
-          <a:p>
-            <a:fld id="{4FAB73BC-B049-4115-A692-8D63A059BFB8}" type="slidenum">
-              <a:rPr lang="en-US" dirty="0"/>
-              <a:t>‹#›</a:t>
-            </a:fld>
-            <a:endParaRPr lang="en-US" dirty="0"/>
+            <a:endParaRPr lang="ko-KR" altLang="en-US" sz="16700" b="0" dirty="0">
+              <a:solidFill>
+                <a:srgbClr val="EEEEEE"/>
+              </a:solidFill>
+              <a:latin typeface="Ostrich Sans Light" panose="00000400000000000000" pitchFamily="50" charset="0"/>
+              <a:ea typeface="나눔바른고딕 UltraLight" panose="020B0603020101020101" pitchFamily="50" charset="-127"/>
+            </a:endParaRPr>
           </a:p>
         </p:txBody>
       </p:sp>
     </p:spTree>
+    <p:extLst>
+      <p:ext uri="{BB962C8B-B14F-4D97-AF65-F5344CB8AC3E}">
+        <p14:creationId xmlns:p14="http://schemas.microsoft.com/office/powerpoint/2010/main" val="1102453572"/>
+      </p:ext>
+    </p:extLst>
   </p:cSld>
   <p:clrMapOvr>
-    <a:masterClrMapping/>
+    <a:overrideClrMapping bg1="lt1" tx1="dk1" bg2="lt2" tx2="dk2" accent1="accent1" accent2="accent2" accent3="accent3" accent4="accent4" accent5="accent5" accent6="accent6" hlink="hlink" folHlink="folHlink"/>
   </p:clrMapOvr>
+  <p:timing>
+    <p:tnLst>
+      <p:par>
+        <p:cTn id="1" dur="indefinite" restart="never" nodeType="tmRoot"/>
+      </p:par>
+    </p:tnLst>
+  </p:timing>
 </p:sldLayout>
 </file>
 
-<file path=ppt/slideLayouts/slideLayout12.xml><?xml version="1.0" encoding="utf-8"?>
+<file path=ppt/slideLayouts/slideLayout10.xml><?xml version="1.0" encoding="utf-8"?>
 <p:sldLayout xmlns:a="http://schemas.openxmlformats.org/drawingml/2006/main" xmlns:r="http://schemas.openxmlformats.org/officeDocument/2006/relationships" xmlns:p="http://schemas.openxmlformats.org/presentationml/2006/main" type="vertTitleAndTx" preserve="1">
   <p:cSld name="세로 제목 및 텍스트">
     <p:spTree>
@@ -1200,7 +525,7 @@
           <a:p>
             <a:fld id="{B4E0BF79-FAC6-4A96-8DE1-F7B82E2E1652}" type="datetimeFigureOut">
               <a:rPr lang="en-US" dirty="0"/>
-              <a:t>12/2/2014</a:t>
+              <a:t>12/3/2014</a:t>
             </a:fld>
             <a:endParaRPr lang="en-US" dirty="0"/>
           </a:p>
@@ -1249,16 +574,28 @@
         </p:txBody>
       </p:sp>
     </p:spTree>
+    <p:extLst>
+      <p:ext uri="{BB962C8B-B14F-4D97-AF65-F5344CB8AC3E}">
+        <p14:creationId xmlns:p14="http://schemas.microsoft.com/office/powerpoint/2010/main" val="1795180068"/>
+      </p:ext>
+    </p:extLst>
   </p:cSld>
   <p:clrMapOvr>
     <a:masterClrMapping/>
   </p:clrMapOvr>
+  <p:timing>
+    <p:tnLst>
+      <p:par>
+        <p:cTn id="1" dur="indefinite" restart="never" nodeType="tmRoot"/>
+      </p:par>
+    </p:tnLst>
+  </p:timing>
 </p:sldLayout>
 </file>
 
-<file path=ppt/slideLayouts/slideLayout2.xml><?xml version="1.0" encoding="utf-8"?>
+<file path=ppt/slideLayouts/slideLayout11.xml><?xml version="1.0" encoding="utf-8"?>
 <p:sldLayout xmlns:a="http://schemas.openxmlformats.org/drawingml/2006/main" xmlns:r="http://schemas.openxmlformats.org/officeDocument/2006/relationships" xmlns:p="http://schemas.openxmlformats.org/presentationml/2006/main" showMasterSp="0" preserve="1" userDrawn="1">
-  <p:cSld name="3_제목 슬라이드">
+  <p:cSld name="4_제목 슬라이드">
     <p:bg>
       <p:bgRef idx="1002">
         <a:schemeClr val="bg2"/>
@@ -1521,7 +858,7 @@
 </p:sldLayout>
 </file>
 
-<file path=ppt/slideLayouts/slideLayout3.xml><?xml version="1.0" encoding="utf-8"?>
+<file path=ppt/slideLayouts/slideLayout2.xml><?xml version="1.0" encoding="utf-8"?>
 <p:sldLayout xmlns:a="http://schemas.openxmlformats.org/drawingml/2006/main" xmlns:r="http://schemas.openxmlformats.org/officeDocument/2006/relationships" xmlns:p="http://schemas.openxmlformats.org/presentationml/2006/main" type="obj" preserve="1">
   <p:cSld name="제목 및 내용">
     <p:spTree>
@@ -1630,7 +967,7 @@
           <a:p>
             <a:fld id="{82FF5DD9-2C52-442D-92E2-8072C0C3D7CD}" type="datetimeFigureOut">
               <a:rPr lang="en-US" dirty="0"/>
-              <a:t>12/2/2014</a:t>
+              <a:t>12/3/2014</a:t>
             </a:fld>
             <a:endParaRPr lang="en-US" dirty="0"/>
           </a:p>
@@ -1680,6 +1017,11 @@
         </p:txBody>
       </p:sp>
     </p:spTree>
+    <p:extLst>
+      <p:ext uri="{BB962C8B-B14F-4D97-AF65-F5344CB8AC3E}">
+        <p14:creationId xmlns:p14="http://schemas.microsoft.com/office/powerpoint/2010/main" val="1740462283"/>
+      </p:ext>
+    </p:extLst>
   </p:cSld>
   <p:clrMapOvr>
     <a:masterClrMapping/>
@@ -1694,587 +1036,7 @@
 </p:sldLayout>
 </file>
 
-<file path=ppt/slideLayouts/slideLayout4.xml><?xml version="1.0" encoding="utf-8"?>
-<p:sldLayout xmlns:a="http://schemas.openxmlformats.org/drawingml/2006/main" xmlns:r="http://schemas.openxmlformats.org/officeDocument/2006/relationships" xmlns:p="http://schemas.openxmlformats.org/presentationml/2006/main" showMasterSp="0" type="secHead" preserve="1">
-  <p:cSld name="구역 머리글">
-    <p:bg>
-      <p:bgRef idx="1002">
-        <a:schemeClr val="bg2"/>
-      </p:bgRef>
-    </p:bg>
-    <p:spTree>
-      <p:nvGrpSpPr>
-        <p:cNvPr id="1" name=""/>
-        <p:cNvGrpSpPr/>
-        <p:nvPr/>
-      </p:nvGrpSpPr>
-      <p:grpSpPr>
-        <a:xfrm>
-          <a:off x="0" y="0"/>
-          <a:ext cx="0" cy="0"/>
-          <a:chOff x="0" y="0"/>
-          <a:chExt cx="0" cy="0"/>
-        </a:xfrm>
-      </p:grpSpPr>
-      <p:sp>
-        <p:nvSpPr>
-          <p:cNvPr id="22" name="Rectangle 21"/>
-          <p:cNvSpPr/>
-          <p:nvPr/>
-        </p:nvSpPr>
-        <p:spPr>
-          <a:xfrm>
-            <a:off x="0" y="0"/>
-            <a:ext cx="12192000" cy="6858000"/>
-          </a:xfrm>
-          <a:prstGeom prst="rect">
-            <a:avLst/>
-          </a:prstGeom>
-          <a:blipFill dpi="0" rotWithShape="1">
-            <a:blip r:embed="rId2">
-              <a:alphaModFix amt="45000"/>
-              <a:duotone>
-                <a:schemeClr val="accent2">
-                  <a:shade val="45000"/>
-                  <a:satMod val="135000"/>
-                </a:schemeClr>
-                <a:prstClr val="white"/>
-              </a:duotone>
-            </a:blip>
-            <a:srcRect/>
-            <a:tile tx="-44450" ty="38100" sx="85000" sy="85000" flip="none" algn="tl"/>
-          </a:blipFill>
-          <a:ln>
-            <a:noFill/>
-          </a:ln>
-        </p:spPr>
-        <p:style>
-          <a:lnRef idx="2">
-            <a:schemeClr val="accent1">
-              <a:shade val="50000"/>
-            </a:schemeClr>
-          </a:lnRef>
-          <a:fillRef idx="1">
-            <a:schemeClr val="accent1"/>
-          </a:fillRef>
-          <a:effectRef idx="0">
-            <a:schemeClr val="accent1"/>
-          </a:effectRef>
-          <a:fontRef idx="minor">
-            <a:schemeClr val="lt1"/>
-          </a:fontRef>
-        </p:style>
-      </p:sp>
-      <p:sp>
-        <p:nvSpPr>
-          <p:cNvPr id="23" name="Rectangle 22"/>
-          <p:cNvSpPr/>
-          <p:nvPr/>
-        </p:nvSpPr>
-        <p:spPr>
-          <a:xfrm>
-            <a:off x="1307870" y="1267730"/>
-            <a:ext cx="9576262" cy="4307950"/>
-          </a:xfrm>
-          <a:prstGeom prst="rect">
-            <a:avLst/>
-          </a:prstGeom>
-          <a:solidFill>
-            <a:schemeClr val="bg1"/>
-          </a:solidFill>
-          <a:ln w="6350" cap="flat" cmpd="sng" algn="ctr">
-            <a:noFill/>
-            <a:prstDash val="solid"/>
-          </a:ln>
-          <a:effectLst>
-            <a:outerShdw blurRad="50800" algn="ctr" rotWithShape="0">
-              <a:prstClr val="black">
-                <a:alpha val="66000"/>
-              </a:prstClr>
-            </a:outerShdw>
-            <a:softEdge rad="0"/>
-          </a:effectLst>
-        </p:spPr>
-      </p:sp>
-      <p:sp>
-        <p:nvSpPr>
-          <p:cNvPr id="24" name="Rectangle 23"/>
-          <p:cNvSpPr/>
-          <p:nvPr/>
-        </p:nvSpPr>
-        <p:spPr>
-          <a:xfrm>
-            <a:off x="1447800" y="1411615"/>
-            <a:ext cx="9296400" cy="4034770"/>
-          </a:xfrm>
-          <a:prstGeom prst="rect">
-            <a:avLst/>
-          </a:prstGeom>
-          <a:noFill/>
-          <a:ln w="6350" cap="sq" cmpd="sng" algn="ctr">
-            <a:solidFill>
-              <a:schemeClr val="tx1">
-                <a:lumMod val="75000"/>
-                <a:lumOff val="25000"/>
-              </a:schemeClr>
-            </a:solidFill>
-            <a:prstDash val="solid"/>
-            <a:miter lim="800000"/>
-          </a:ln>
-          <a:effectLst/>
-        </p:spPr>
-      </p:sp>
-      <p:sp>
-        <p:nvSpPr>
-          <p:cNvPr id="30" name="Rectangle 29"/>
-          <p:cNvSpPr/>
-          <p:nvPr/>
-        </p:nvSpPr>
-        <p:spPr>
-          <a:xfrm>
-            <a:off x="5135880" y="1267730"/>
-            <a:ext cx="1920240" cy="731520"/>
-          </a:xfrm>
-          <a:prstGeom prst="rect">
-            <a:avLst/>
-          </a:prstGeom>
-          <a:solidFill>
-            <a:schemeClr val="bg2"/>
-          </a:solidFill>
-          <a:ln>
-            <a:noFill/>
-          </a:ln>
-        </p:spPr>
-        <p:style>
-          <a:lnRef idx="2">
-            <a:schemeClr val="accent1">
-              <a:shade val="50000"/>
-            </a:schemeClr>
-          </a:lnRef>
-          <a:fillRef idx="1">
-            <a:schemeClr val="accent1"/>
-          </a:fillRef>
-          <a:effectRef idx="0">
-            <a:schemeClr val="accent1"/>
-          </a:effectRef>
-          <a:fontRef idx="minor">
-            <a:schemeClr val="lt1"/>
-          </a:fontRef>
-        </p:style>
-      </p:sp>
-      <p:grpSp>
-        <p:nvGrpSpPr>
-          <p:cNvPr id="31" name="Group 30"/>
-          <p:cNvGrpSpPr/>
-          <p:nvPr/>
-        </p:nvGrpSpPr>
-        <p:grpSpPr>
-          <a:xfrm>
-            <a:off x="5250180" y="1267730"/>
-            <a:ext cx="1691640" cy="645295"/>
-            <a:chOff x="5318306" y="1386268"/>
-            <a:chExt cx="1567331" cy="645295"/>
-          </a:xfrm>
-        </p:grpSpPr>
-        <p:cxnSp>
-          <p:nvCxnSpPr>
-            <p:cNvPr id="32" name="Straight Connector 31"/>
-            <p:cNvCxnSpPr/>
-            <p:nvPr/>
-          </p:nvCxnSpPr>
-          <p:spPr>
-            <a:xfrm>
-              <a:off x="5318306" y="1386268"/>
-              <a:ext cx="0" cy="640080"/>
-            </a:xfrm>
-            <a:prstGeom prst="line">
-              <a:avLst/>
-            </a:prstGeom>
-            <a:solidFill>
-              <a:schemeClr val="tx1">
-                <a:lumMod val="85000"/>
-                <a:lumOff val="15000"/>
-              </a:schemeClr>
-            </a:solidFill>
-            <a:ln>
-              <a:solidFill>
-                <a:schemeClr val="tx1"/>
-              </a:solidFill>
-              <a:miter lim="800000"/>
-            </a:ln>
-          </p:spPr>
-          <p:style>
-            <a:lnRef idx="1">
-              <a:schemeClr val="accent1"/>
-            </a:lnRef>
-            <a:fillRef idx="0">
-              <a:schemeClr val="accent1"/>
-            </a:fillRef>
-            <a:effectRef idx="0">
-              <a:schemeClr val="accent1"/>
-            </a:effectRef>
-            <a:fontRef idx="minor">
-              <a:schemeClr val="tx1"/>
-            </a:fontRef>
-          </p:style>
-        </p:cxnSp>
-        <p:cxnSp>
-          <p:nvCxnSpPr>
-            <p:cNvPr id="33" name="Straight Connector 32"/>
-            <p:cNvCxnSpPr/>
-            <p:nvPr/>
-          </p:nvCxnSpPr>
-          <p:spPr>
-            <a:xfrm>
-              <a:off x="6885637" y="1386268"/>
-              <a:ext cx="0" cy="640080"/>
-            </a:xfrm>
-            <a:prstGeom prst="line">
-              <a:avLst/>
-            </a:prstGeom>
-            <a:solidFill>
-              <a:schemeClr val="tx1">
-                <a:lumMod val="85000"/>
-                <a:lumOff val="15000"/>
-              </a:schemeClr>
-            </a:solidFill>
-            <a:ln>
-              <a:solidFill>
-                <a:schemeClr val="tx1"/>
-              </a:solidFill>
-              <a:miter lim="800000"/>
-            </a:ln>
-          </p:spPr>
-          <p:style>
-            <a:lnRef idx="1">
-              <a:schemeClr val="accent1"/>
-            </a:lnRef>
-            <a:fillRef idx="0">
-              <a:schemeClr val="accent1"/>
-            </a:fillRef>
-            <a:effectRef idx="0">
-              <a:schemeClr val="accent1"/>
-            </a:effectRef>
-            <a:fontRef idx="minor">
-              <a:schemeClr val="tx1"/>
-            </a:fontRef>
-          </p:style>
-        </p:cxnSp>
-        <p:cxnSp>
-          <p:nvCxnSpPr>
-            <p:cNvPr id="34" name="Straight Connector 33"/>
-            <p:cNvCxnSpPr/>
-            <p:nvPr/>
-          </p:nvCxnSpPr>
-          <p:spPr>
-            <a:xfrm>
-              <a:off x="5318306" y="2031563"/>
-              <a:ext cx="1567331" cy="0"/>
-            </a:xfrm>
-            <a:prstGeom prst="line">
-              <a:avLst/>
-            </a:prstGeom>
-            <a:solidFill>
-              <a:schemeClr val="tx1">
-                <a:lumMod val="85000"/>
-                <a:lumOff val="15000"/>
-              </a:schemeClr>
-            </a:solidFill>
-            <a:ln>
-              <a:solidFill>
-                <a:schemeClr val="tx1"/>
-              </a:solidFill>
-              <a:miter lim="800000"/>
-            </a:ln>
-          </p:spPr>
-          <p:style>
-            <a:lnRef idx="1">
-              <a:schemeClr val="accent1"/>
-            </a:lnRef>
-            <a:fillRef idx="0">
-              <a:schemeClr val="accent1"/>
-            </a:fillRef>
-            <a:effectRef idx="0">
-              <a:schemeClr val="accent1"/>
-            </a:effectRef>
-            <a:fontRef idx="minor">
-              <a:schemeClr val="tx1"/>
-            </a:fontRef>
-          </p:style>
-        </p:cxnSp>
-      </p:grpSp>
-      <p:sp>
-        <p:nvSpPr>
-          <p:cNvPr id="2" name="Title 1"/>
-          <p:cNvSpPr>
-            <a:spLocks noGrp="1"/>
-          </p:cNvSpPr>
-          <p:nvPr>
-            <p:ph type="title"/>
-          </p:nvPr>
-        </p:nvSpPr>
-        <p:spPr>
-          <a:xfrm>
-            <a:off x="1563623" y="2094309"/>
-            <a:ext cx="9070848" cy="2587752"/>
-          </a:xfrm>
-        </p:spPr>
-        <p:txBody>
-          <a:bodyPr anchor="ctr">
-            <a:noAutofit/>
-          </a:bodyPr>
-          <a:lstStyle>
-            <a:lvl1pPr algn="ctr">
-              <a:lnSpc>
-                <a:spcPct val="83000"/>
-              </a:lnSpc>
-              <a:defRPr lang="en-US" sz="7200" kern="1200" cap="all" spc="-100" baseline="0" dirty="0">
-                <a:solidFill>
-                  <a:schemeClr val="tx1">
-                    <a:lumMod val="85000"/>
-                    <a:lumOff val="15000"/>
-                  </a:schemeClr>
-                </a:solidFill>
-                <a:effectLst/>
-                <a:latin typeface="+mj-lt"/>
-                <a:ea typeface="+mn-ea"/>
-                <a:cs typeface="+mn-cs"/>
-              </a:defRPr>
-            </a:lvl1pPr>
-          </a:lstStyle>
-          <a:p>
-            <a:r>
-              <a:rPr lang="ko-KR" altLang="en-US" smtClean="0"/>
-              <a:t>마스터 제목 스타일 편집</a:t>
-            </a:r>
-            <a:endParaRPr lang="en-US" dirty="0"/>
-          </a:p>
-        </p:txBody>
-      </p:sp>
-      <p:sp>
-        <p:nvSpPr>
-          <p:cNvPr id="3" name="Text Placeholder 2"/>
-          <p:cNvSpPr>
-            <a:spLocks noGrp="1"/>
-          </p:cNvSpPr>
-          <p:nvPr>
-            <p:ph type="body" idx="1"/>
-          </p:nvPr>
-        </p:nvSpPr>
-        <p:spPr>
-          <a:xfrm>
-            <a:off x="1563624" y="4682062"/>
-            <a:ext cx="9070848" cy="457200"/>
-          </a:xfrm>
-        </p:spPr>
-        <p:txBody>
-          <a:bodyPr anchor="t">
-            <a:normAutofit/>
-          </a:bodyPr>
-          <a:lstStyle>
-            <a:lvl1pPr marL="0" indent="0" algn="ctr">
-              <a:buNone/>
-              <a:defRPr sz="1600">
-                <a:solidFill>
-                  <a:schemeClr val="tx1"/>
-                </a:solidFill>
-                <a:effectLst/>
-              </a:defRPr>
-            </a:lvl1pPr>
-            <a:lvl2pPr marL="457200" indent="0">
-              <a:buNone/>
-              <a:defRPr sz="1600">
-                <a:solidFill>
-                  <a:schemeClr val="tx1">
-                    <a:tint val="75000"/>
-                  </a:schemeClr>
-                </a:solidFill>
-              </a:defRPr>
-            </a:lvl2pPr>
-            <a:lvl3pPr marL="914400" indent="0">
-              <a:buNone/>
-              <a:defRPr sz="1600">
-                <a:solidFill>
-                  <a:schemeClr val="tx1">
-                    <a:tint val="75000"/>
-                  </a:schemeClr>
-                </a:solidFill>
-              </a:defRPr>
-            </a:lvl3pPr>
-            <a:lvl4pPr marL="1371600" indent="0">
-              <a:buNone/>
-              <a:defRPr sz="1400">
-                <a:solidFill>
-                  <a:schemeClr val="tx1">
-                    <a:tint val="75000"/>
-                  </a:schemeClr>
-                </a:solidFill>
-              </a:defRPr>
-            </a:lvl4pPr>
-            <a:lvl5pPr marL="1828800" indent="0">
-              <a:buNone/>
-              <a:defRPr sz="1400">
-                <a:solidFill>
-                  <a:schemeClr val="tx1">
-                    <a:tint val="75000"/>
-                  </a:schemeClr>
-                </a:solidFill>
-              </a:defRPr>
-            </a:lvl5pPr>
-            <a:lvl6pPr marL="2286000" indent="0">
-              <a:buNone/>
-              <a:defRPr sz="1400">
-                <a:solidFill>
-                  <a:schemeClr val="tx1">
-                    <a:tint val="75000"/>
-                  </a:schemeClr>
-                </a:solidFill>
-              </a:defRPr>
-            </a:lvl6pPr>
-            <a:lvl7pPr marL="2743200" indent="0">
-              <a:buNone/>
-              <a:defRPr sz="1400">
-                <a:solidFill>
-                  <a:schemeClr val="tx1">
-                    <a:tint val="75000"/>
-                  </a:schemeClr>
-                </a:solidFill>
-              </a:defRPr>
-            </a:lvl7pPr>
-            <a:lvl8pPr marL="3200400" indent="0">
-              <a:buNone/>
-              <a:defRPr sz="1400">
-                <a:solidFill>
-                  <a:schemeClr val="tx1">
-                    <a:tint val="75000"/>
-                  </a:schemeClr>
-                </a:solidFill>
-              </a:defRPr>
-            </a:lvl8pPr>
-            <a:lvl9pPr marL="3657600" indent="0">
-              <a:buNone/>
-              <a:defRPr sz="1400">
-                <a:solidFill>
-                  <a:schemeClr val="tx1">
-                    <a:tint val="75000"/>
-                  </a:schemeClr>
-                </a:solidFill>
-              </a:defRPr>
-            </a:lvl9pPr>
-          </a:lstStyle>
-          <a:p>
-            <a:pPr lvl="0"/>
-            <a:r>
-              <a:rPr lang="ko-KR" altLang="en-US" smtClean="0"/>
-              <a:t>마스터 텍스트 스타일을 편집합니다</a:t>
-            </a:r>
-          </a:p>
-        </p:txBody>
-      </p:sp>
-      <p:sp>
-        <p:nvSpPr>
-          <p:cNvPr id="4" name="Date Placeholder 3"/>
-          <p:cNvSpPr>
-            <a:spLocks noGrp="1"/>
-          </p:cNvSpPr>
-          <p:nvPr>
-            <p:ph type="dt" sz="half" idx="10"/>
-          </p:nvPr>
-        </p:nvSpPr>
-        <p:spPr>
-          <a:xfrm>
-            <a:off x="5321808" y="1344502"/>
-            <a:ext cx="1554480" cy="530352"/>
-          </a:xfrm>
-        </p:spPr>
-        <p:txBody>
-          <a:bodyPr/>
-          <a:lstStyle>
-            <a:lvl1pPr algn="ctr">
-              <a:defRPr lang="en-US" sz="1300" kern="1200" spc="0" baseline="0">
-                <a:solidFill>
-                  <a:schemeClr val="tx1"/>
-                </a:solidFill>
-                <a:latin typeface="+mn-lt"/>
-                <a:ea typeface="+mn-ea"/>
-                <a:cs typeface="+mn-cs"/>
-              </a:defRPr>
-            </a:lvl1pPr>
-          </a:lstStyle>
-          <a:p>
-            <a:fld id="{C44961B7-6B89-48AB-966F-622E2788EECC}" type="datetimeFigureOut">
-              <a:rPr lang="en-US" dirty="0"/>
-              <a:t>12/2/2014</a:t>
-            </a:fld>
-            <a:endParaRPr lang="en-US" dirty="0"/>
-          </a:p>
-        </p:txBody>
-      </p:sp>
-      <p:sp>
-        <p:nvSpPr>
-          <p:cNvPr id="5" name="Footer Placeholder 4"/>
-          <p:cNvSpPr>
-            <a:spLocks noGrp="1"/>
-          </p:cNvSpPr>
-          <p:nvPr>
-            <p:ph type="ftr" sz="quarter" idx="11"/>
-          </p:nvPr>
-        </p:nvSpPr>
-        <p:spPr>
-          <a:xfrm>
-            <a:off x="1453553" y="5211060"/>
-            <a:ext cx="5907024" cy="228600"/>
-          </a:xfrm>
-        </p:spPr>
-        <p:txBody>
-          <a:bodyPr/>
-          <a:lstStyle>
-            <a:lvl1pPr algn="l">
-              <a:defRPr/>
-            </a:lvl1pPr>
-          </a:lstStyle>
-          <a:p>
-            <a:endParaRPr lang="en-US" dirty="0"/>
-          </a:p>
-        </p:txBody>
-      </p:sp>
-      <p:sp>
-        <p:nvSpPr>
-          <p:cNvPr id="6" name="Slide Number Placeholder 5"/>
-          <p:cNvSpPr>
-            <a:spLocks noGrp="1"/>
-          </p:cNvSpPr>
-          <p:nvPr>
-            <p:ph type="sldNum" sz="quarter" idx="12"/>
-          </p:nvPr>
-        </p:nvSpPr>
-        <p:spPr>
-          <a:xfrm>
-            <a:off x="8604504" y="5211060"/>
-            <a:ext cx="2112264" cy="228600"/>
-          </a:xfrm>
-        </p:spPr>
-        <p:txBody>
-          <a:bodyPr/>
-          <a:lstStyle/>
-          <a:p>
-            <a:fld id="{4FAB73BC-B049-4115-A692-8D63A059BFB8}" type="slidenum">
-              <a:rPr lang="en-US" dirty="0"/>
-              <a:t>‹#›</a:t>
-            </a:fld>
-            <a:endParaRPr lang="en-US" dirty="0"/>
-          </a:p>
-        </p:txBody>
-      </p:sp>
-    </p:spTree>
-  </p:cSld>
-  <p:clrMapOvr>
-    <a:overrideClrMapping bg1="lt1" tx1="dk1" bg2="lt2" tx2="dk2" accent1="accent1" accent2="accent2" accent3="accent3" accent4="accent4" accent5="accent5" accent6="accent6" hlink="hlink" folHlink="folHlink"/>
-  </p:clrMapOvr>
-</p:sldLayout>
-</file>
-
-<file path=ppt/slideLayouts/slideLayout5.xml><?xml version="1.0" encoding="utf-8"?>
+<file path=ppt/slideLayouts/slideLayout3.xml><?xml version="1.0" encoding="utf-8"?>
 <p:sldLayout xmlns:a="http://schemas.openxmlformats.org/drawingml/2006/main" xmlns:r="http://schemas.openxmlformats.org/officeDocument/2006/relationships" xmlns:p="http://schemas.openxmlformats.org/presentationml/2006/main" type="twoObj" preserve="1">
   <p:cSld name="콘텐츠 2개">
     <p:spTree>
@@ -2501,7 +1263,7 @@
           <a:p>
             <a:fld id="{DBD3D6FB-79CC-4683-A046-BBE785BA1BED}" type="datetimeFigureOut">
               <a:rPr lang="en-US" dirty="0"/>
-              <a:t>12/2/2014</a:t>
+              <a:t>12/3/2014</a:t>
             </a:fld>
             <a:endParaRPr lang="en-US" dirty="0"/>
           </a:p>
@@ -2550,14 +1312,26 @@
         </p:txBody>
       </p:sp>
     </p:spTree>
+    <p:extLst>
+      <p:ext uri="{BB962C8B-B14F-4D97-AF65-F5344CB8AC3E}">
+        <p14:creationId xmlns:p14="http://schemas.microsoft.com/office/powerpoint/2010/main" val="3762411741"/>
+      </p:ext>
+    </p:extLst>
   </p:cSld>
   <p:clrMapOvr>
     <a:masterClrMapping/>
   </p:clrMapOvr>
+  <p:timing>
+    <p:tnLst>
+      <p:par>
+        <p:cTn id="1" dur="indefinite" restart="never" nodeType="tmRoot"/>
+      </p:par>
+    </p:tnLst>
+  </p:timing>
 </p:sldLayout>
 </file>
 
-<file path=ppt/slideLayouts/slideLayout6.xml><?xml version="1.0" encoding="utf-8"?>
+<file path=ppt/slideLayouts/slideLayout4.xml><?xml version="1.0" encoding="utf-8"?>
 <p:sldLayout xmlns:a="http://schemas.openxmlformats.org/drawingml/2006/main" xmlns:r="http://schemas.openxmlformats.org/officeDocument/2006/relationships" xmlns:p="http://schemas.openxmlformats.org/presentationml/2006/main" type="twoTxTwoObj" preserve="1">
   <p:cSld name="비교">
     <p:spTree>
@@ -2933,7 +1707,7 @@
           <a:p>
             <a:fld id="{9512B3E8-48F1-4B23-8498-D8A04A81EC9C}" type="datetimeFigureOut">
               <a:rPr lang="en-US" dirty="0"/>
-              <a:t>12/2/2014</a:t>
+              <a:t>12/3/2014</a:t>
             </a:fld>
             <a:endParaRPr lang="en-US" dirty="0"/>
           </a:p>
@@ -2982,6 +1756,11 @@
         </p:txBody>
       </p:sp>
     </p:spTree>
+    <p:extLst>
+      <p:ext uri="{BB962C8B-B14F-4D97-AF65-F5344CB8AC3E}">
+        <p14:creationId xmlns:p14="http://schemas.microsoft.com/office/powerpoint/2010/main" val="652340625"/>
+      </p:ext>
+    </p:extLst>
   </p:cSld>
   <p:clrMapOvr>
     <a:masterClrMapping/>
@@ -2989,7 +1768,7 @@
 </p:sldLayout>
 </file>
 
-<file path=ppt/slideLayouts/slideLayout7.xml><?xml version="1.0" encoding="utf-8"?>
+<file path=ppt/slideLayouts/slideLayout5.xml><?xml version="1.0" encoding="utf-8"?>
 <p:sldLayout xmlns:a="http://schemas.openxmlformats.org/drawingml/2006/main" xmlns:r="http://schemas.openxmlformats.org/officeDocument/2006/relationships" xmlns:p="http://schemas.openxmlformats.org/presentationml/2006/main" type="titleOnly" preserve="1">
   <p:cSld name="제목만">
     <p:spTree>
@@ -3046,7 +1825,7 @@
           <a:p>
             <a:fld id="{10B90D90-AA62-404D-A741-635B4370F9CB}" type="datetimeFigureOut">
               <a:rPr lang="en-US" dirty="0"/>
-              <a:t>12/2/2014</a:t>
+              <a:t>12/3/2014</a:t>
             </a:fld>
             <a:endParaRPr lang="en-US" dirty="0"/>
           </a:p>
@@ -3095,6 +1874,11 @@
         </p:txBody>
       </p:sp>
     </p:spTree>
+    <p:extLst>
+      <p:ext uri="{BB962C8B-B14F-4D97-AF65-F5344CB8AC3E}">
+        <p14:creationId xmlns:p14="http://schemas.microsoft.com/office/powerpoint/2010/main" val="1905018000"/>
+      </p:ext>
+    </p:extLst>
   </p:cSld>
   <p:clrMapOvr>
     <a:masterClrMapping/>
@@ -3102,7 +1886,7 @@
 </p:sldLayout>
 </file>
 
-<file path=ppt/slideLayouts/slideLayout8.xml><?xml version="1.0" encoding="utf-8"?>
+<file path=ppt/slideLayouts/slideLayout6.xml><?xml version="1.0" encoding="utf-8"?>
 <p:sldLayout xmlns:a="http://schemas.openxmlformats.org/drawingml/2006/main" xmlns:r="http://schemas.openxmlformats.org/officeDocument/2006/relationships" xmlns:p="http://schemas.openxmlformats.org/presentationml/2006/main" type="blank" preserve="1">
   <p:cSld name="빈 화면">
     <p:spTree>
@@ -3136,7 +1920,7 @@
           <a:p>
             <a:fld id="{A57002E4-6836-46D1-9DBB-3C27C0DD3A89}" type="datetimeFigureOut">
               <a:rPr lang="en-US" dirty="0"/>
-              <a:t>12/2/2014</a:t>
+              <a:t>12/3/2014</a:t>
             </a:fld>
             <a:endParaRPr lang="en-US" dirty="0"/>
           </a:p>
@@ -3185,6 +1969,11 @@
         </p:txBody>
       </p:sp>
     </p:spTree>
+    <p:extLst>
+      <p:ext uri="{BB962C8B-B14F-4D97-AF65-F5344CB8AC3E}">
+        <p14:creationId xmlns:p14="http://schemas.microsoft.com/office/powerpoint/2010/main" val="80436831"/>
+      </p:ext>
+    </p:extLst>
   </p:cSld>
   <p:clrMapOvr>
     <a:masterClrMapping/>
@@ -3199,7 +1988,7 @@
 </p:sldLayout>
 </file>
 
-<file path=ppt/slideLayouts/slideLayout9.xml><?xml version="1.0" encoding="utf-8"?>
+<file path=ppt/slideLayouts/slideLayout7.xml><?xml version="1.0" encoding="utf-8"?>
 <p:sldLayout xmlns:a="http://schemas.openxmlformats.org/drawingml/2006/main" xmlns:r="http://schemas.openxmlformats.org/officeDocument/2006/relationships" xmlns:p="http://schemas.openxmlformats.org/presentationml/2006/main" showMasterSp="0" type="objTx" preserve="1">
   <p:cSld name="캡션 있는 콘텐츠">
     <p:spTree>
@@ -3520,7 +2309,7 @@
           <a:p>
             <a:fld id="{1CF131DD-A141-4471-BCF9-C6073EDD7E20}" type="datetimeFigureOut">
               <a:rPr lang="en-US" dirty="0"/>
-              <a:t>12/2/2014</a:t>
+              <a:t>12/3/2014</a:t>
             </a:fld>
             <a:endParaRPr lang="en-US" dirty="0"/>
           </a:p>
@@ -3626,6 +2415,590 @@
         </p:style>
       </p:sp>
     </p:spTree>
+    <p:extLst>
+      <p:ext uri="{BB962C8B-B14F-4D97-AF65-F5344CB8AC3E}">
+        <p14:creationId xmlns:p14="http://schemas.microsoft.com/office/powerpoint/2010/main" val="2021255753"/>
+      </p:ext>
+    </p:extLst>
+  </p:cSld>
+  <p:clrMapOvr>
+    <a:masterClrMapping/>
+  </p:clrMapOvr>
+</p:sldLayout>
+</file>
+
+<file path=ppt/slideLayouts/slideLayout8.xml><?xml version="1.0" encoding="utf-8"?>
+<p:sldLayout xmlns:a="http://schemas.openxmlformats.org/drawingml/2006/main" xmlns:r="http://schemas.openxmlformats.org/officeDocument/2006/relationships" xmlns:p="http://schemas.openxmlformats.org/presentationml/2006/main" showMasterSp="0" type="picTx" preserve="1">
+  <p:cSld name="캡션 있는 그림">
+    <p:spTree>
+      <p:nvGrpSpPr>
+        <p:cNvPr id="1" name=""/>
+        <p:cNvGrpSpPr/>
+        <p:nvPr/>
+      </p:nvGrpSpPr>
+      <p:grpSpPr>
+        <a:xfrm>
+          <a:off x="0" y="0"/>
+          <a:ext cx="0" cy="0"/>
+          <a:chOff x="0" y="0"/>
+          <a:chExt cx="0" cy="0"/>
+        </a:xfrm>
+      </p:grpSpPr>
+      <p:sp>
+        <p:nvSpPr>
+          <p:cNvPr id="14" name="Rectangle 13"/>
+          <p:cNvSpPr/>
+          <p:nvPr/>
+        </p:nvSpPr>
+        <p:spPr>
+          <a:xfrm>
+            <a:off x="9020386" y="237744"/>
+            <a:ext cx="2926080" cy="6382512"/>
+          </a:xfrm>
+          <a:prstGeom prst="rect">
+            <a:avLst/>
+          </a:prstGeom>
+          <a:solidFill>
+            <a:schemeClr val="accent1"/>
+          </a:solidFill>
+          <a:ln>
+            <a:noFill/>
+          </a:ln>
+        </p:spPr>
+        <p:style>
+          <a:lnRef idx="2">
+            <a:schemeClr val="accent1">
+              <a:shade val="50000"/>
+            </a:schemeClr>
+          </a:lnRef>
+          <a:fillRef idx="1">
+            <a:schemeClr val="accent1"/>
+          </a:fillRef>
+          <a:effectRef idx="0">
+            <a:schemeClr val="accent1"/>
+          </a:effectRef>
+          <a:fontRef idx="minor">
+            <a:schemeClr val="lt1"/>
+          </a:fontRef>
+        </p:style>
+      </p:sp>
+      <p:sp>
+        <p:nvSpPr>
+          <p:cNvPr id="2" name="Title 1"/>
+          <p:cNvSpPr>
+            <a:spLocks noGrp="1"/>
+          </p:cNvSpPr>
+          <p:nvPr>
+            <p:ph type="title"/>
+          </p:nvPr>
+        </p:nvSpPr>
+        <p:spPr>
+          <a:xfrm>
+            <a:off x="9296400" y="603504"/>
+            <a:ext cx="2432304" cy="1645920"/>
+          </a:xfrm>
+        </p:spPr>
+        <p:txBody>
+          <a:bodyPr anchor="b">
+            <a:noAutofit/>
+          </a:bodyPr>
+          <a:lstStyle>
+            <a:lvl1pPr algn="l">
+              <a:defRPr sz="2800" b="0">
+                <a:solidFill>
+                  <a:srgbClr val="FFFFFF"/>
+                </a:solidFill>
+                <a:latin typeface="+mj-lt"/>
+              </a:defRPr>
+            </a:lvl1pPr>
+          </a:lstStyle>
+          <a:p>
+            <a:r>
+              <a:rPr lang="ko-KR" altLang="en-US" smtClean="0"/>
+              <a:t>마스터 제목 스타일 편집</a:t>
+            </a:r>
+            <a:endParaRPr lang="en-US" dirty="0"/>
+          </a:p>
+        </p:txBody>
+      </p:sp>
+      <p:sp>
+        <p:nvSpPr>
+          <p:cNvPr id="3" name="Picture Placeholder 2"/>
+          <p:cNvSpPr>
+            <a:spLocks noGrp="1" noChangeAspect="1"/>
+          </p:cNvSpPr>
+          <p:nvPr>
+            <p:ph type="pic" idx="1"/>
+          </p:nvPr>
+        </p:nvSpPr>
+        <p:spPr>
+          <a:xfrm>
+            <a:off x="228599" y="237744"/>
+            <a:ext cx="8531352" cy="6382512"/>
+          </a:xfrm>
+          <a:solidFill>
+            <a:schemeClr val="accent1">
+              <a:lumMod val="60000"/>
+              <a:lumOff val="40000"/>
+            </a:schemeClr>
+          </a:solidFill>
+          <a:ln>
+            <a:noFill/>
+          </a:ln>
+        </p:spPr>
+        <p:txBody>
+          <a:bodyPr anchor="t"/>
+          <a:lstStyle>
+            <a:lvl1pPr marL="0" indent="0">
+              <a:buNone/>
+              <a:defRPr sz="3200"/>
+            </a:lvl1pPr>
+            <a:lvl2pPr marL="457200" indent="0">
+              <a:buNone/>
+              <a:defRPr sz="2800"/>
+            </a:lvl2pPr>
+            <a:lvl3pPr marL="914400" indent="0">
+              <a:buNone/>
+              <a:defRPr sz="2400"/>
+            </a:lvl3pPr>
+            <a:lvl4pPr marL="1371600" indent="0">
+              <a:buNone/>
+              <a:defRPr sz="2000"/>
+            </a:lvl4pPr>
+            <a:lvl5pPr marL="1828800" indent="0">
+              <a:buNone/>
+              <a:defRPr sz="2000"/>
+            </a:lvl5pPr>
+            <a:lvl6pPr marL="2286000" indent="0">
+              <a:buNone/>
+              <a:defRPr sz="2000"/>
+            </a:lvl6pPr>
+            <a:lvl7pPr marL="2743200" indent="0">
+              <a:buNone/>
+              <a:defRPr sz="2000"/>
+            </a:lvl7pPr>
+            <a:lvl8pPr marL="3200400" indent="0">
+              <a:buNone/>
+              <a:defRPr sz="2000"/>
+            </a:lvl8pPr>
+            <a:lvl9pPr marL="3657600" indent="0">
+              <a:buNone/>
+              <a:defRPr sz="2000"/>
+            </a:lvl9pPr>
+          </a:lstStyle>
+          <a:p>
+            <a:r>
+              <a:rPr lang="ko-KR" altLang="en-US" smtClean="0"/>
+              <a:t>그림을 추가하려면 아이콘을 클릭하십시오</a:t>
+            </a:r>
+            <a:endParaRPr lang="en-US" dirty="0"/>
+          </a:p>
+        </p:txBody>
+      </p:sp>
+      <p:sp>
+        <p:nvSpPr>
+          <p:cNvPr id="4" name="Text Placeholder 3"/>
+          <p:cNvSpPr>
+            <a:spLocks noGrp="1"/>
+          </p:cNvSpPr>
+          <p:nvPr>
+            <p:ph type="body" sz="half" idx="2"/>
+          </p:nvPr>
+        </p:nvSpPr>
+        <p:spPr>
+          <a:xfrm>
+            <a:off x="9296400" y="2286000"/>
+            <a:ext cx="2432304" cy="3502152"/>
+          </a:xfrm>
+        </p:spPr>
+        <p:txBody>
+          <a:bodyPr>
+            <a:normAutofit/>
+          </a:bodyPr>
+          <a:lstStyle>
+            <a:lvl1pPr marL="0" indent="0" algn="l">
+              <a:lnSpc>
+                <a:spcPct val="110000"/>
+              </a:lnSpc>
+              <a:spcBef>
+                <a:spcPts val="800"/>
+              </a:spcBef>
+              <a:buNone/>
+              <a:defRPr sz="1400">
+                <a:solidFill>
+                  <a:srgbClr val="FFFFFF"/>
+                </a:solidFill>
+              </a:defRPr>
+            </a:lvl1pPr>
+            <a:lvl2pPr marL="457200" indent="0">
+              <a:buNone/>
+              <a:defRPr sz="1200"/>
+            </a:lvl2pPr>
+            <a:lvl3pPr marL="914400" indent="0">
+              <a:buNone/>
+              <a:defRPr sz="1000"/>
+            </a:lvl3pPr>
+            <a:lvl4pPr marL="1371600" indent="0">
+              <a:buNone/>
+              <a:defRPr sz="900"/>
+            </a:lvl4pPr>
+            <a:lvl5pPr marL="1828800" indent="0">
+              <a:buNone/>
+              <a:defRPr sz="900"/>
+            </a:lvl5pPr>
+            <a:lvl6pPr marL="2286000" indent="0">
+              <a:buNone/>
+              <a:defRPr sz="900"/>
+            </a:lvl6pPr>
+            <a:lvl7pPr marL="2743200" indent="0">
+              <a:buNone/>
+              <a:defRPr sz="900"/>
+            </a:lvl7pPr>
+            <a:lvl8pPr marL="3200400" indent="0">
+              <a:buNone/>
+              <a:defRPr sz="900"/>
+            </a:lvl8pPr>
+            <a:lvl9pPr marL="3657600" indent="0">
+              <a:buNone/>
+              <a:defRPr sz="900"/>
+            </a:lvl9pPr>
+          </a:lstStyle>
+          <a:p>
+            <a:pPr lvl="0"/>
+            <a:r>
+              <a:rPr lang="ko-KR" altLang="en-US" smtClean="0"/>
+              <a:t>마스터 텍스트 스타일을 편집합니다</a:t>
+            </a:r>
+          </a:p>
+        </p:txBody>
+      </p:sp>
+      <p:sp>
+        <p:nvSpPr>
+          <p:cNvPr id="5" name="Date Placeholder 4"/>
+          <p:cNvSpPr>
+            <a:spLocks noGrp="1"/>
+          </p:cNvSpPr>
+          <p:nvPr>
+            <p:ph type="dt" sz="half" idx="10"/>
+          </p:nvPr>
+        </p:nvSpPr>
+        <p:spPr/>
+        <p:txBody>
+          <a:bodyPr/>
+          <a:lstStyle>
+            <a:lvl1pPr>
+              <a:defRPr>
+                <a:solidFill>
+                  <a:srgbClr val="FFFFFF"/>
+                </a:solidFill>
+                <a:effectLst>
+                  <a:outerShdw blurRad="12700" dist="6350" dir="2700000" algn="tl" rotWithShape="0">
+                    <a:prstClr val="black">
+                      <a:alpha val="40000"/>
+                    </a:prstClr>
+                  </a:outerShdw>
+                </a:effectLst>
+              </a:defRPr>
+            </a:lvl1pPr>
+          </a:lstStyle>
+          <a:p>
+            <a:fld id="{AB334A90-EB03-42F3-8859-2C2B2724C058}" type="datetimeFigureOut">
+              <a:rPr lang="en-US" dirty="0"/>
+              <a:t>12/3/2014</a:t>
+            </a:fld>
+            <a:endParaRPr lang="en-US" dirty="0"/>
+          </a:p>
+        </p:txBody>
+      </p:sp>
+      <p:sp>
+        <p:nvSpPr>
+          <p:cNvPr id="6" name="Footer Placeholder 5"/>
+          <p:cNvSpPr>
+            <a:spLocks noGrp="1"/>
+          </p:cNvSpPr>
+          <p:nvPr>
+            <p:ph type="ftr" sz="quarter" idx="11"/>
+          </p:nvPr>
+        </p:nvSpPr>
+        <p:spPr/>
+        <p:txBody>
+          <a:bodyPr/>
+          <a:lstStyle>
+            <a:lvl1pPr marL="0" algn="r" defTabSz="914400" rtl="0" eaLnBrk="1" latinLnBrk="0" hangingPunct="1">
+              <a:defRPr lang="en-US" sz="1000" kern="1200" dirty="0">
+                <a:solidFill>
+                  <a:srgbClr val="FFFFFF"/>
+                </a:solidFill>
+                <a:effectLst>
+                  <a:outerShdw blurRad="12700" dist="6350" dir="2700000" algn="tl" rotWithShape="0">
+                    <a:prstClr val="black">
+                      <a:alpha val="40000"/>
+                    </a:prstClr>
+                  </a:outerShdw>
+                </a:effectLst>
+                <a:latin typeface="+mn-lt"/>
+                <a:ea typeface="+mn-ea"/>
+                <a:cs typeface="+mn-cs"/>
+              </a:defRPr>
+            </a:lvl1pPr>
+          </a:lstStyle>
+          <a:p>
+            <a:endParaRPr lang="en-US" dirty="0"/>
+          </a:p>
+        </p:txBody>
+      </p:sp>
+      <p:sp>
+        <p:nvSpPr>
+          <p:cNvPr id="7" name="Slide Number Placeholder 6"/>
+          <p:cNvSpPr>
+            <a:spLocks noGrp="1"/>
+          </p:cNvSpPr>
+          <p:nvPr>
+            <p:ph type="sldNum" sz="quarter" idx="12"/>
+          </p:nvPr>
+        </p:nvSpPr>
+        <p:spPr>
+          <a:xfrm>
+            <a:off x="10396728" y="6227064"/>
+            <a:ext cx="1463040" cy="274320"/>
+          </a:xfrm>
+        </p:spPr>
+        <p:txBody>
+          <a:bodyPr/>
+          <a:lstStyle>
+            <a:lvl1pPr>
+              <a:defRPr>
+                <a:solidFill>
+                  <a:srgbClr val="FFFFFF"/>
+                </a:solidFill>
+              </a:defRPr>
+            </a:lvl1pPr>
+          </a:lstStyle>
+          <a:p>
+            <a:fld id="{4FAB73BC-B049-4115-A692-8D63A059BFB8}" type="slidenum">
+              <a:rPr lang="en-US" dirty="0"/>
+              <a:pPr/>
+              <a:t>‹#›</a:t>
+            </a:fld>
+            <a:endParaRPr lang="en-US" dirty="0"/>
+          </a:p>
+        </p:txBody>
+      </p:sp>
+      <p:sp>
+        <p:nvSpPr>
+          <p:cNvPr id="10" name="Rectangle 9"/>
+          <p:cNvSpPr/>
+          <p:nvPr/>
+        </p:nvSpPr>
+        <p:spPr>
+          <a:xfrm>
+            <a:off x="9157546" y="374904"/>
+            <a:ext cx="2651760" cy="6108192"/>
+          </a:xfrm>
+          <a:prstGeom prst="rect">
+            <a:avLst/>
+          </a:prstGeom>
+          <a:noFill/>
+          <a:ln w="6350" cap="sq">
+            <a:solidFill>
+              <a:srgbClr val="FFFFFF"/>
+            </a:solidFill>
+            <a:miter lim="800000"/>
+          </a:ln>
+        </p:spPr>
+        <p:style>
+          <a:lnRef idx="2">
+            <a:schemeClr val="accent1">
+              <a:shade val="50000"/>
+            </a:schemeClr>
+          </a:lnRef>
+          <a:fillRef idx="1">
+            <a:schemeClr val="accent1"/>
+          </a:fillRef>
+          <a:effectRef idx="0">
+            <a:schemeClr val="accent1"/>
+          </a:effectRef>
+          <a:fontRef idx="minor">
+            <a:schemeClr val="lt1"/>
+          </a:fontRef>
+        </p:style>
+      </p:sp>
+    </p:spTree>
+    <p:extLst>
+      <p:ext uri="{BB962C8B-B14F-4D97-AF65-F5344CB8AC3E}">
+        <p14:creationId xmlns:p14="http://schemas.microsoft.com/office/powerpoint/2010/main" val="2192067619"/>
+      </p:ext>
+    </p:extLst>
+  </p:cSld>
+  <p:clrMapOvr>
+    <a:masterClrMapping/>
+  </p:clrMapOvr>
+</p:sldLayout>
+</file>
+
+<file path=ppt/slideLayouts/slideLayout9.xml><?xml version="1.0" encoding="utf-8"?>
+<p:sldLayout xmlns:a="http://schemas.openxmlformats.org/drawingml/2006/main" xmlns:r="http://schemas.openxmlformats.org/officeDocument/2006/relationships" xmlns:p="http://schemas.openxmlformats.org/presentationml/2006/main" type="vertTx" preserve="1">
+  <p:cSld name="제목 및 세로 텍스트">
+    <p:spTree>
+      <p:nvGrpSpPr>
+        <p:cNvPr id="1" name=""/>
+        <p:cNvGrpSpPr/>
+        <p:nvPr/>
+      </p:nvGrpSpPr>
+      <p:grpSpPr>
+        <a:xfrm>
+          <a:off x="0" y="0"/>
+          <a:ext cx="0" cy="0"/>
+          <a:chOff x="0" y="0"/>
+          <a:chExt cx="0" cy="0"/>
+        </a:xfrm>
+      </p:grpSpPr>
+      <p:sp>
+        <p:nvSpPr>
+          <p:cNvPr id="2" name="Title 1"/>
+          <p:cNvSpPr>
+            <a:spLocks noGrp="1"/>
+          </p:cNvSpPr>
+          <p:nvPr>
+            <p:ph type="title"/>
+          </p:nvPr>
+        </p:nvSpPr>
+        <p:spPr/>
+        <p:txBody>
+          <a:bodyPr/>
+          <a:lstStyle/>
+          <a:p>
+            <a:r>
+              <a:rPr lang="ko-KR" altLang="en-US" smtClean="0"/>
+              <a:t>마스터 제목 스타일 편집</a:t>
+            </a:r>
+            <a:endParaRPr lang="en-US" dirty="0"/>
+          </a:p>
+        </p:txBody>
+      </p:sp>
+      <p:sp>
+        <p:nvSpPr>
+          <p:cNvPr id="3" name="Vertical Text Placeholder 2"/>
+          <p:cNvSpPr>
+            <a:spLocks noGrp="1"/>
+          </p:cNvSpPr>
+          <p:nvPr>
+            <p:ph type="body" orient="vert" idx="1"/>
+          </p:nvPr>
+        </p:nvSpPr>
+        <p:spPr/>
+        <p:txBody>
+          <a:bodyPr vert="eaVert"/>
+          <a:lstStyle/>
+          <a:p>
+            <a:pPr lvl="0"/>
+            <a:r>
+              <a:rPr lang="ko-KR" altLang="en-US" smtClean="0"/>
+              <a:t>마스터 텍스트 스타일을 편집합니다</a:t>
+            </a:r>
+          </a:p>
+          <a:p>
+            <a:pPr lvl="1"/>
+            <a:r>
+              <a:rPr lang="ko-KR" altLang="en-US" smtClean="0"/>
+              <a:t>둘째 수준</a:t>
+            </a:r>
+          </a:p>
+          <a:p>
+            <a:pPr lvl="2"/>
+            <a:r>
+              <a:rPr lang="ko-KR" altLang="en-US" smtClean="0"/>
+              <a:t>셋째 수준</a:t>
+            </a:r>
+          </a:p>
+          <a:p>
+            <a:pPr lvl="3"/>
+            <a:r>
+              <a:rPr lang="ko-KR" altLang="en-US" smtClean="0"/>
+              <a:t>넷째 수준</a:t>
+            </a:r>
+          </a:p>
+          <a:p>
+            <a:pPr lvl="4"/>
+            <a:r>
+              <a:rPr lang="ko-KR" altLang="en-US" smtClean="0"/>
+              <a:t>다섯째 수준</a:t>
+            </a:r>
+            <a:endParaRPr lang="en-US" dirty="0"/>
+          </a:p>
+        </p:txBody>
+      </p:sp>
+      <p:sp>
+        <p:nvSpPr>
+          <p:cNvPr id="4" name="Date Placeholder 3"/>
+          <p:cNvSpPr>
+            <a:spLocks noGrp="1"/>
+          </p:cNvSpPr>
+          <p:nvPr>
+            <p:ph type="dt" sz="half" idx="10"/>
+          </p:nvPr>
+        </p:nvSpPr>
+        <p:spPr/>
+        <p:txBody>
+          <a:bodyPr/>
+          <a:lstStyle/>
+          <a:p>
+            <a:fld id="{D11A6AA8-A04B-4104-9AE2-BD48D340E27F}" type="datetimeFigureOut">
+              <a:rPr lang="en-US" dirty="0"/>
+              <a:t>12/3/2014</a:t>
+            </a:fld>
+            <a:endParaRPr lang="en-US" dirty="0"/>
+          </a:p>
+        </p:txBody>
+      </p:sp>
+      <p:sp>
+        <p:nvSpPr>
+          <p:cNvPr id="5" name="Footer Placeholder 4"/>
+          <p:cNvSpPr>
+            <a:spLocks noGrp="1"/>
+          </p:cNvSpPr>
+          <p:nvPr>
+            <p:ph type="ftr" sz="quarter" idx="11"/>
+          </p:nvPr>
+        </p:nvSpPr>
+        <p:spPr/>
+        <p:txBody>
+          <a:bodyPr/>
+          <a:lstStyle/>
+          <a:p>
+            <a:endParaRPr lang="en-US" dirty="0"/>
+          </a:p>
+        </p:txBody>
+      </p:sp>
+      <p:sp>
+        <p:nvSpPr>
+          <p:cNvPr id="6" name="Slide Number Placeholder 5"/>
+          <p:cNvSpPr>
+            <a:spLocks noGrp="1"/>
+          </p:cNvSpPr>
+          <p:nvPr>
+            <p:ph type="sldNum" sz="quarter" idx="12"/>
+          </p:nvPr>
+        </p:nvSpPr>
+        <p:spPr/>
+        <p:txBody>
+          <a:bodyPr/>
+          <a:lstStyle/>
+          <a:p>
+            <a:fld id="{4FAB73BC-B049-4115-A692-8D63A059BFB8}" type="slidenum">
+              <a:rPr lang="en-US" dirty="0"/>
+              <a:t>‹#›</a:t>
+            </a:fld>
+            <a:endParaRPr lang="en-US" dirty="0"/>
+          </a:p>
+        </p:txBody>
+      </p:sp>
+    </p:spTree>
+    <p:extLst>
+      <p:ext uri="{BB962C8B-B14F-4D97-AF65-F5344CB8AC3E}">
+        <p14:creationId xmlns:p14="http://schemas.microsoft.com/office/powerpoint/2010/main" val="2050660395"/>
+      </p:ext>
+    </p:extLst>
   </p:cSld>
   <p:clrMapOvr>
     <a:masterClrMapping/>
@@ -3634,7 +3007,7 @@
 </file>
 
 <file path=ppt/slideMasters/slideMaster1.xml><?xml version="1.0" encoding="utf-8"?>
-<p:sldMaster xmlns:a="http://schemas.openxmlformats.org/drawingml/2006/main" xmlns:r="http://schemas.openxmlformats.org/officeDocument/2006/relationships" xmlns:p="http://schemas.openxmlformats.org/presentationml/2006/main">
+<p:sldMaster xmlns:a="http://schemas.openxmlformats.org/drawingml/2006/main" xmlns:r="http://schemas.openxmlformats.org/officeDocument/2006/relationships" xmlns:p="http://schemas.openxmlformats.org/presentationml/2006/main" preserve="1">
   <p:cSld>
     <p:bg>
       <p:bgPr>
@@ -3815,7 +3188,7 @@
           <a:p>
             <a:fld id="{CBC48EC7-AF6A-48D3-8284-14BACBEBDD84}" type="datetimeFigureOut">
               <a:rPr lang="en-US" dirty="0"/>
-              <a:t>12/2/2014</a:t>
+              <a:t>12/3/2014</a:t>
             </a:fld>
             <a:endParaRPr lang="en-US" dirty="0"/>
           </a:p>
@@ -3903,21 +3276,25 @@
         </p:txBody>
       </p:sp>
     </p:spTree>
+    <p:extLst>
+      <p:ext uri="{BB962C8B-B14F-4D97-AF65-F5344CB8AC3E}">
+        <p14:creationId xmlns:p14="http://schemas.microsoft.com/office/powerpoint/2010/main" val="4112077020"/>
+      </p:ext>
+    </p:extLst>
   </p:cSld>
   <p:clrMap bg1="lt1" tx1="dk1" bg2="lt2" tx2="dk2" accent1="accent1" accent2="accent2" accent3="accent3" accent4="accent4" accent5="accent5" accent6="accent6" hlink="hlink" folHlink="folHlink"/>
   <p:sldLayoutIdLst>
-    <p:sldLayoutId id="2147483780" r:id="rId1"/>
-    <p:sldLayoutId id="2147483782" r:id="rId2"/>
-    <p:sldLayoutId id="2147483770" r:id="rId3"/>
-    <p:sldLayoutId id="2147483771" r:id="rId4"/>
-    <p:sldLayoutId id="2147483772" r:id="rId5"/>
-    <p:sldLayoutId id="2147483773" r:id="rId6"/>
-    <p:sldLayoutId id="2147483774" r:id="rId7"/>
-    <p:sldLayoutId id="2147483775" r:id="rId8"/>
-    <p:sldLayoutId id="2147483776" r:id="rId9"/>
-    <p:sldLayoutId id="2147483777" r:id="rId10"/>
-    <p:sldLayoutId id="2147483778" r:id="rId11"/>
-    <p:sldLayoutId id="2147483779" r:id="rId12"/>
+    <p:sldLayoutId id="2147483795" r:id="rId1"/>
+    <p:sldLayoutId id="2147483796" r:id="rId2"/>
+    <p:sldLayoutId id="2147483797" r:id="rId3"/>
+    <p:sldLayoutId id="2147483798" r:id="rId4"/>
+    <p:sldLayoutId id="2147483799" r:id="rId5"/>
+    <p:sldLayoutId id="2147483800" r:id="rId6"/>
+    <p:sldLayoutId id="2147483801" r:id="rId7"/>
+    <p:sldLayoutId id="2147483802" r:id="rId8"/>
+    <p:sldLayoutId id="2147483803" r:id="rId9"/>
+    <p:sldLayoutId id="2147483804" r:id="rId10"/>
+    <p:sldLayoutId id="2147483782" r:id="rId11"/>
   </p:sldLayoutIdLst>
   <p:timing>
     <p:tnLst>
@@ -4303,33 +3680,63 @@
           <a:bodyPr/>
           <a:lstStyle/>
           <a:p>
+            <a:pPr>
+              <a:lnSpc>
+                <a:spcPct val="100000"/>
+              </a:lnSpc>
+            </a:pPr>
             <a:r>
-              <a:rPr lang="en-US" altLang="ko-KR" sz="9600" dirty="0"/>
-              <a:t>JAVA </a:t>
+              <a:rPr lang="en-US" altLang="ko-KR" sz="9600" b="1" dirty="0">
+                <a:latin typeface="나눔바른고딕 UltraLight" panose="020B0603020101020101" pitchFamily="50" charset="-127"/>
+                <a:ea typeface="나눔바른고딕 UltraLight" panose="020B0603020101020101" pitchFamily="50" charset="-127"/>
+              </a:rPr>
+              <a:t>JAVA</a:t>
             </a:r>
             <a:r>
-              <a:rPr lang="en-US" altLang="ko-KR" sz="9600" dirty="0" smtClean="0"/>
+              <a:rPr lang="en-US" altLang="ko-KR" sz="9600" dirty="0">
+                <a:latin typeface="나눔바른고딕 UltraLight" panose="020B0603020101020101" pitchFamily="50" charset="-127"/>
+                <a:ea typeface="나눔바른고딕 UltraLight" panose="020B0603020101020101" pitchFamily="50" charset="-127"/>
+              </a:rPr>
+              <a:t> </a:t>
+            </a:r>
+            <a:r>
+              <a:rPr lang="en-US" altLang="ko-KR" sz="9600" dirty="0" smtClean="0">
+                <a:latin typeface="나눔바른고딕 UltraLight" panose="020B0603020101020101" pitchFamily="50" charset="-127"/>
+                <a:ea typeface="나눔바른고딕 UltraLight" panose="020B0603020101020101" pitchFamily="50" charset="-127"/>
+              </a:rPr>
               <a:t/>
             </a:r>
             <a:br>
-              <a:rPr lang="en-US" altLang="ko-KR" sz="9600" dirty="0" smtClean="0"/>
+              <a:rPr lang="en-US" altLang="ko-KR" sz="9600" dirty="0" smtClean="0">
+                <a:latin typeface="나눔바른고딕 UltraLight" panose="020B0603020101020101" pitchFamily="50" charset="-127"/>
+                <a:ea typeface="나눔바른고딕 UltraLight" panose="020B0603020101020101" pitchFamily="50" charset="-127"/>
+              </a:rPr>
             </a:br>
             <a:r>
-              <a:rPr lang="en-US" altLang="ko-KR" sz="9600" dirty="0" smtClean="0"/>
+              <a:rPr lang="en-US" altLang="ko-KR" sz="9600" dirty="0" smtClean="0">
+                <a:latin typeface="나눔바른고딕 UltraLight" panose="020B0603020101020101" pitchFamily="50" charset="-127"/>
+                <a:ea typeface="나눔바른고딕 UltraLight" panose="020B0603020101020101" pitchFamily="50" charset="-127"/>
+              </a:rPr>
               <a:t>Array </a:t>
             </a:r>
             <a:r>
-              <a:rPr lang="en-US" altLang="ko-KR" sz="9600" dirty="0"/>
-              <a:t>List</a:t>
+              <a:rPr lang="en-US" altLang="ko-KR" sz="9600" dirty="0" smtClean="0">
+                <a:latin typeface="나눔바른고딕 UltraLight" panose="020B0603020101020101" pitchFamily="50" charset="-127"/>
+                <a:ea typeface="나눔바른고딕 UltraLight" panose="020B0603020101020101" pitchFamily="50" charset="-127"/>
+              </a:rPr>
+              <a:t>List </a:t>
             </a:r>
-            <a:br>
-              <a:rPr lang="en-US" altLang="ko-KR" sz="9600" dirty="0"/>
-            </a:br>
             <a:r>
-              <a:rPr lang="ko-KR" altLang="en-US" sz="9600" dirty="0" smtClean="0"/>
+              <a:rPr lang="ko-KR" altLang="en-US" sz="9600" dirty="0" smtClean="0">
+                <a:latin typeface="나눔바른고딕 UltraLight" panose="020B0603020101020101" pitchFamily="50" charset="-127"/>
+                <a:ea typeface="나눔바른고딕 UltraLight" panose="020B0603020101020101" pitchFamily="50" charset="-127"/>
+              </a:rPr>
               <a:t>사용법</a:t>
             </a:r>
-            <a:endParaRPr lang="ko-KR" altLang="en-US" sz="9600" dirty="0"/>
+            <a:endParaRPr lang="ko-KR" altLang="en-US" sz="9600" dirty="0">
+              <a:latin typeface="나눔바른고딕 UltraLight" panose="020B0603020101020101" pitchFamily="50" charset="-127"/>
+              <a:ea typeface="나눔바른고딕 UltraLight" panose="020B0603020101020101" pitchFamily="50" charset="-127"/>
+            </a:endParaRPr>
           </a:p>
         </p:txBody>
       </p:sp>
@@ -4379,9 +3786,9 @@
         <p:grpSpPr>
           <a:xfrm>
             <a:off x="3035560" y="2640085"/>
-            <a:ext cx="1036289" cy="1095195"/>
+            <a:ext cx="1036289" cy="1135372"/>
             <a:chOff x="1877654" y="1556951"/>
-            <a:chExt cx="873783" cy="839506"/>
+            <a:chExt cx="873783" cy="870303"/>
           </a:xfrm>
         </p:grpSpPr>
         <p:sp>
@@ -4440,6 +3847,7 @@
                   </a:solidFill>
                 </a:ln>
                 <a:noFill/>
+                <a:latin typeface="+mn-ea"/>
               </a:endParaRPr>
             </a:p>
           </p:txBody>
@@ -4488,7 +3896,7 @@
           <p:spPr>
             <a:xfrm>
               <a:off x="1877654" y="2120555"/>
-              <a:ext cx="870143" cy="274074"/>
+              <a:ext cx="870143" cy="306699"/>
             </a:xfrm>
             <a:prstGeom prst="rect">
               <a:avLst/>
@@ -4507,8 +3915,7 @@
                   <a:solidFill>
                     <a:srgbClr val="333333"/>
                   </a:solidFill>
-                  <a:latin typeface="넥슨 풋볼고딕 B" panose="020B0803000000000000" pitchFamily="50" charset="-127"/>
-                  <a:ea typeface="넥슨 풋볼고딕 B" panose="020B0803000000000000" pitchFamily="50" charset="-127"/>
+                  <a:latin typeface="+mn-ea"/>
                 </a:rPr>
                 <a:t>0</a:t>
               </a:r>
@@ -4516,8 +3923,7 @@
                 <a:solidFill>
                   <a:srgbClr val="333333"/>
                 </a:solidFill>
-                <a:latin typeface="넥슨 풋볼고딕 B" panose="020B0803000000000000" pitchFamily="50" charset="-127"/>
-                <a:ea typeface="넥슨 풋볼고딕 B" panose="020B0803000000000000" pitchFamily="50" charset="-127"/>
+                <a:latin typeface="+mn-ea"/>
               </a:endParaRPr>
             </a:p>
           </p:txBody>
@@ -4550,8 +3956,7 @@
                   <a:solidFill>
                     <a:srgbClr val="333333"/>
                   </a:solidFill>
-                  <a:latin typeface="넥슨 풋볼고딕 B" panose="020B0803000000000000" pitchFamily="50" charset="-127"/>
-                  <a:ea typeface="넥슨 풋볼고딕 B" panose="020B0803000000000000" pitchFamily="50" charset="-127"/>
+                  <a:latin typeface="+mn-ea"/>
                 </a:rPr>
                 <a:t>10</a:t>
               </a:r>
@@ -4559,8 +3964,7 @@
                 <a:solidFill>
                   <a:srgbClr val="333333"/>
                 </a:solidFill>
-                <a:latin typeface="넥슨 풋볼고딕 B" panose="020B0803000000000000" pitchFamily="50" charset="-127"/>
-                <a:ea typeface="넥슨 풋볼고딕 B" panose="020B0803000000000000" pitchFamily="50" charset="-127"/>
+                <a:latin typeface="+mn-ea"/>
               </a:endParaRPr>
             </a:p>
           </p:txBody>
@@ -4575,9 +3979,9 @@
         <p:grpSpPr>
           <a:xfrm>
             <a:off x="4487804" y="2640085"/>
-            <a:ext cx="1036289" cy="1095195"/>
+            <a:ext cx="1036289" cy="1135372"/>
             <a:chOff x="1877654" y="1556951"/>
-            <a:chExt cx="873783" cy="839506"/>
+            <a:chExt cx="873783" cy="870303"/>
           </a:xfrm>
         </p:grpSpPr>
         <p:sp>
@@ -4636,6 +4040,7 @@
                   </a:solidFill>
                 </a:ln>
                 <a:noFill/>
+                <a:latin typeface="+mn-ea"/>
               </a:endParaRPr>
             </a:p>
           </p:txBody>
@@ -4684,7 +4089,7 @@
           <p:spPr>
             <a:xfrm>
               <a:off x="1877654" y="2120555"/>
-              <a:ext cx="870143" cy="274074"/>
+              <a:ext cx="870143" cy="306699"/>
             </a:xfrm>
             <a:prstGeom prst="rect">
               <a:avLst/>
@@ -4703,8 +4108,7 @@
                   <a:solidFill>
                     <a:srgbClr val="333333"/>
                   </a:solidFill>
-                  <a:latin typeface="넥슨 풋볼고딕 B" panose="020B0803000000000000" pitchFamily="50" charset="-127"/>
-                  <a:ea typeface="넥슨 풋볼고딕 B" panose="020B0803000000000000" pitchFamily="50" charset="-127"/>
+                  <a:latin typeface="+mn-ea"/>
                 </a:rPr>
                 <a:t>1</a:t>
               </a:r>
@@ -4712,8 +4116,7 @@
                 <a:solidFill>
                   <a:srgbClr val="333333"/>
                 </a:solidFill>
-                <a:latin typeface="넥슨 풋볼고딕 B" panose="020B0803000000000000" pitchFamily="50" charset="-127"/>
-                <a:ea typeface="넥슨 풋볼고딕 B" panose="020B0803000000000000" pitchFamily="50" charset="-127"/>
+                <a:latin typeface="+mn-ea"/>
               </a:endParaRPr>
             </a:p>
           </p:txBody>
@@ -4746,8 +4149,7 @@
                   <a:solidFill>
                     <a:srgbClr val="333333"/>
                   </a:solidFill>
-                  <a:latin typeface="넥슨 풋볼고딕 B" panose="020B0803000000000000" pitchFamily="50" charset="-127"/>
-                  <a:ea typeface="넥슨 풋볼고딕 B" panose="020B0803000000000000" pitchFamily="50" charset="-127"/>
+                  <a:latin typeface="+mn-ea"/>
                 </a:rPr>
                 <a:t>20</a:t>
               </a:r>
@@ -4755,8 +4157,7 @@
                 <a:solidFill>
                   <a:srgbClr val="333333"/>
                 </a:solidFill>
-                <a:latin typeface="넥슨 풋볼고딕 B" panose="020B0803000000000000" pitchFamily="50" charset="-127"/>
-                <a:ea typeface="넥슨 풋볼고딕 B" panose="020B0803000000000000" pitchFamily="50" charset="-127"/>
+                <a:latin typeface="+mn-ea"/>
               </a:endParaRPr>
             </a:p>
           </p:txBody>
@@ -4832,6 +4233,7 @@
                   </a:solidFill>
                 </a:ln>
                 <a:noFill/>
+                <a:latin typeface="+mn-ea"/>
               </a:endParaRPr>
             </a:p>
           </p:txBody>
@@ -4899,8 +4301,7 @@
                   <a:solidFill>
                     <a:srgbClr val="333333"/>
                   </a:solidFill>
-                  <a:latin typeface="넥슨 풋볼고딕 B" panose="020B0803000000000000" pitchFamily="50" charset="-127"/>
-                  <a:ea typeface="넥슨 풋볼고딕 B" panose="020B0803000000000000" pitchFamily="50" charset="-127"/>
+                  <a:latin typeface="+mn-ea"/>
                 </a:rPr>
                 <a:t>3</a:t>
               </a:r>
@@ -4908,8 +4309,7 @@
                 <a:solidFill>
                   <a:srgbClr val="333333"/>
                 </a:solidFill>
-                <a:latin typeface="넥슨 풋볼고딕 B" panose="020B0803000000000000" pitchFamily="50" charset="-127"/>
-                <a:ea typeface="넥슨 풋볼고딕 B" panose="020B0803000000000000" pitchFamily="50" charset="-127"/>
+                <a:latin typeface="+mn-ea"/>
               </a:endParaRPr>
             </a:p>
           </p:txBody>
@@ -4942,8 +4342,7 @@
                   <a:solidFill>
                     <a:srgbClr val="333333"/>
                   </a:solidFill>
-                  <a:latin typeface="넥슨 풋볼고딕 B" panose="020B0803000000000000" pitchFamily="50" charset="-127"/>
-                  <a:ea typeface="넥슨 풋볼고딕 B" panose="020B0803000000000000" pitchFamily="50" charset="-127"/>
+                  <a:latin typeface="+mn-ea"/>
                 </a:rPr>
                 <a:t>30</a:t>
               </a:r>
@@ -4951,8 +4350,7 @@
                 <a:solidFill>
                   <a:srgbClr val="333333"/>
                 </a:solidFill>
-                <a:latin typeface="넥슨 풋볼고딕 B" panose="020B0803000000000000" pitchFamily="50" charset="-127"/>
-                <a:ea typeface="넥슨 풋볼고딕 B" panose="020B0803000000000000" pitchFamily="50" charset="-127"/>
+                <a:latin typeface="+mn-ea"/>
               </a:endParaRPr>
             </a:p>
           </p:txBody>
@@ -5016,6 +4414,7 @@
                 <a:prstDash val="dash"/>
               </a:ln>
               <a:noFill/>
+              <a:latin typeface="+mn-ea"/>
             </a:endParaRPr>
           </a:p>
         </p:txBody>
@@ -5090,6 +4489,7 @@
                   </a:solidFill>
                 </a:ln>
                 <a:noFill/>
+                <a:latin typeface="+mn-ea"/>
               </a:endParaRPr>
             </a:p>
           </p:txBody>
@@ -5157,8 +4557,7 @@
                   <a:solidFill>
                     <a:srgbClr val="333333"/>
                   </a:solidFill>
-                  <a:latin typeface="넥슨 풋볼고딕 B" panose="020B0803000000000000" pitchFamily="50" charset="-127"/>
-                  <a:ea typeface="넥슨 풋볼고딕 B" panose="020B0803000000000000" pitchFamily="50" charset="-127"/>
+                  <a:latin typeface="+mn-ea"/>
                 </a:rPr>
                 <a:t>4</a:t>
               </a:r>
@@ -5166,8 +4565,7 @@
                 <a:solidFill>
                   <a:srgbClr val="333333"/>
                 </a:solidFill>
-                <a:latin typeface="넥슨 풋볼고딕 B" panose="020B0803000000000000" pitchFamily="50" charset="-127"/>
-                <a:ea typeface="넥슨 풋볼고딕 B" panose="020B0803000000000000" pitchFamily="50" charset="-127"/>
+                <a:latin typeface="+mn-ea"/>
               </a:endParaRPr>
             </a:p>
           </p:txBody>
@@ -5200,8 +4598,7 @@
                   <a:solidFill>
                     <a:srgbClr val="333333"/>
                   </a:solidFill>
-                  <a:latin typeface="넥슨 풋볼고딕 B" panose="020B0803000000000000" pitchFamily="50" charset="-127"/>
-                  <a:ea typeface="넥슨 풋볼고딕 B" panose="020B0803000000000000" pitchFamily="50" charset="-127"/>
+                  <a:latin typeface="+mn-ea"/>
                 </a:rPr>
                 <a:t>40</a:t>
               </a:r>
@@ -5209,8 +4606,7 @@
                 <a:solidFill>
                   <a:srgbClr val="333333"/>
                 </a:solidFill>
-                <a:latin typeface="넥슨 풋볼고딕 B" panose="020B0803000000000000" pitchFamily="50" charset="-127"/>
-                <a:ea typeface="넥슨 풋볼고딕 B" panose="020B0803000000000000" pitchFamily="50" charset="-127"/>
+                <a:latin typeface="+mn-ea"/>
               </a:endParaRPr>
             </a:p>
           </p:txBody>
@@ -5267,6 +4663,7 @@
               <a:solidFill>
                 <a:schemeClr val="tx1"/>
               </a:solidFill>
+              <a:latin typeface="+mn-ea"/>
             </a:endParaRPr>
           </a:p>
         </p:txBody>
@@ -5317,9 +4714,9 @@
         <p:grpSpPr>
           <a:xfrm>
             <a:off x="3035560" y="2640085"/>
-            <a:ext cx="1036289" cy="1095195"/>
+            <a:ext cx="1036289" cy="1135372"/>
             <a:chOff x="1877654" y="1556951"/>
-            <a:chExt cx="873783" cy="839506"/>
+            <a:chExt cx="873783" cy="870303"/>
           </a:xfrm>
         </p:grpSpPr>
         <p:sp>
@@ -5378,6 +4775,7 @@
                   </a:solidFill>
                 </a:ln>
                 <a:noFill/>
+                <a:latin typeface="+mn-ea"/>
               </a:endParaRPr>
             </a:p>
           </p:txBody>
@@ -5426,7 +4824,7 @@
           <p:spPr>
             <a:xfrm>
               <a:off x="1877654" y="2120555"/>
-              <a:ext cx="870143" cy="274074"/>
+              <a:ext cx="870143" cy="306699"/>
             </a:xfrm>
             <a:prstGeom prst="rect">
               <a:avLst/>
@@ -5445,8 +4843,7 @@
                   <a:solidFill>
                     <a:srgbClr val="333333"/>
                   </a:solidFill>
-                  <a:latin typeface="넥슨 풋볼고딕 B" panose="020B0803000000000000" pitchFamily="50" charset="-127"/>
-                  <a:ea typeface="넥슨 풋볼고딕 B" panose="020B0803000000000000" pitchFamily="50" charset="-127"/>
+                  <a:latin typeface="+mn-ea"/>
                 </a:rPr>
                 <a:t>0</a:t>
               </a:r>
@@ -5454,8 +4851,7 @@
                 <a:solidFill>
                   <a:srgbClr val="333333"/>
                 </a:solidFill>
-                <a:latin typeface="넥슨 풋볼고딕 B" panose="020B0803000000000000" pitchFamily="50" charset="-127"/>
-                <a:ea typeface="넥슨 풋볼고딕 B" panose="020B0803000000000000" pitchFamily="50" charset="-127"/>
+                <a:latin typeface="+mn-ea"/>
               </a:endParaRPr>
             </a:p>
           </p:txBody>
@@ -5488,8 +4884,7 @@
                   <a:solidFill>
                     <a:srgbClr val="333333"/>
                   </a:solidFill>
-                  <a:latin typeface="넥슨 풋볼고딕 B" panose="020B0803000000000000" pitchFamily="50" charset="-127"/>
-                  <a:ea typeface="넥슨 풋볼고딕 B" panose="020B0803000000000000" pitchFamily="50" charset="-127"/>
+                  <a:latin typeface="+mn-ea"/>
                 </a:rPr>
                 <a:t>10</a:t>
               </a:r>
@@ -5497,8 +4892,7 @@
                 <a:solidFill>
                   <a:srgbClr val="333333"/>
                 </a:solidFill>
-                <a:latin typeface="넥슨 풋볼고딕 B" panose="020B0803000000000000" pitchFamily="50" charset="-127"/>
-                <a:ea typeface="넥슨 풋볼고딕 B" panose="020B0803000000000000" pitchFamily="50" charset="-127"/>
+                <a:latin typeface="+mn-ea"/>
               </a:endParaRPr>
             </a:p>
           </p:txBody>
@@ -5574,6 +4968,7 @@
                   </a:solidFill>
                 </a:ln>
                 <a:noFill/>
+                <a:latin typeface="+mn-ea"/>
               </a:endParaRPr>
             </a:p>
           </p:txBody>
@@ -5641,8 +5036,7 @@
                   <a:solidFill>
                     <a:srgbClr val="333333"/>
                   </a:solidFill>
-                  <a:latin typeface="넥슨 풋볼고딕 B" panose="020B0803000000000000" pitchFamily="50" charset="-127"/>
-                  <a:ea typeface="넥슨 풋볼고딕 B" panose="020B0803000000000000" pitchFamily="50" charset="-127"/>
+                  <a:latin typeface="+mn-ea"/>
                 </a:rPr>
                 <a:t>2</a:t>
               </a:r>
@@ -5650,8 +5044,7 @@
                 <a:solidFill>
                   <a:srgbClr val="333333"/>
                 </a:solidFill>
-                <a:latin typeface="넥슨 풋볼고딕 B" panose="020B0803000000000000" pitchFamily="50" charset="-127"/>
-                <a:ea typeface="넥슨 풋볼고딕 B" panose="020B0803000000000000" pitchFamily="50" charset="-127"/>
+                <a:latin typeface="+mn-ea"/>
               </a:endParaRPr>
             </a:p>
           </p:txBody>
@@ -5684,8 +5077,7 @@
                   <a:solidFill>
                     <a:srgbClr val="333333"/>
                   </a:solidFill>
-                  <a:latin typeface="넥슨 풋볼고딕 B" panose="020B0803000000000000" pitchFamily="50" charset="-127"/>
-                  <a:ea typeface="넥슨 풋볼고딕 B" panose="020B0803000000000000" pitchFamily="50" charset="-127"/>
+                  <a:latin typeface="+mn-ea"/>
                 </a:rPr>
                 <a:t>20</a:t>
               </a:r>
@@ -5693,8 +5085,7 @@
                 <a:solidFill>
                   <a:srgbClr val="333333"/>
                 </a:solidFill>
-                <a:latin typeface="넥슨 풋볼고딕 B" panose="020B0803000000000000" pitchFamily="50" charset="-127"/>
-                <a:ea typeface="넥슨 풋볼고딕 B" panose="020B0803000000000000" pitchFamily="50" charset="-127"/>
+                <a:latin typeface="+mn-ea"/>
               </a:endParaRPr>
             </a:p>
           </p:txBody>
@@ -5770,6 +5161,7 @@
                   </a:solidFill>
                 </a:ln>
                 <a:noFill/>
+                <a:latin typeface="+mn-ea"/>
               </a:endParaRPr>
             </a:p>
           </p:txBody>
@@ -5837,8 +5229,7 @@
                   <a:solidFill>
                     <a:srgbClr val="333333"/>
                   </a:solidFill>
-                  <a:latin typeface="넥슨 풋볼고딕 B" panose="020B0803000000000000" pitchFamily="50" charset="-127"/>
-                  <a:ea typeface="넥슨 풋볼고딕 B" panose="020B0803000000000000" pitchFamily="50" charset="-127"/>
+                  <a:latin typeface="+mn-ea"/>
                 </a:rPr>
                 <a:t>3</a:t>
               </a:r>
@@ -5846,8 +5237,7 @@
                 <a:solidFill>
                   <a:srgbClr val="333333"/>
                 </a:solidFill>
-                <a:latin typeface="넥슨 풋볼고딕 B" panose="020B0803000000000000" pitchFamily="50" charset="-127"/>
-                <a:ea typeface="넥슨 풋볼고딕 B" panose="020B0803000000000000" pitchFamily="50" charset="-127"/>
+                <a:latin typeface="+mn-ea"/>
               </a:endParaRPr>
             </a:p>
           </p:txBody>
@@ -5880,8 +5270,7 @@
                   <a:solidFill>
                     <a:srgbClr val="333333"/>
                   </a:solidFill>
-                  <a:latin typeface="넥슨 풋볼고딕 B" panose="020B0803000000000000" pitchFamily="50" charset="-127"/>
-                  <a:ea typeface="넥슨 풋볼고딕 B" panose="020B0803000000000000" pitchFamily="50" charset="-127"/>
+                  <a:latin typeface="+mn-ea"/>
                 </a:rPr>
                 <a:t>30</a:t>
               </a:r>
@@ -5889,8 +5278,7 @@
                 <a:solidFill>
                   <a:srgbClr val="333333"/>
                 </a:solidFill>
-                <a:latin typeface="넥슨 풋볼고딕 B" panose="020B0803000000000000" pitchFamily="50" charset="-127"/>
-                <a:ea typeface="넥슨 풋볼고딕 B" panose="020B0803000000000000" pitchFamily="50" charset="-127"/>
+                <a:latin typeface="+mn-ea"/>
               </a:endParaRPr>
             </a:p>
           </p:txBody>
@@ -5954,6 +5342,7 @@
                 <a:prstDash val="dash"/>
               </a:ln>
               <a:noFill/>
+              <a:latin typeface="+mn-ea"/>
             </a:endParaRPr>
           </a:p>
         </p:txBody>
@@ -6028,6 +5417,7 @@
                   </a:solidFill>
                 </a:ln>
                 <a:noFill/>
+                <a:latin typeface="+mn-ea"/>
               </a:endParaRPr>
             </a:p>
           </p:txBody>
@@ -6094,8 +5484,7 @@
                 <a:solidFill>
                   <a:srgbClr val="333333"/>
                 </a:solidFill>
-                <a:latin typeface="넥슨 풋볼고딕 B" panose="020B0803000000000000" pitchFamily="50" charset="-127"/>
-                <a:ea typeface="넥슨 풋볼고딕 B" panose="020B0803000000000000" pitchFamily="50" charset="-127"/>
+                <a:latin typeface="+mn-ea"/>
               </a:endParaRPr>
             </a:p>
           </p:txBody>
@@ -6128,8 +5517,7 @@
                   <a:solidFill>
                     <a:srgbClr val="333333"/>
                   </a:solidFill>
-                  <a:latin typeface="넥슨 풋볼고딕 B" panose="020B0803000000000000" pitchFamily="50" charset="-127"/>
-                  <a:ea typeface="넥슨 풋볼고딕 B" panose="020B0803000000000000" pitchFamily="50" charset="-127"/>
+                  <a:latin typeface="+mn-ea"/>
                 </a:rPr>
                 <a:t>50</a:t>
               </a:r>
@@ -6137,8 +5525,7 @@
                 <a:solidFill>
                   <a:srgbClr val="333333"/>
                 </a:solidFill>
-                <a:latin typeface="넥슨 풋볼고딕 B" panose="020B0803000000000000" pitchFamily="50" charset="-127"/>
-                <a:ea typeface="넥슨 풋볼고딕 B" panose="020B0803000000000000" pitchFamily="50" charset="-127"/>
+                <a:latin typeface="+mn-ea"/>
               </a:endParaRPr>
             </a:p>
           </p:txBody>
@@ -6197,6 +5584,7 @@
               <a:solidFill>
                 <a:schemeClr val="tx1"/>
               </a:solidFill>
+              <a:latin typeface="+mn-ea"/>
             </a:endParaRPr>
           </a:p>
         </p:txBody>
@@ -6271,6 +5659,7 @@
                   </a:solidFill>
                 </a:ln>
                 <a:noFill/>
+                <a:latin typeface="+mn-ea"/>
               </a:endParaRPr>
             </a:p>
           </p:txBody>
@@ -6338,8 +5727,7 @@
                   <a:solidFill>
                     <a:srgbClr val="333333"/>
                   </a:solidFill>
-                  <a:latin typeface="넥슨 풋볼고딕 B" panose="020B0803000000000000" pitchFamily="50" charset="-127"/>
-                  <a:ea typeface="넥슨 풋볼고딕 B" panose="020B0803000000000000" pitchFamily="50" charset="-127"/>
+                  <a:latin typeface="+mn-ea"/>
                 </a:rPr>
                 <a:t>4</a:t>
               </a:r>
@@ -6347,8 +5735,7 @@
                 <a:solidFill>
                   <a:srgbClr val="333333"/>
                 </a:solidFill>
-                <a:latin typeface="넥슨 풋볼고딕 B" panose="020B0803000000000000" pitchFamily="50" charset="-127"/>
-                <a:ea typeface="넥슨 풋볼고딕 B" panose="020B0803000000000000" pitchFamily="50" charset="-127"/>
+                <a:latin typeface="+mn-ea"/>
               </a:endParaRPr>
             </a:p>
           </p:txBody>
@@ -6381,8 +5768,7 @@
                   <a:solidFill>
                     <a:srgbClr val="333333"/>
                   </a:solidFill>
-                  <a:latin typeface="넥슨 풋볼고딕 B" panose="020B0803000000000000" pitchFamily="50" charset="-127"/>
-                  <a:ea typeface="넥슨 풋볼고딕 B" panose="020B0803000000000000" pitchFamily="50" charset="-127"/>
+                  <a:latin typeface="+mn-ea"/>
                 </a:rPr>
                 <a:t>40</a:t>
               </a:r>
@@ -6390,8 +5776,7 @@
                 <a:solidFill>
                   <a:srgbClr val="333333"/>
                 </a:solidFill>
-                <a:latin typeface="넥슨 풋볼고딕 B" panose="020B0803000000000000" pitchFamily="50" charset="-127"/>
-                <a:ea typeface="넥슨 풋볼고딕 B" panose="020B0803000000000000" pitchFamily="50" charset="-127"/>
+                <a:latin typeface="+mn-ea"/>
               </a:endParaRPr>
             </a:p>
           </p:txBody>
@@ -6504,6 +5889,7 @@
                   </a:solidFill>
                 </a:ln>
                 <a:noFill/>
+                <a:latin typeface="+mn-ea"/>
               </a:endParaRPr>
             </a:p>
           </p:txBody>
@@ -6552,7 +5938,7 @@
           <p:spPr>
             <a:xfrm>
               <a:off x="1877654" y="2120555"/>
-              <a:ext cx="870143" cy="274074"/>
+              <a:ext cx="870143" cy="306699"/>
             </a:xfrm>
             <a:prstGeom prst="rect">
               <a:avLst/>
@@ -6571,8 +5957,7 @@
                   <a:solidFill>
                     <a:srgbClr val="333333"/>
                   </a:solidFill>
-                  <a:latin typeface="넥슨 풋볼고딕 B" panose="020B0803000000000000" pitchFamily="50" charset="-127"/>
-                  <a:ea typeface="넥슨 풋볼고딕 B" panose="020B0803000000000000" pitchFamily="50" charset="-127"/>
+                  <a:latin typeface="+mn-ea"/>
                 </a:rPr>
                 <a:t>0</a:t>
               </a:r>
@@ -6580,8 +5965,7 @@
                 <a:solidFill>
                   <a:srgbClr val="333333"/>
                 </a:solidFill>
-                <a:latin typeface="넥슨 풋볼고딕 B" panose="020B0803000000000000" pitchFamily="50" charset="-127"/>
-                <a:ea typeface="넥슨 풋볼고딕 B" panose="020B0803000000000000" pitchFamily="50" charset="-127"/>
+                <a:latin typeface="+mn-ea"/>
               </a:endParaRPr>
             </a:p>
           </p:txBody>
@@ -6614,8 +5998,7 @@
                   <a:solidFill>
                     <a:srgbClr val="333333"/>
                   </a:solidFill>
-                  <a:latin typeface="넥슨 풋볼고딕 B" panose="020B0803000000000000" pitchFamily="50" charset="-127"/>
-                  <a:ea typeface="넥슨 풋볼고딕 B" panose="020B0803000000000000" pitchFamily="50" charset="-127"/>
+                  <a:latin typeface="+mn-ea"/>
                 </a:rPr>
                 <a:t>10</a:t>
               </a:r>
@@ -6623,8 +6006,7 @@
                 <a:solidFill>
                   <a:srgbClr val="333333"/>
                 </a:solidFill>
-                <a:latin typeface="넥슨 풋볼고딕 B" panose="020B0803000000000000" pitchFamily="50" charset="-127"/>
-                <a:ea typeface="넥슨 풋볼고딕 B" panose="020B0803000000000000" pitchFamily="50" charset="-127"/>
+                <a:latin typeface="+mn-ea"/>
               </a:endParaRPr>
             </a:p>
           </p:txBody>
@@ -6657,8 +6039,7 @@
                   <a:solidFill>
                     <a:srgbClr val="333333"/>
                   </a:solidFill>
-                  <a:latin typeface="넥슨 풋볼고딕 B" panose="020B0803000000000000" pitchFamily="50" charset="-127"/>
-                  <a:ea typeface="넥슨 풋볼고딕 B" panose="020B0803000000000000" pitchFamily="50" charset="-127"/>
+                  <a:latin typeface="+mn-ea"/>
                 </a:rPr>
                 <a:t>1</a:t>
               </a:r>
@@ -6666,8 +6047,7 @@
                 <a:solidFill>
                   <a:srgbClr val="333333"/>
                 </a:solidFill>
-                <a:latin typeface="넥슨 풋볼고딕 B" panose="020B0803000000000000" pitchFamily="50" charset="-127"/>
-                <a:ea typeface="넥슨 풋볼고딕 B" panose="020B0803000000000000" pitchFamily="50" charset="-127"/>
+                <a:latin typeface="+mn-ea"/>
               </a:endParaRPr>
             </a:p>
           </p:txBody>
@@ -6743,6 +6123,7 @@
                   </a:solidFill>
                 </a:ln>
                 <a:noFill/>
+                <a:latin typeface="+mn-ea"/>
               </a:endParaRPr>
             </a:p>
           </p:txBody>
@@ -6810,8 +6191,7 @@
                   <a:solidFill>
                     <a:srgbClr val="333333"/>
                   </a:solidFill>
-                  <a:latin typeface="넥슨 풋볼고딕 B" panose="020B0803000000000000" pitchFamily="50" charset="-127"/>
-                  <a:ea typeface="넥슨 풋볼고딕 B" panose="020B0803000000000000" pitchFamily="50" charset="-127"/>
+                  <a:latin typeface="+mn-ea"/>
                 </a:rPr>
                 <a:t>2</a:t>
               </a:r>
@@ -6819,8 +6199,7 @@
                 <a:solidFill>
                   <a:srgbClr val="333333"/>
                 </a:solidFill>
-                <a:latin typeface="넥슨 풋볼고딕 B" panose="020B0803000000000000" pitchFamily="50" charset="-127"/>
-                <a:ea typeface="넥슨 풋볼고딕 B" panose="020B0803000000000000" pitchFamily="50" charset="-127"/>
+                <a:latin typeface="+mn-ea"/>
               </a:endParaRPr>
             </a:p>
           </p:txBody>
@@ -6853,8 +6232,7 @@
                   <a:solidFill>
                     <a:srgbClr val="333333"/>
                   </a:solidFill>
-                  <a:latin typeface="넥슨 풋볼고딕 B" panose="020B0803000000000000" pitchFamily="50" charset="-127"/>
-                  <a:ea typeface="넥슨 풋볼고딕 B" panose="020B0803000000000000" pitchFamily="50" charset="-127"/>
+                  <a:latin typeface="+mn-ea"/>
                 </a:rPr>
                 <a:t>20</a:t>
               </a:r>
@@ -6862,8 +6240,7 @@
                 <a:solidFill>
                   <a:srgbClr val="333333"/>
                 </a:solidFill>
-                <a:latin typeface="넥슨 풋볼고딕 B" panose="020B0803000000000000" pitchFamily="50" charset="-127"/>
-                <a:ea typeface="넥슨 풋볼고딕 B" panose="020B0803000000000000" pitchFamily="50" charset="-127"/>
+                <a:latin typeface="+mn-ea"/>
               </a:endParaRPr>
             </a:p>
           </p:txBody>
@@ -6939,6 +6316,7 @@
                   </a:solidFill>
                 </a:ln>
                 <a:noFill/>
+                <a:latin typeface="+mn-ea"/>
               </a:endParaRPr>
             </a:p>
           </p:txBody>
@@ -7006,8 +6384,7 @@
                   <a:solidFill>
                     <a:srgbClr val="333333"/>
                   </a:solidFill>
-                  <a:latin typeface="넥슨 풋볼고딕 B" panose="020B0803000000000000" pitchFamily="50" charset="-127"/>
-                  <a:ea typeface="넥슨 풋볼고딕 B" panose="020B0803000000000000" pitchFamily="50" charset="-127"/>
+                  <a:latin typeface="+mn-ea"/>
                 </a:rPr>
                 <a:t>3</a:t>
               </a:r>
@@ -7015,8 +6392,7 @@
                 <a:solidFill>
                   <a:srgbClr val="333333"/>
                 </a:solidFill>
-                <a:latin typeface="넥슨 풋볼고딕 B" panose="020B0803000000000000" pitchFamily="50" charset="-127"/>
-                <a:ea typeface="넥슨 풋볼고딕 B" panose="020B0803000000000000" pitchFamily="50" charset="-127"/>
+                <a:latin typeface="+mn-ea"/>
               </a:endParaRPr>
             </a:p>
           </p:txBody>
@@ -7049,8 +6425,7 @@
                   <a:solidFill>
                     <a:srgbClr val="333333"/>
                   </a:solidFill>
-                  <a:latin typeface="넥슨 풋볼고딕 B" panose="020B0803000000000000" pitchFamily="50" charset="-127"/>
-                  <a:ea typeface="넥슨 풋볼고딕 B" panose="020B0803000000000000" pitchFamily="50" charset="-127"/>
+                  <a:latin typeface="+mn-ea"/>
                 </a:rPr>
                 <a:t>30</a:t>
               </a:r>
@@ -7058,8 +6433,7 @@
                 <a:solidFill>
                   <a:srgbClr val="333333"/>
                 </a:solidFill>
-                <a:latin typeface="넥슨 풋볼고딕 B" panose="020B0803000000000000" pitchFamily="50" charset="-127"/>
-                <a:ea typeface="넥슨 풋볼고딕 B" panose="020B0803000000000000" pitchFamily="50" charset="-127"/>
+                <a:latin typeface="+mn-ea"/>
               </a:endParaRPr>
             </a:p>
           </p:txBody>
@@ -7135,6 +6509,7 @@
                   </a:solidFill>
                 </a:ln>
                 <a:noFill/>
+                <a:latin typeface="+mn-ea"/>
               </a:endParaRPr>
             </a:p>
           </p:txBody>
@@ -7202,8 +6577,7 @@
                   <a:solidFill>
                     <a:srgbClr val="333333"/>
                   </a:solidFill>
-                  <a:latin typeface="넥슨 풋볼고딕 B" panose="020B0803000000000000" pitchFamily="50" charset="-127"/>
-                  <a:ea typeface="넥슨 풋볼고딕 B" panose="020B0803000000000000" pitchFamily="50" charset="-127"/>
+                  <a:latin typeface="+mn-ea"/>
                 </a:rPr>
                 <a:t>50</a:t>
               </a:r>
@@ -7211,8 +6585,7 @@
                 <a:solidFill>
                   <a:srgbClr val="333333"/>
                 </a:solidFill>
-                <a:latin typeface="넥슨 풋볼고딕 B" panose="020B0803000000000000" pitchFamily="50" charset="-127"/>
-                <a:ea typeface="넥슨 풋볼고딕 B" panose="020B0803000000000000" pitchFamily="50" charset="-127"/>
+                <a:latin typeface="+mn-ea"/>
               </a:endParaRPr>
             </a:p>
           </p:txBody>
@@ -7288,6 +6661,7 @@
                   </a:solidFill>
                 </a:ln>
                 <a:noFill/>
+                <a:latin typeface="+mn-ea"/>
               </a:endParaRPr>
             </a:p>
           </p:txBody>
@@ -7355,8 +6729,7 @@
                   <a:solidFill>
                     <a:srgbClr val="333333"/>
                   </a:solidFill>
-                  <a:latin typeface="넥슨 풋볼고딕 B" panose="020B0803000000000000" pitchFamily="50" charset="-127"/>
-                  <a:ea typeface="넥슨 풋볼고딕 B" panose="020B0803000000000000" pitchFamily="50" charset="-127"/>
+                  <a:latin typeface="+mn-ea"/>
                 </a:rPr>
                 <a:t>4</a:t>
               </a:r>
@@ -7364,8 +6737,7 @@
                 <a:solidFill>
                   <a:srgbClr val="333333"/>
                 </a:solidFill>
-                <a:latin typeface="넥슨 풋볼고딕 B" panose="020B0803000000000000" pitchFamily="50" charset="-127"/>
-                <a:ea typeface="넥슨 풋볼고딕 B" panose="020B0803000000000000" pitchFamily="50" charset="-127"/>
+                <a:latin typeface="+mn-ea"/>
               </a:endParaRPr>
             </a:p>
           </p:txBody>
@@ -7398,8 +6770,7 @@
                   <a:solidFill>
                     <a:srgbClr val="333333"/>
                   </a:solidFill>
-                  <a:latin typeface="넥슨 풋볼고딕 B" panose="020B0803000000000000" pitchFamily="50" charset="-127"/>
-                  <a:ea typeface="넥슨 풋볼고딕 B" panose="020B0803000000000000" pitchFamily="50" charset="-127"/>
+                  <a:latin typeface="+mn-ea"/>
                 </a:rPr>
                 <a:t>40</a:t>
               </a:r>
@@ -7407,8 +6778,7 @@
                 <a:solidFill>
                   <a:srgbClr val="333333"/>
                 </a:solidFill>
-                <a:latin typeface="넥슨 풋볼고딕 B" panose="020B0803000000000000" pitchFamily="50" charset="-127"/>
-                <a:ea typeface="넥슨 풋볼고딕 B" panose="020B0803000000000000" pitchFamily="50" charset="-127"/>
+                <a:latin typeface="+mn-ea"/>
               </a:endParaRPr>
             </a:p>
           </p:txBody>
@@ -7716,6 +7086,7 @@
                   </a:solidFill>
                 </a:ln>
                 <a:noFill/>
+                <a:latin typeface="+mn-ea"/>
               </a:endParaRPr>
             </a:p>
           </p:txBody>
@@ -7764,7 +7135,7 @@
           <p:spPr>
             <a:xfrm>
               <a:off x="1877654" y="2120555"/>
-              <a:ext cx="870143" cy="274074"/>
+              <a:ext cx="870143" cy="306699"/>
             </a:xfrm>
             <a:prstGeom prst="rect">
               <a:avLst/>
@@ -7783,8 +7154,7 @@
                   <a:solidFill>
                     <a:srgbClr val="333333"/>
                   </a:solidFill>
-                  <a:latin typeface="넥슨 풋볼고딕 B" panose="020B0803000000000000" pitchFamily="50" charset="-127"/>
-                  <a:ea typeface="넥슨 풋볼고딕 B" panose="020B0803000000000000" pitchFamily="50" charset="-127"/>
+                  <a:latin typeface="+mn-ea"/>
                 </a:rPr>
                 <a:t>0</a:t>
               </a:r>
@@ -7792,8 +7162,7 @@
                 <a:solidFill>
                   <a:srgbClr val="333333"/>
                 </a:solidFill>
-                <a:latin typeface="넥슨 풋볼고딕 B" panose="020B0803000000000000" pitchFamily="50" charset="-127"/>
-                <a:ea typeface="넥슨 풋볼고딕 B" panose="020B0803000000000000" pitchFamily="50" charset="-127"/>
+                <a:latin typeface="+mn-ea"/>
               </a:endParaRPr>
             </a:p>
           </p:txBody>
@@ -7826,8 +7195,7 @@
                   <a:solidFill>
                     <a:srgbClr val="333333"/>
                   </a:solidFill>
-                  <a:latin typeface="넥슨 풋볼고딕 B" panose="020B0803000000000000" pitchFamily="50" charset="-127"/>
-                  <a:ea typeface="넥슨 풋볼고딕 B" panose="020B0803000000000000" pitchFamily="50" charset="-127"/>
+                  <a:latin typeface="+mn-ea"/>
                 </a:rPr>
                 <a:t>10</a:t>
               </a:r>
@@ -7835,8 +7203,7 @@
                 <a:solidFill>
                   <a:srgbClr val="333333"/>
                 </a:solidFill>
-                <a:latin typeface="넥슨 풋볼고딕 B" panose="020B0803000000000000" pitchFamily="50" charset="-127"/>
-                <a:ea typeface="넥슨 풋볼고딕 B" panose="020B0803000000000000" pitchFamily="50" charset="-127"/>
+                <a:latin typeface="+mn-ea"/>
               </a:endParaRPr>
             </a:p>
           </p:txBody>
@@ -7869,8 +7236,7 @@
                   <a:solidFill>
                     <a:srgbClr val="333333"/>
                   </a:solidFill>
-                  <a:latin typeface="넥슨 풋볼고딕 B" panose="020B0803000000000000" pitchFamily="50" charset="-127"/>
-                  <a:ea typeface="넥슨 풋볼고딕 B" panose="020B0803000000000000" pitchFamily="50" charset="-127"/>
+                  <a:latin typeface="+mn-ea"/>
                 </a:rPr>
                 <a:t>1</a:t>
               </a:r>
@@ -7878,8 +7244,7 @@
                 <a:solidFill>
                   <a:srgbClr val="333333"/>
                 </a:solidFill>
-                <a:latin typeface="넥슨 풋볼고딕 B" panose="020B0803000000000000" pitchFamily="50" charset="-127"/>
-                <a:ea typeface="넥슨 풋볼고딕 B" panose="020B0803000000000000" pitchFamily="50" charset="-127"/>
+                <a:latin typeface="+mn-ea"/>
               </a:endParaRPr>
             </a:p>
           </p:txBody>
@@ -7955,6 +7320,7 @@
                   </a:solidFill>
                 </a:ln>
                 <a:noFill/>
+                <a:latin typeface="+mn-ea"/>
               </a:endParaRPr>
             </a:p>
           </p:txBody>
@@ -8022,8 +7388,7 @@
                   <a:solidFill>
                     <a:srgbClr val="333333"/>
                   </a:solidFill>
-                  <a:latin typeface="넥슨 풋볼고딕 B" panose="020B0803000000000000" pitchFamily="50" charset="-127"/>
-                  <a:ea typeface="넥슨 풋볼고딕 B" panose="020B0803000000000000" pitchFamily="50" charset="-127"/>
+                  <a:latin typeface="+mn-ea"/>
                 </a:rPr>
                 <a:t>2</a:t>
               </a:r>
@@ -8031,8 +7396,7 @@
                 <a:solidFill>
                   <a:srgbClr val="333333"/>
                 </a:solidFill>
-                <a:latin typeface="넥슨 풋볼고딕 B" panose="020B0803000000000000" pitchFamily="50" charset="-127"/>
-                <a:ea typeface="넥슨 풋볼고딕 B" panose="020B0803000000000000" pitchFamily="50" charset="-127"/>
+                <a:latin typeface="+mn-ea"/>
               </a:endParaRPr>
             </a:p>
           </p:txBody>
@@ -8065,8 +7429,7 @@
                   <a:solidFill>
                     <a:srgbClr val="333333"/>
                   </a:solidFill>
-                  <a:latin typeface="넥슨 풋볼고딕 B" panose="020B0803000000000000" pitchFamily="50" charset="-127"/>
-                  <a:ea typeface="넥슨 풋볼고딕 B" panose="020B0803000000000000" pitchFamily="50" charset="-127"/>
+                  <a:latin typeface="+mn-ea"/>
                 </a:rPr>
                 <a:t>20</a:t>
               </a:r>
@@ -8074,8 +7437,7 @@
                 <a:solidFill>
                   <a:srgbClr val="333333"/>
                 </a:solidFill>
-                <a:latin typeface="넥슨 풋볼고딕 B" panose="020B0803000000000000" pitchFamily="50" charset="-127"/>
-                <a:ea typeface="넥슨 풋볼고딕 B" panose="020B0803000000000000" pitchFamily="50" charset="-127"/>
+                <a:latin typeface="+mn-ea"/>
               </a:endParaRPr>
             </a:p>
           </p:txBody>
@@ -8151,6 +7513,7 @@
                   </a:solidFill>
                 </a:ln>
                 <a:noFill/>
+                <a:latin typeface="+mn-ea"/>
               </a:endParaRPr>
             </a:p>
           </p:txBody>
@@ -8218,8 +7581,7 @@
                   <a:solidFill>
                     <a:srgbClr val="333333"/>
                   </a:solidFill>
-                  <a:latin typeface="넥슨 풋볼고딕 B" panose="020B0803000000000000" pitchFamily="50" charset="-127"/>
-                  <a:ea typeface="넥슨 풋볼고딕 B" panose="020B0803000000000000" pitchFamily="50" charset="-127"/>
+                  <a:latin typeface="+mn-ea"/>
                 </a:rPr>
                 <a:t>3</a:t>
               </a:r>
@@ -8227,8 +7589,7 @@
                 <a:solidFill>
                   <a:srgbClr val="333333"/>
                 </a:solidFill>
-                <a:latin typeface="넥슨 풋볼고딕 B" panose="020B0803000000000000" pitchFamily="50" charset="-127"/>
-                <a:ea typeface="넥슨 풋볼고딕 B" panose="020B0803000000000000" pitchFamily="50" charset="-127"/>
+                <a:latin typeface="+mn-ea"/>
               </a:endParaRPr>
             </a:p>
           </p:txBody>
@@ -8261,8 +7622,7 @@
                   <a:solidFill>
                     <a:srgbClr val="333333"/>
                   </a:solidFill>
-                  <a:latin typeface="넥슨 풋볼고딕 B" panose="020B0803000000000000" pitchFamily="50" charset="-127"/>
-                  <a:ea typeface="넥슨 풋볼고딕 B" panose="020B0803000000000000" pitchFamily="50" charset="-127"/>
+                  <a:latin typeface="+mn-ea"/>
                 </a:rPr>
                 <a:t>30</a:t>
               </a:r>
@@ -8270,8 +7630,7 @@
                 <a:solidFill>
                   <a:srgbClr val="333333"/>
                 </a:solidFill>
-                <a:latin typeface="넥슨 풋볼고딕 B" panose="020B0803000000000000" pitchFamily="50" charset="-127"/>
-                <a:ea typeface="넥슨 풋볼고딕 B" panose="020B0803000000000000" pitchFamily="50" charset="-127"/>
+                <a:latin typeface="+mn-ea"/>
               </a:endParaRPr>
             </a:p>
           </p:txBody>
@@ -8350,6 +7709,7 @@
                   </a:solidFill>
                 </a:ln>
                 <a:noFill/>
+                <a:latin typeface="+mn-ea"/>
               </a:endParaRPr>
             </a:p>
           </p:txBody>
@@ -8417,8 +7777,7 @@
                   <a:solidFill>
                     <a:srgbClr val="333333"/>
                   </a:solidFill>
-                  <a:latin typeface="넥슨 풋볼고딕 B" panose="020B0803000000000000" pitchFamily="50" charset="-127"/>
-                  <a:ea typeface="넥슨 풋볼고딕 B" panose="020B0803000000000000" pitchFamily="50" charset="-127"/>
+                  <a:latin typeface="+mn-ea"/>
                 </a:rPr>
                 <a:t>50</a:t>
               </a:r>
@@ -8426,8 +7785,7 @@
                 <a:solidFill>
                   <a:srgbClr val="333333"/>
                 </a:solidFill>
-                <a:latin typeface="넥슨 풋볼고딕 B" panose="020B0803000000000000" pitchFamily="50" charset="-127"/>
-                <a:ea typeface="넥슨 풋볼고딕 B" panose="020B0803000000000000" pitchFamily="50" charset="-127"/>
+                <a:latin typeface="+mn-ea"/>
               </a:endParaRPr>
             </a:p>
           </p:txBody>
@@ -8503,6 +7861,7 @@
                   </a:solidFill>
                 </a:ln>
                 <a:noFill/>
+                <a:latin typeface="+mn-ea"/>
               </a:endParaRPr>
             </a:p>
           </p:txBody>
@@ -8570,8 +7929,7 @@
                   <a:solidFill>
                     <a:srgbClr val="333333"/>
                   </a:solidFill>
-                  <a:latin typeface="넥슨 풋볼고딕 B" panose="020B0803000000000000" pitchFamily="50" charset="-127"/>
-                  <a:ea typeface="넥슨 풋볼고딕 B" panose="020B0803000000000000" pitchFamily="50" charset="-127"/>
+                  <a:latin typeface="+mn-ea"/>
                 </a:rPr>
                 <a:t>4</a:t>
               </a:r>
@@ -8579,8 +7937,7 @@
                 <a:solidFill>
                   <a:srgbClr val="333333"/>
                 </a:solidFill>
-                <a:latin typeface="넥슨 풋볼고딕 B" panose="020B0803000000000000" pitchFamily="50" charset="-127"/>
-                <a:ea typeface="넥슨 풋볼고딕 B" panose="020B0803000000000000" pitchFamily="50" charset="-127"/>
+                <a:latin typeface="+mn-ea"/>
               </a:endParaRPr>
             </a:p>
           </p:txBody>
@@ -8613,8 +7970,7 @@
                   <a:solidFill>
                     <a:srgbClr val="333333"/>
                   </a:solidFill>
-                  <a:latin typeface="넥슨 풋볼고딕 B" panose="020B0803000000000000" pitchFamily="50" charset="-127"/>
-                  <a:ea typeface="넥슨 풋볼고딕 B" panose="020B0803000000000000" pitchFamily="50" charset="-127"/>
+                  <a:latin typeface="+mn-ea"/>
                 </a:rPr>
                 <a:t>40</a:t>
               </a:r>
@@ -8622,8 +7978,7 @@
                 <a:solidFill>
                   <a:srgbClr val="333333"/>
                 </a:solidFill>
-                <a:latin typeface="넥슨 풋볼고딕 B" panose="020B0803000000000000" pitchFamily="50" charset="-127"/>
-                <a:ea typeface="넥슨 풋볼고딕 B" panose="020B0803000000000000" pitchFamily="50" charset="-127"/>
+                <a:latin typeface="+mn-ea"/>
               </a:endParaRPr>
             </a:p>
           </p:txBody>
@@ -8682,6 +8037,7 @@
               <a:solidFill>
                 <a:schemeClr val="tx1"/>
               </a:solidFill>
+              <a:latin typeface="+mn-ea"/>
             </a:endParaRPr>
           </a:p>
         </p:txBody>
@@ -8793,6 +8149,7 @@
                   </a:solidFill>
                 </a:ln>
                 <a:noFill/>
+                <a:latin typeface="+mn-ea"/>
               </a:endParaRPr>
             </a:p>
           </p:txBody>
@@ -8841,7 +8198,7 @@
           <p:spPr>
             <a:xfrm>
               <a:off x="1877654" y="2120555"/>
-              <a:ext cx="870143" cy="274074"/>
+              <a:ext cx="870143" cy="306699"/>
             </a:xfrm>
             <a:prstGeom prst="rect">
               <a:avLst/>
@@ -8860,8 +8217,7 @@
                   <a:solidFill>
                     <a:srgbClr val="333333"/>
                   </a:solidFill>
-                  <a:latin typeface="넥슨 풋볼고딕 B" panose="020B0803000000000000" pitchFamily="50" charset="-127"/>
-                  <a:ea typeface="넥슨 풋볼고딕 B" panose="020B0803000000000000" pitchFamily="50" charset="-127"/>
+                  <a:latin typeface="+mn-ea"/>
                 </a:rPr>
                 <a:t>0</a:t>
               </a:r>
@@ -8869,8 +8225,7 @@
                 <a:solidFill>
                   <a:srgbClr val="333333"/>
                 </a:solidFill>
-                <a:latin typeface="넥슨 풋볼고딕 B" panose="020B0803000000000000" pitchFamily="50" charset="-127"/>
-                <a:ea typeface="넥슨 풋볼고딕 B" panose="020B0803000000000000" pitchFamily="50" charset="-127"/>
+                <a:latin typeface="+mn-ea"/>
               </a:endParaRPr>
             </a:p>
           </p:txBody>
@@ -8903,8 +8258,7 @@
                   <a:solidFill>
                     <a:srgbClr val="333333"/>
                   </a:solidFill>
-                  <a:latin typeface="넥슨 풋볼고딕 B" panose="020B0803000000000000" pitchFamily="50" charset="-127"/>
-                  <a:ea typeface="넥슨 풋볼고딕 B" panose="020B0803000000000000" pitchFamily="50" charset="-127"/>
+                  <a:latin typeface="+mn-ea"/>
                 </a:rPr>
                 <a:t>10</a:t>
               </a:r>
@@ -8912,8 +8266,7 @@
                 <a:solidFill>
                   <a:srgbClr val="333333"/>
                 </a:solidFill>
-                <a:latin typeface="넥슨 풋볼고딕 B" panose="020B0803000000000000" pitchFamily="50" charset="-127"/>
-                <a:ea typeface="넥슨 풋볼고딕 B" panose="020B0803000000000000" pitchFamily="50" charset="-127"/>
+                <a:latin typeface="+mn-ea"/>
               </a:endParaRPr>
             </a:p>
           </p:txBody>
@@ -8946,8 +8299,7 @@
                   <a:solidFill>
                     <a:srgbClr val="333333"/>
                   </a:solidFill>
-                  <a:latin typeface="넥슨 풋볼고딕 B" panose="020B0803000000000000" pitchFamily="50" charset="-127"/>
-                  <a:ea typeface="넥슨 풋볼고딕 B" panose="020B0803000000000000" pitchFamily="50" charset="-127"/>
+                  <a:latin typeface="+mn-ea"/>
                 </a:rPr>
                 <a:t>1</a:t>
               </a:r>
@@ -8955,8 +8307,7 @@
                 <a:solidFill>
                   <a:srgbClr val="333333"/>
                 </a:solidFill>
-                <a:latin typeface="넥슨 풋볼고딕 B" panose="020B0803000000000000" pitchFamily="50" charset="-127"/>
-                <a:ea typeface="넥슨 풋볼고딕 B" panose="020B0803000000000000" pitchFamily="50" charset="-127"/>
+                <a:latin typeface="+mn-ea"/>
               </a:endParaRPr>
             </a:p>
           </p:txBody>
@@ -9019,6 +8370,7 @@
                 </a:solidFill>
               </a:ln>
               <a:noFill/>
+              <a:latin typeface="+mn-ea"/>
             </a:endParaRPr>
           </a:p>
         </p:txBody>
@@ -9093,6 +8445,7 @@
                   </a:solidFill>
                 </a:ln>
                 <a:noFill/>
+                <a:latin typeface="+mn-ea"/>
               </a:endParaRPr>
             </a:p>
           </p:txBody>
@@ -9160,8 +8513,7 @@
                   <a:solidFill>
                     <a:srgbClr val="333333"/>
                   </a:solidFill>
-                  <a:latin typeface="넥슨 풋볼고딕 B" panose="020B0803000000000000" pitchFamily="50" charset="-127"/>
-                  <a:ea typeface="넥슨 풋볼고딕 B" panose="020B0803000000000000" pitchFamily="50" charset="-127"/>
+                  <a:latin typeface="+mn-ea"/>
                 </a:rPr>
                 <a:t>3</a:t>
               </a:r>
@@ -9169,8 +8521,7 @@
                 <a:solidFill>
                   <a:srgbClr val="333333"/>
                 </a:solidFill>
-                <a:latin typeface="넥슨 풋볼고딕 B" panose="020B0803000000000000" pitchFamily="50" charset="-127"/>
-                <a:ea typeface="넥슨 풋볼고딕 B" panose="020B0803000000000000" pitchFamily="50" charset="-127"/>
+                <a:latin typeface="+mn-ea"/>
               </a:endParaRPr>
             </a:p>
           </p:txBody>
@@ -9203,8 +8554,7 @@
                   <a:solidFill>
                     <a:srgbClr val="333333"/>
                   </a:solidFill>
-                  <a:latin typeface="넥슨 풋볼고딕 B" panose="020B0803000000000000" pitchFamily="50" charset="-127"/>
-                  <a:ea typeface="넥슨 풋볼고딕 B" panose="020B0803000000000000" pitchFamily="50" charset="-127"/>
+                  <a:latin typeface="+mn-ea"/>
                 </a:rPr>
                 <a:t>30</a:t>
               </a:r>
@@ -9212,8 +8562,7 @@
                 <a:solidFill>
                   <a:srgbClr val="333333"/>
                 </a:solidFill>
-                <a:latin typeface="넥슨 풋볼고딕 B" panose="020B0803000000000000" pitchFamily="50" charset="-127"/>
-                <a:ea typeface="넥슨 풋볼고딕 B" panose="020B0803000000000000" pitchFamily="50" charset="-127"/>
+                <a:latin typeface="+mn-ea"/>
               </a:endParaRPr>
             </a:p>
           </p:txBody>
@@ -9292,6 +8641,7 @@
                   </a:solidFill>
                 </a:ln>
                 <a:noFill/>
+                <a:latin typeface="+mn-ea"/>
               </a:endParaRPr>
             </a:p>
           </p:txBody>
@@ -9359,8 +8709,7 @@
                   <a:solidFill>
                     <a:srgbClr val="333333"/>
                   </a:solidFill>
-                  <a:latin typeface="넥슨 풋볼고딕 B" panose="020B0803000000000000" pitchFamily="50" charset="-127"/>
-                  <a:ea typeface="넥슨 풋볼고딕 B" panose="020B0803000000000000" pitchFamily="50" charset="-127"/>
+                  <a:latin typeface="+mn-ea"/>
                 </a:rPr>
                 <a:t>50</a:t>
               </a:r>
@@ -9368,8 +8717,7 @@
                 <a:solidFill>
                   <a:srgbClr val="333333"/>
                 </a:solidFill>
-                <a:latin typeface="넥슨 풋볼고딕 B" panose="020B0803000000000000" pitchFamily="50" charset="-127"/>
-                <a:ea typeface="넥슨 풋볼고딕 B" panose="020B0803000000000000" pitchFamily="50" charset="-127"/>
+                <a:latin typeface="+mn-ea"/>
               </a:endParaRPr>
             </a:p>
           </p:txBody>
@@ -9445,6 +8793,7 @@
                   </a:solidFill>
                 </a:ln>
                 <a:noFill/>
+                <a:latin typeface="+mn-ea"/>
               </a:endParaRPr>
             </a:p>
           </p:txBody>
@@ -9512,8 +8861,7 @@
                   <a:solidFill>
                     <a:srgbClr val="333333"/>
                   </a:solidFill>
-                  <a:latin typeface="넥슨 풋볼고딕 B" panose="020B0803000000000000" pitchFamily="50" charset="-127"/>
-                  <a:ea typeface="넥슨 풋볼고딕 B" panose="020B0803000000000000" pitchFamily="50" charset="-127"/>
+                  <a:latin typeface="+mn-ea"/>
                 </a:rPr>
                 <a:t>4</a:t>
               </a:r>
@@ -9521,8 +8869,7 @@
                 <a:solidFill>
                   <a:srgbClr val="333333"/>
                 </a:solidFill>
-                <a:latin typeface="넥슨 풋볼고딕 B" panose="020B0803000000000000" pitchFamily="50" charset="-127"/>
-                <a:ea typeface="넥슨 풋볼고딕 B" panose="020B0803000000000000" pitchFamily="50" charset="-127"/>
+                <a:latin typeface="+mn-ea"/>
               </a:endParaRPr>
             </a:p>
           </p:txBody>
@@ -9555,8 +8902,7 @@
                   <a:solidFill>
                     <a:srgbClr val="333333"/>
                   </a:solidFill>
-                  <a:latin typeface="넥슨 풋볼고딕 B" panose="020B0803000000000000" pitchFamily="50" charset="-127"/>
-                  <a:ea typeface="넥슨 풋볼고딕 B" panose="020B0803000000000000" pitchFamily="50" charset="-127"/>
+                  <a:latin typeface="+mn-ea"/>
                 </a:rPr>
                 <a:t>40</a:t>
               </a:r>
@@ -9564,8 +8910,7 @@
                 <a:solidFill>
                   <a:srgbClr val="333333"/>
                 </a:solidFill>
-                <a:latin typeface="넥슨 풋볼고딕 B" panose="020B0803000000000000" pitchFamily="50" charset="-127"/>
-                <a:ea typeface="넥슨 풋볼고딕 B" panose="020B0803000000000000" pitchFamily="50" charset="-127"/>
+                <a:latin typeface="+mn-ea"/>
               </a:endParaRPr>
             </a:p>
           </p:txBody>
@@ -9624,6 +8969,7 @@
               <a:solidFill>
                 <a:schemeClr val="tx1"/>
               </a:solidFill>
+              <a:latin typeface="+mn-ea"/>
             </a:endParaRPr>
           </a:p>
         </p:txBody>
@@ -9735,6 +9081,7 @@
                   </a:solidFill>
                 </a:ln>
                 <a:noFill/>
+                <a:latin typeface="+mn-ea"/>
               </a:endParaRPr>
             </a:p>
           </p:txBody>
@@ -9783,7 +9130,7 @@
           <p:spPr>
             <a:xfrm>
               <a:off x="1877654" y="2120555"/>
-              <a:ext cx="870143" cy="274074"/>
+              <a:ext cx="870143" cy="306699"/>
             </a:xfrm>
             <a:prstGeom prst="rect">
               <a:avLst/>
@@ -9802,8 +9149,7 @@
                   <a:solidFill>
                     <a:srgbClr val="333333"/>
                   </a:solidFill>
-                  <a:latin typeface="넥슨 풋볼고딕 B" panose="020B0803000000000000" pitchFamily="50" charset="-127"/>
-                  <a:ea typeface="넥슨 풋볼고딕 B" panose="020B0803000000000000" pitchFamily="50" charset="-127"/>
+                  <a:latin typeface="+mn-ea"/>
                 </a:rPr>
                 <a:t>0</a:t>
               </a:r>
@@ -9811,8 +9157,7 @@
                 <a:solidFill>
                   <a:srgbClr val="333333"/>
                 </a:solidFill>
-                <a:latin typeface="넥슨 풋볼고딕 B" panose="020B0803000000000000" pitchFamily="50" charset="-127"/>
-                <a:ea typeface="넥슨 풋볼고딕 B" panose="020B0803000000000000" pitchFamily="50" charset="-127"/>
+                <a:latin typeface="+mn-ea"/>
               </a:endParaRPr>
             </a:p>
           </p:txBody>
@@ -9845,8 +9190,7 @@
                   <a:solidFill>
                     <a:srgbClr val="333333"/>
                   </a:solidFill>
-                  <a:latin typeface="넥슨 풋볼고딕 B" panose="020B0803000000000000" pitchFamily="50" charset="-127"/>
-                  <a:ea typeface="넥슨 풋볼고딕 B" panose="020B0803000000000000" pitchFamily="50" charset="-127"/>
+                  <a:latin typeface="+mn-ea"/>
                 </a:rPr>
                 <a:t>10</a:t>
               </a:r>
@@ -9854,8 +9198,7 @@
                 <a:solidFill>
                   <a:srgbClr val="333333"/>
                 </a:solidFill>
-                <a:latin typeface="넥슨 풋볼고딕 B" panose="020B0803000000000000" pitchFamily="50" charset="-127"/>
-                <a:ea typeface="넥슨 풋볼고딕 B" panose="020B0803000000000000" pitchFamily="50" charset="-127"/>
+                <a:latin typeface="+mn-ea"/>
               </a:endParaRPr>
             </a:p>
           </p:txBody>
@@ -9888,8 +9231,7 @@
                   <a:solidFill>
                     <a:srgbClr val="333333"/>
                   </a:solidFill>
-                  <a:latin typeface="넥슨 풋볼고딕 B" panose="020B0803000000000000" pitchFamily="50" charset="-127"/>
-                  <a:ea typeface="넥슨 풋볼고딕 B" panose="020B0803000000000000" pitchFamily="50" charset="-127"/>
+                  <a:latin typeface="+mn-ea"/>
                 </a:rPr>
                 <a:t>1</a:t>
               </a:r>
@@ -9897,8 +9239,7 @@
                 <a:solidFill>
                   <a:srgbClr val="333333"/>
                 </a:solidFill>
-                <a:latin typeface="넥슨 풋볼고딕 B" panose="020B0803000000000000" pitchFamily="50" charset="-127"/>
-                <a:ea typeface="넥슨 풋볼고딕 B" panose="020B0803000000000000" pitchFamily="50" charset="-127"/>
+                <a:latin typeface="+mn-ea"/>
               </a:endParaRPr>
             </a:p>
           </p:txBody>
@@ -9974,6 +9315,7 @@
                   </a:solidFill>
                 </a:ln>
                 <a:noFill/>
+                <a:latin typeface="+mn-ea"/>
               </a:endParaRPr>
             </a:p>
           </p:txBody>
@@ -10041,8 +9383,7 @@
                   <a:solidFill>
                     <a:srgbClr val="333333"/>
                   </a:solidFill>
-                  <a:latin typeface="넥슨 풋볼고딕 B" panose="020B0803000000000000" pitchFamily="50" charset="-127"/>
-                  <a:ea typeface="넥슨 풋볼고딕 B" panose="020B0803000000000000" pitchFamily="50" charset="-127"/>
+                  <a:latin typeface="+mn-ea"/>
                 </a:rPr>
                 <a:t>2</a:t>
               </a:r>
@@ -10050,8 +9391,7 @@
                 <a:solidFill>
                   <a:srgbClr val="333333"/>
                 </a:solidFill>
-                <a:latin typeface="넥슨 풋볼고딕 B" panose="020B0803000000000000" pitchFamily="50" charset="-127"/>
-                <a:ea typeface="넥슨 풋볼고딕 B" panose="020B0803000000000000" pitchFamily="50" charset="-127"/>
+                <a:latin typeface="+mn-ea"/>
               </a:endParaRPr>
             </a:p>
           </p:txBody>
@@ -10084,8 +9424,7 @@
                   <a:solidFill>
                     <a:srgbClr val="333333"/>
                   </a:solidFill>
-                  <a:latin typeface="넥슨 풋볼고딕 B" panose="020B0803000000000000" pitchFamily="50" charset="-127"/>
-                  <a:ea typeface="넥슨 풋볼고딕 B" panose="020B0803000000000000" pitchFamily="50" charset="-127"/>
+                  <a:latin typeface="+mn-ea"/>
                 </a:rPr>
                 <a:t>30</a:t>
               </a:r>
@@ -10093,8 +9432,7 @@
                 <a:solidFill>
                   <a:srgbClr val="333333"/>
                 </a:solidFill>
-                <a:latin typeface="넥슨 풋볼고딕 B" panose="020B0803000000000000" pitchFamily="50" charset="-127"/>
-                <a:ea typeface="넥슨 풋볼고딕 B" panose="020B0803000000000000" pitchFamily="50" charset="-127"/>
+                <a:latin typeface="+mn-ea"/>
               </a:endParaRPr>
             </a:p>
           </p:txBody>
@@ -10157,6 +9495,7 @@
                 </a:solidFill>
               </a:ln>
               <a:noFill/>
+              <a:latin typeface="+mn-ea"/>
             </a:endParaRPr>
           </a:p>
         </p:txBody>
@@ -10234,6 +9573,7 @@
                   </a:solidFill>
                 </a:ln>
                 <a:noFill/>
+                <a:latin typeface="+mn-ea"/>
               </a:endParaRPr>
             </a:p>
           </p:txBody>
@@ -10301,8 +9641,7 @@
                   <a:solidFill>
                     <a:srgbClr val="333333"/>
                   </a:solidFill>
-                  <a:latin typeface="넥슨 풋볼고딕 B" panose="020B0803000000000000" pitchFamily="50" charset="-127"/>
-                  <a:ea typeface="넥슨 풋볼고딕 B" panose="020B0803000000000000" pitchFamily="50" charset="-127"/>
+                  <a:latin typeface="+mn-ea"/>
                 </a:rPr>
                 <a:t>50</a:t>
               </a:r>
@@ -10310,8 +9649,7 @@
                 <a:solidFill>
                   <a:srgbClr val="333333"/>
                 </a:solidFill>
-                <a:latin typeface="넥슨 풋볼고딕 B" panose="020B0803000000000000" pitchFamily="50" charset="-127"/>
-                <a:ea typeface="넥슨 풋볼고딕 B" panose="020B0803000000000000" pitchFamily="50" charset="-127"/>
+                <a:latin typeface="+mn-ea"/>
               </a:endParaRPr>
             </a:p>
           </p:txBody>
@@ -10387,6 +9725,7 @@
                   </a:solidFill>
                 </a:ln>
                 <a:noFill/>
+                <a:latin typeface="+mn-ea"/>
               </a:endParaRPr>
             </a:p>
           </p:txBody>
@@ -10454,8 +9793,7 @@
                   <a:solidFill>
                     <a:srgbClr val="333333"/>
                   </a:solidFill>
-                  <a:latin typeface="넥슨 풋볼고딕 B" panose="020B0803000000000000" pitchFamily="50" charset="-127"/>
-                  <a:ea typeface="넥슨 풋볼고딕 B" panose="020B0803000000000000" pitchFamily="50" charset="-127"/>
+                  <a:latin typeface="+mn-ea"/>
                 </a:rPr>
                 <a:t>4</a:t>
               </a:r>
@@ -10463,8 +9801,7 @@
                 <a:solidFill>
                   <a:srgbClr val="333333"/>
                 </a:solidFill>
-                <a:latin typeface="넥슨 풋볼고딕 B" panose="020B0803000000000000" pitchFamily="50" charset="-127"/>
-                <a:ea typeface="넥슨 풋볼고딕 B" panose="020B0803000000000000" pitchFamily="50" charset="-127"/>
+                <a:latin typeface="+mn-ea"/>
               </a:endParaRPr>
             </a:p>
           </p:txBody>
@@ -10497,8 +9834,7 @@
                   <a:solidFill>
                     <a:srgbClr val="333333"/>
                   </a:solidFill>
-                  <a:latin typeface="넥슨 풋볼고딕 B" panose="020B0803000000000000" pitchFamily="50" charset="-127"/>
-                  <a:ea typeface="넥슨 풋볼고딕 B" panose="020B0803000000000000" pitchFamily="50" charset="-127"/>
+                  <a:latin typeface="+mn-ea"/>
                 </a:rPr>
                 <a:t>40</a:t>
               </a:r>
@@ -10506,8 +9842,7 @@
                 <a:solidFill>
                   <a:srgbClr val="333333"/>
                 </a:solidFill>
-                <a:latin typeface="넥슨 풋볼고딕 B" panose="020B0803000000000000" pitchFamily="50" charset="-127"/>
-                <a:ea typeface="넥슨 풋볼고딕 B" panose="020B0803000000000000" pitchFamily="50" charset="-127"/>
+                <a:latin typeface="+mn-ea"/>
               </a:endParaRPr>
             </a:p>
           </p:txBody>
@@ -10566,6 +9901,7 @@
               <a:solidFill>
                 <a:schemeClr val="tx1"/>
               </a:solidFill>
+              <a:latin typeface="+mn-ea"/>
             </a:endParaRPr>
           </a:p>
         </p:txBody>
@@ -10677,6 +10013,7 @@
                   </a:solidFill>
                 </a:ln>
                 <a:noFill/>
+                <a:latin typeface="+mn-ea"/>
               </a:endParaRPr>
             </a:p>
           </p:txBody>
@@ -10725,7 +10062,7 @@
           <p:spPr>
             <a:xfrm>
               <a:off x="1877654" y="2120555"/>
-              <a:ext cx="870143" cy="274074"/>
+              <a:ext cx="870143" cy="306699"/>
             </a:xfrm>
             <a:prstGeom prst="rect">
               <a:avLst/>
@@ -10744,8 +10081,7 @@
                   <a:solidFill>
                     <a:srgbClr val="333333"/>
                   </a:solidFill>
-                  <a:latin typeface="넥슨 풋볼고딕 B" panose="020B0803000000000000" pitchFamily="50" charset="-127"/>
-                  <a:ea typeface="넥슨 풋볼고딕 B" panose="020B0803000000000000" pitchFamily="50" charset="-127"/>
+                  <a:latin typeface="+mn-ea"/>
                 </a:rPr>
                 <a:t>0</a:t>
               </a:r>
@@ -10753,8 +10089,7 @@
                 <a:solidFill>
                   <a:srgbClr val="333333"/>
                 </a:solidFill>
-                <a:latin typeface="넥슨 풋볼고딕 B" panose="020B0803000000000000" pitchFamily="50" charset="-127"/>
-                <a:ea typeface="넥슨 풋볼고딕 B" panose="020B0803000000000000" pitchFamily="50" charset="-127"/>
+                <a:latin typeface="+mn-ea"/>
               </a:endParaRPr>
             </a:p>
           </p:txBody>
@@ -10787,8 +10122,7 @@
                   <a:solidFill>
                     <a:srgbClr val="333333"/>
                   </a:solidFill>
-                  <a:latin typeface="넥슨 풋볼고딕 B" panose="020B0803000000000000" pitchFamily="50" charset="-127"/>
-                  <a:ea typeface="넥슨 풋볼고딕 B" panose="020B0803000000000000" pitchFamily="50" charset="-127"/>
+                  <a:latin typeface="+mn-ea"/>
                 </a:rPr>
                 <a:t>10</a:t>
               </a:r>
@@ -10796,8 +10130,7 @@
                 <a:solidFill>
                   <a:srgbClr val="333333"/>
                 </a:solidFill>
-                <a:latin typeface="넥슨 풋볼고딕 B" panose="020B0803000000000000" pitchFamily="50" charset="-127"/>
-                <a:ea typeface="넥슨 풋볼고딕 B" panose="020B0803000000000000" pitchFamily="50" charset="-127"/>
+                <a:latin typeface="+mn-ea"/>
               </a:endParaRPr>
             </a:p>
           </p:txBody>
@@ -10830,8 +10163,7 @@
                   <a:solidFill>
                     <a:srgbClr val="333333"/>
                   </a:solidFill>
-                  <a:latin typeface="넥슨 풋볼고딕 B" panose="020B0803000000000000" pitchFamily="50" charset="-127"/>
-                  <a:ea typeface="넥슨 풋볼고딕 B" panose="020B0803000000000000" pitchFamily="50" charset="-127"/>
+                  <a:latin typeface="+mn-ea"/>
                 </a:rPr>
                 <a:t>1</a:t>
               </a:r>
@@ -10839,8 +10171,7 @@
                 <a:solidFill>
                   <a:srgbClr val="333333"/>
                 </a:solidFill>
-                <a:latin typeface="넥슨 풋볼고딕 B" panose="020B0803000000000000" pitchFamily="50" charset="-127"/>
-                <a:ea typeface="넥슨 풋볼고딕 B" panose="020B0803000000000000" pitchFamily="50" charset="-127"/>
+                <a:latin typeface="+mn-ea"/>
               </a:endParaRPr>
             </a:p>
           </p:txBody>
@@ -10916,6 +10247,7 @@
                   </a:solidFill>
                 </a:ln>
                 <a:noFill/>
+                <a:latin typeface="+mn-ea"/>
               </a:endParaRPr>
             </a:p>
           </p:txBody>
@@ -10983,8 +10315,7 @@
                   <a:solidFill>
                     <a:srgbClr val="333333"/>
                   </a:solidFill>
-                  <a:latin typeface="넥슨 풋볼고딕 B" panose="020B0803000000000000" pitchFamily="50" charset="-127"/>
-                  <a:ea typeface="넥슨 풋볼고딕 B" panose="020B0803000000000000" pitchFamily="50" charset="-127"/>
+                  <a:latin typeface="+mn-ea"/>
                 </a:rPr>
                 <a:t>2</a:t>
               </a:r>
@@ -10992,8 +10323,7 @@
                 <a:solidFill>
                   <a:srgbClr val="333333"/>
                 </a:solidFill>
-                <a:latin typeface="넥슨 풋볼고딕 B" panose="020B0803000000000000" pitchFamily="50" charset="-127"/>
-                <a:ea typeface="넥슨 풋볼고딕 B" panose="020B0803000000000000" pitchFamily="50" charset="-127"/>
+                <a:latin typeface="+mn-ea"/>
               </a:endParaRPr>
             </a:p>
           </p:txBody>
@@ -11026,8 +10356,7 @@
                   <a:solidFill>
                     <a:srgbClr val="333333"/>
                   </a:solidFill>
-                  <a:latin typeface="넥슨 풋볼고딕 B" panose="020B0803000000000000" pitchFamily="50" charset="-127"/>
-                  <a:ea typeface="넥슨 풋볼고딕 B" panose="020B0803000000000000" pitchFamily="50" charset="-127"/>
+                  <a:latin typeface="+mn-ea"/>
                 </a:rPr>
                 <a:t>30</a:t>
               </a:r>
@@ -11035,8 +10364,7 @@
                 <a:solidFill>
                   <a:srgbClr val="333333"/>
                 </a:solidFill>
-                <a:latin typeface="넥슨 풋볼고딕 B" panose="020B0803000000000000" pitchFamily="50" charset="-127"/>
-                <a:ea typeface="넥슨 풋볼고딕 B" panose="020B0803000000000000" pitchFamily="50" charset="-127"/>
+                <a:latin typeface="+mn-ea"/>
               </a:endParaRPr>
             </a:p>
           </p:txBody>
@@ -11112,6 +10440,7 @@
                   </a:solidFill>
                 </a:ln>
                 <a:noFill/>
+                <a:latin typeface="+mn-ea"/>
               </a:endParaRPr>
             </a:p>
           </p:txBody>
@@ -11179,8 +10508,7 @@
                   <a:solidFill>
                     <a:srgbClr val="333333"/>
                   </a:solidFill>
-                  <a:latin typeface="넥슨 풋볼고딕 B" panose="020B0803000000000000" pitchFamily="50" charset="-127"/>
-                  <a:ea typeface="넥슨 풋볼고딕 B" panose="020B0803000000000000" pitchFamily="50" charset="-127"/>
+                  <a:latin typeface="+mn-ea"/>
                 </a:rPr>
                 <a:t>3</a:t>
               </a:r>
@@ -11188,8 +10516,7 @@
                 <a:solidFill>
                   <a:srgbClr val="333333"/>
                 </a:solidFill>
-                <a:latin typeface="넥슨 풋볼고딕 B" panose="020B0803000000000000" pitchFamily="50" charset="-127"/>
-                <a:ea typeface="넥슨 풋볼고딕 B" panose="020B0803000000000000" pitchFamily="50" charset="-127"/>
+                <a:latin typeface="+mn-ea"/>
               </a:endParaRPr>
             </a:p>
           </p:txBody>
@@ -11222,8 +10549,7 @@
                   <a:solidFill>
                     <a:srgbClr val="333333"/>
                   </a:solidFill>
-                  <a:latin typeface="넥슨 풋볼고딕 B" panose="020B0803000000000000" pitchFamily="50" charset="-127"/>
-                  <a:ea typeface="넥슨 풋볼고딕 B" panose="020B0803000000000000" pitchFamily="50" charset="-127"/>
+                  <a:latin typeface="+mn-ea"/>
                 </a:rPr>
                 <a:t>40</a:t>
               </a:r>
@@ -11231,8 +10557,7 @@
                 <a:solidFill>
                   <a:srgbClr val="333333"/>
                 </a:solidFill>
-                <a:latin typeface="넥슨 풋볼고딕 B" panose="020B0803000000000000" pitchFamily="50" charset="-127"/>
-                <a:ea typeface="넥슨 풋볼고딕 B" panose="020B0803000000000000" pitchFamily="50" charset="-127"/>
+                <a:latin typeface="+mn-ea"/>
               </a:endParaRPr>
             </a:p>
           </p:txBody>
@@ -11311,6 +10636,7 @@
                   </a:solidFill>
                 </a:ln>
                 <a:noFill/>
+                <a:latin typeface="+mn-ea"/>
               </a:endParaRPr>
             </a:p>
           </p:txBody>
@@ -11378,8 +10704,7 @@
                   <a:solidFill>
                     <a:srgbClr val="333333"/>
                   </a:solidFill>
-                  <a:latin typeface="넥슨 풋볼고딕 B" panose="020B0803000000000000" pitchFamily="50" charset="-127"/>
-                  <a:ea typeface="넥슨 풋볼고딕 B" panose="020B0803000000000000" pitchFamily="50" charset="-127"/>
+                  <a:latin typeface="+mn-ea"/>
                 </a:rPr>
                 <a:t>50</a:t>
               </a:r>
@@ -11387,8 +10712,7 @@
                 <a:solidFill>
                   <a:srgbClr val="333333"/>
                 </a:solidFill>
-                <a:latin typeface="넥슨 풋볼고딕 B" panose="020B0803000000000000" pitchFamily="50" charset="-127"/>
-                <a:ea typeface="넥슨 풋볼고딕 B" panose="020B0803000000000000" pitchFamily="50" charset="-127"/>
+                <a:latin typeface="+mn-ea"/>
               </a:endParaRPr>
             </a:p>
           </p:txBody>
@@ -11451,6 +10775,7 @@
                 </a:solidFill>
               </a:ln>
               <a:noFill/>
+              <a:latin typeface="+mn-ea"/>
             </a:endParaRPr>
           </a:p>
         </p:txBody>
@@ -11657,7 +10982,7 @@
       </p:sp>
       <p:pic>
         <p:nvPicPr>
-          <p:cNvPr id="3" name="그림 2"/>
+          <p:cNvPr id="4" name="그림 3"/>
           <p:cNvPicPr>
             <a:picLocks noChangeAspect="1"/>
           </p:cNvPicPr>
@@ -11677,12 +11002,16 @@
         </p:blipFill>
         <p:spPr>
           <a:xfrm>
-            <a:off x="8026400" y="1993876"/>
-            <a:ext cx="2819400" cy="2819400"/>
+            <a:off x="7593227" y="1580954"/>
+            <a:ext cx="3645243" cy="3645243"/>
           </a:xfrm>
           <a:prstGeom prst="rect">
             <a:avLst/>
           </a:prstGeom>
+          <a:noFill/>
+          <a:ln>
+            <a:noFill/>
+          </a:ln>
         </p:spPr>
       </p:pic>
     </p:spTree>
@@ -11731,7 +11060,7 @@
         <p:spPr>
           <a:xfrm>
             <a:off x="2229397" y="2687122"/>
-            <a:ext cx="7733207" cy="1446550"/>
+            <a:ext cx="6562887" cy="1446550"/>
           </a:xfrm>
           <a:prstGeom prst="rect">
             <a:avLst/>
@@ -11744,10 +11073,18 @@
           <a:lstStyle/>
           <a:p>
             <a:r>
-              <a:rPr lang="en-US" altLang="ko-KR" sz="8800" dirty="0"/>
+              <a:rPr lang="en-US" altLang="ko-KR" sz="8800" dirty="0">
+                <a:solidFill>
+                  <a:srgbClr val="333333"/>
+                </a:solidFill>
+              </a:rPr>
               <a:t>numbers.get(2)</a:t>
             </a:r>
-            <a:endParaRPr lang="ko-KR" altLang="en-US" sz="8800" dirty="0"/>
+            <a:endParaRPr lang="ko-KR" altLang="en-US" sz="8800" dirty="0">
+              <a:solidFill>
+                <a:srgbClr val="333333"/>
+              </a:solidFill>
+            </a:endParaRPr>
           </a:p>
         </p:txBody>
       </p:sp>
@@ -11872,6 +11209,7 @@
                     </a:solidFill>
                   </a:ln>
                   <a:noFill/>
+                  <a:latin typeface="+mn-ea"/>
                 </a:endParaRPr>
               </a:p>
             </p:txBody>
@@ -11920,7 +11258,7 @@
             <p:spPr>
               <a:xfrm>
                 <a:off x="1877654" y="2120555"/>
-                <a:ext cx="870143" cy="274074"/>
+                <a:ext cx="870143" cy="306699"/>
               </a:xfrm>
               <a:prstGeom prst="rect">
                 <a:avLst/>
@@ -11939,8 +11277,7 @@
                     <a:solidFill>
                       <a:srgbClr val="333333"/>
                     </a:solidFill>
-                    <a:latin typeface="넥슨 풋볼고딕 B" panose="020B0803000000000000" pitchFamily="50" charset="-127"/>
-                    <a:ea typeface="넥슨 풋볼고딕 B" panose="020B0803000000000000" pitchFamily="50" charset="-127"/>
+                    <a:latin typeface="+mn-ea"/>
                   </a:rPr>
                   <a:t>0</a:t>
                 </a:r>
@@ -11948,8 +11285,7 @@
                   <a:solidFill>
                     <a:srgbClr val="333333"/>
                   </a:solidFill>
-                  <a:latin typeface="넥슨 풋볼고딕 B" panose="020B0803000000000000" pitchFamily="50" charset="-127"/>
-                  <a:ea typeface="넥슨 풋볼고딕 B" panose="020B0803000000000000" pitchFamily="50" charset="-127"/>
+                  <a:latin typeface="+mn-ea"/>
                 </a:endParaRPr>
               </a:p>
             </p:txBody>
@@ -11982,8 +11318,7 @@
                     <a:solidFill>
                       <a:srgbClr val="333333"/>
                     </a:solidFill>
-                    <a:latin typeface="넥슨 풋볼고딕 B" panose="020B0803000000000000" pitchFamily="50" charset="-127"/>
-                    <a:ea typeface="넥슨 풋볼고딕 B" panose="020B0803000000000000" pitchFamily="50" charset="-127"/>
+                    <a:latin typeface="+mn-ea"/>
                   </a:rPr>
                   <a:t>10</a:t>
                 </a:r>
@@ -11991,8 +11326,7 @@
                   <a:solidFill>
                     <a:srgbClr val="333333"/>
                   </a:solidFill>
-                  <a:latin typeface="넥슨 풋볼고딕 B" panose="020B0803000000000000" pitchFamily="50" charset="-127"/>
-                  <a:ea typeface="넥슨 풋볼고딕 B" panose="020B0803000000000000" pitchFamily="50" charset="-127"/>
+                  <a:latin typeface="+mn-ea"/>
                 </a:endParaRPr>
               </a:p>
             </p:txBody>
@@ -12025,8 +11359,7 @@
                     <a:solidFill>
                       <a:srgbClr val="333333"/>
                     </a:solidFill>
-                    <a:latin typeface="넥슨 풋볼고딕 B" panose="020B0803000000000000" pitchFamily="50" charset="-127"/>
-                    <a:ea typeface="넥슨 풋볼고딕 B" panose="020B0803000000000000" pitchFamily="50" charset="-127"/>
+                    <a:latin typeface="+mn-ea"/>
                   </a:rPr>
                   <a:t>1</a:t>
                 </a:r>
@@ -12034,8 +11367,7 @@
                   <a:solidFill>
                     <a:srgbClr val="333333"/>
                   </a:solidFill>
-                  <a:latin typeface="넥슨 풋볼고딕 B" panose="020B0803000000000000" pitchFamily="50" charset="-127"/>
-                  <a:ea typeface="넥슨 풋볼고딕 B" panose="020B0803000000000000" pitchFamily="50" charset="-127"/>
+                  <a:latin typeface="+mn-ea"/>
                 </a:endParaRPr>
               </a:p>
             </p:txBody>
@@ -12111,6 +11443,7 @@
                     </a:solidFill>
                   </a:ln>
                   <a:noFill/>
+                  <a:latin typeface="+mn-ea"/>
                 </a:endParaRPr>
               </a:p>
             </p:txBody>
@@ -12178,8 +11511,7 @@
                     <a:solidFill>
                       <a:srgbClr val="333333"/>
                     </a:solidFill>
-                    <a:latin typeface="넥슨 풋볼고딕 B" panose="020B0803000000000000" pitchFamily="50" charset="-127"/>
-                    <a:ea typeface="넥슨 풋볼고딕 B" panose="020B0803000000000000" pitchFamily="50" charset="-127"/>
+                    <a:latin typeface="+mn-ea"/>
                   </a:rPr>
                   <a:t>2</a:t>
                 </a:r>
@@ -12187,8 +11519,7 @@
                   <a:solidFill>
                     <a:srgbClr val="333333"/>
                   </a:solidFill>
-                  <a:latin typeface="넥슨 풋볼고딕 B" panose="020B0803000000000000" pitchFamily="50" charset="-127"/>
-                  <a:ea typeface="넥슨 풋볼고딕 B" panose="020B0803000000000000" pitchFamily="50" charset="-127"/>
+                  <a:latin typeface="+mn-ea"/>
                 </a:endParaRPr>
               </a:p>
             </p:txBody>
@@ -12221,8 +11552,7 @@
                     <a:solidFill>
                       <a:srgbClr val="333333"/>
                     </a:solidFill>
-                    <a:latin typeface="넥슨 풋볼고딕 B" panose="020B0803000000000000" pitchFamily="50" charset="-127"/>
-                    <a:ea typeface="넥슨 풋볼고딕 B" panose="020B0803000000000000" pitchFamily="50" charset="-127"/>
+                    <a:latin typeface="+mn-ea"/>
                   </a:rPr>
                   <a:t>30</a:t>
                 </a:r>
@@ -12230,8 +11560,7 @@
                   <a:solidFill>
                     <a:srgbClr val="333333"/>
                   </a:solidFill>
-                  <a:latin typeface="넥슨 풋볼고딕 B" panose="020B0803000000000000" pitchFamily="50" charset="-127"/>
-                  <a:ea typeface="넥슨 풋볼고딕 B" panose="020B0803000000000000" pitchFamily="50" charset="-127"/>
+                  <a:latin typeface="+mn-ea"/>
                 </a:endParaRPr>
               </a:p>
             </p:txBody>
@@ -12307,6 +11636,7 @@
                     </a:solidFill>
                   </a:ln>
                   <a:noFill/>
+                  <a:latin typeface="+mn-ea"/>
                 </a:endParaRPr>
               </a:p>
             </p:txBody>
@@ -12374,8 +11704,7 @@
                     <a:solidFill>
                       <a:srgbClr val="333333"/>
                     </a:solidFill>
-                    <a:latin typeface="넥슨 풋볼고딕 B" panose="020B0803000000000000" pitchFamily="50" charset="-127"/>
-                    <a:ea typeface="넥슨 풋볼고딕 B" panose="020B0803000000000000" pitchFamily="50" charset="-127"/>
+                    <a:latin typeface="+mn-ea"/>
                   </a:rPr>
                   <a:t>3</a:t>
                 </a:r>
@@ -12383,8 +11712,7 @@
                   <a:solidFill>
                     <a:srgbClr val="333333"/>
                   </a:solidFill>
-                  <a:latin typeface="넥슨 풋볼고딕 B" panose="020B0803000000000000" pitchFamily="50" charset="-127"/>
-                  <a:ea typeface="넥슨 풋볼고딕 B" panose="020B0803000000000000" pitchFamily="50" charset="-127"/>
+                  <a:latin typeface="+mn-ea"/>
                 </a:endParaRPr>
               </a:p>
             </p:txBody>
@@ -12417,8 +11745,7 @@
                     <a:solidFill>
                       <a:srgbClr val="333333"/>
                     </a:solidFill>
-                    <a:latin typeface="넥슨 풋볼고딕 B" panose="020B0803000000000000" pitchFamily="50" charset="-127"/>
-                    <a:ea typeface="넥슨 풋볼고딕 B" panose="020B0803000000000000" pitchFamily="50" charset="-127"/>
+                    <a:latin typeface="+mn-ea"/>
                   </a:rPr>
                   <a:t>40</a:t>
                 </a:r>
@@ -12426,8 +11753,7 @@
                   <a:solidFill>
                     <a:srgbClr val="333333"/>
                   </a:solidFill>
-                  <a:latin typeface="넥슨 풋볼고딕 B" panose="020B0803000000000000" pitchFamily="50" charset="-127"/>
-                  <a:ea typeface="넥슨 풋볼고딕 B" panose="020B0803000000000000" pitchFamily="50" charset="-127"/>
+                  <a:latin typeface="+mn-ea"/>
                 </a:endParaRPr>
               </a:p>
             </p:txBody>
@@ -12506,6 +11832,7 @@
                     </a:solidFill>
                   </a:ln>
                   <a:noFill/>
+                  <a:latin typeface="+mn-ea"/>
                 </a:endParaRPr>
               </a:p>
             </p:txBody>
@@ -12573,8 +11900,7 @@
                     <a:solidFill>
                       <a:srgbClr val="333333"/>
                     </a:solidFill>
-                    <a:latin typeface="넥슨 풋볼고딕 B" panose="020B0803000000000000" pitchFamily="50" charset="-127"/>
-                    <a:ea typeface="넥슨 풋볼고딕 B" panose="020B0803000000000000" pitchFamily="50" charset="-127"/>
+                    <a:latin typeface="+mn-ea"/>
                   </a:rPr>
                   <a:t>50</a:t>
                 </a:r>
@@ -12582,8 +11908,7 @@
                   <a:solidFill>
                     <a:srgbClr val="333333"/>
                   </a:solidFill>
-                  <a:latin typeface="넥슨 풋볼고딕 B" panose="020B0803000000000000" pitchFamily="50" charset="-127"/>
-                  <a:ea typeface="넥슨 풋볼고딕 B" panose="020B0803000000000000" pitchFamily="50" charset="-127"/>
+                  <a:latin typeface="+mn-ea"/>
                 </a:endParaRPr>
               </a:p>
             </p:txBody>
@@ -12934,6 +12259,7 @@
         </p:nvPicPr>
         <p:blipFill>
           <a:blip r:embed="rId2">
+            <a:grayscl/>
             <a:extLst>
               <a:ext uri="{28A0092B-C50C-407E-A947-70E740481C1C}">
                 <a14:useLocalDpi xmlns:a14="http://schemas.microsoft.com/office/drawing/2010/main" val="0"/>
@@ -12999,8 +12325,8 @@
         </p:nvSpPr>
         <p:spPr>
           <a:xfrm>
-            <a:off x="1118067" y="2967335"/>
-            <a:ext cx="9955867" cy="923330"/>
+            <a:off x="972002" y="2967335"/>
+            <a:ext cx="10247998" cy="1107996"/>
           </a:xfrm>
           <a:prstGeom prst="rect">
             <a:avLst/>
@@ -13012,15 +12338,16 @@
           </a:bodyPr>
           <a:lstStyle/>
           <a:p>
+            <a:pPr algn="ctr"/>
             <a:r>
-              <a:rPr lang="en-US" altLang="ko-KR" sz="5400" dirty="0" smtClean="0"/>
+              <a:rPr lang="en-US" altLang="ko-KR" sz="6600" dirty="0" smtClean="0"/>
               <a:t>Iterator </a:t>
             </a:r>
             <a:r>
-              <a:rPr lang="en-US" altLang="ko-KR" sz="5400" dirty="0"/>
+              <a:rPr lang="en-US" altLang="ko-KR" sz="6600" dirty="0"/>
               <a:t>it = numbers.iterator();</a:t>
             </a:r>
-            <a:endParaRPr lang="ko-KR" altLang="en-US" sz="5400" dirty="0"/>
+            <a:endParaRPr lang="ko-KR" altLang="en-US" sz="6600" dirty="0"/>
           </a:p>
         </p:txBody>
       </p:sp>
@@ -13069,8 +12396,8 @@
         </p:nvSpPr>
         <p:spPr>
           <a:xfrm>
-            <a:off x="1651467" y="2195810"/>
-            <a:ext cx="6705746" cy="2862322"/>
+            <a:off x="972001" y="843677"/>
+            <a:ext cx="10247998" cy="5170646"/>
           </a:xfrm>
           <a:prstGeom prst="rect">
             <a:avLst/>
@@ -13083,46 +12410,46 @@
           <a:lstStyle/>
           <a:p>
             <a:r>
-              <a:rPr lang="en-US" altLang="ko-KR" sz="3600" dirty="0" smtClean="0"/>
+              <a:rPr lang="en-US" altLang="ko-KR" sz="6600" dirty="0" smtClean="0"/>
               <a:t>Iterator </a:t>
             </a:r>
             <a:r>
-              <a:rPr lang="en-US" altLang="ko-KR" sz="3600" dirty="0"/>
+              <a:rPr lang="en-US" altLang="ko-KR" sz="6600" dirty="0"/>
               <a:t>it = numbers.iterator();</a:t>
             </a:r>
           </a:p>
           <a:p>
             <a:r>
-              <a:rPr lang="en-US" altLang="ko-KR" sz="3600" dirty="0"/>
+              <a:rPr lang="en-US" altLang="ko-KR" sz="6600" dirty="0"/>
               <a:t>	while(it.hasNext()){</a:t>
             </a:r>
           </a:p>
           <a:p>
             <a:r>
-              <a:rPr lang="en-US" altLang="ko-KR" sz="3600" dirty="0"/>
+              <a:rPr lang="en-US" altLang="ko-KR" sz="6600" dirty="0"/>
               <a:t>		int value = it.next</a:t>
             </a:r>
             <a:r>
-              <a:rPr lang="en-US" altLang="ko-KR" sz="3600" dirty="0" smtClean="0"/>
+              <a:rPr lang="en-US" altLang="ko-KR" sz="6600" dirty="0" smtClean="0"/>
               <a:t>();</a:t>
             </a:r>
           </a:p>
           <a:p>
             <a:r>
-              <a:rPr lang="en-US" altLang="ko-KR" sz="3600" dirty="0" smtClean="0"/>
+              <a:rPr lang="en-US" altLang="ko-KR" sz="6600" dirty="0" smtClean="0"/>
               <a:t> 	}</a:t>
             </a:r>
             <a:r>
-              <a:rPr lang="en-US" altLang="ko-KR" sz="3600" dirty="0"/>
+              <a:rPr lang="en-US" altLang="ko-KR" sz="6600" dirty="0"/>
               <a:t>						</a:t>
             </a:r>
           </a:p>
           <a:p>
             <a:r>
-              <a:rPr lang="en-US" altLang="ko-KR" sz="3600" dirty="0" smtClean="0"/>
+              <a:rPr lang="en-US" altLang="ko-KR" sz="6600" dirty="0" smtClean="0"/>
               <a:t>}</a:t>
             </a:r>
-            <a:endParaRPr lang="ko-KR" altLang="en-US" sz="3600" dirty="0"/>
+            <a:endParaRPr lang="ko-KR" altLang="en-US" sz="6600" dirty="0"/>
           </a:p>
         </p:txBody>
       </p:sp>
@@ -13171,8 +12498,8 @@
         </p:nvSpPr>
         <p:spPr>
           <a:xfrm>
-            <a:off x="1651467" y="2195810"/>
-            <a:ext cx="9109610" cy="2585323"/>
+            <a:off x="558266" y="1536174"/>
+            <a:ext cx="11075468" cy="3785652"/>
           </a:xfrm>
           <a:prstGeom prst="rect">
             <a:avLst/>
@@ -13185,26 +12512,26 @@
           <a:lstStyle/>
           <a:p>
             <a:r>
-              <a:rPr lang="en-US" altLang="ko-KR" sz="5400" dirty="0"/>
+              <a:rPr lang="en-US" altLang="ko-KR" sz="8000" dirty="0"/>
               <a:t>for(int value : numbers){</a:t>
             </a:r>
           </a:p>
           <a:p>
             <a:r>
-              <a:rPr lang="en-US" altLang="ko-KR" sz="5400" dirty="0" smtClean="0"/>
+              <a:rPr lang="en-US" altLang="ko-KR" sz="8000" dirty="0" smtClean="0"/>
               <a:t>		System.out.println(value</a:t>
             </a:r>
             <a:r>
-              <a:rPr lang="en-US" altLang="ko-KR" sz="5400" dirty="0"/>
+              <a:rPr lang="en-US" altLang="ko-KR" sz="8000" dirty="0"/>
               <a:t>);</a:t>
             </a:r>
           </a:p>
           <a:p>
             <a:r>
-              <a:rPr lang="en-US" altLang="ko-KR" sz="5400" dirty="0"/>
+              <a:rPr lang="en-US" altLang="ko-KR" sz="8000" dirty="0"/>
               <a:t>}</a:t>
             </a:r>
-            <a:endParaRPr lang="ko-KR" altLang="en-US" sz="5400" dirty="0"/>
+            <a:endParaRPr lang="ko-KR" altLang="en-US" sz="8000" dirty="0"/>
           </a:p>
         </p:txBody>
       </p:sp>
@@ -13578,9 +12905,9 @@
         <p:grpSpPr>
           <a:xfrm>
             <a:off x="3035560" y="2640086"/>
-            <a:ext cx="1036289" cy="1095195"/>
+            <a:ext cx="1036289" cy="1135372"/>
             <a:chOff x="1877654" y="1556951"/>
-            <a:chExt cx="873783" cy="839506"/>
+            <a:chExt cx="873783" cy="870303"/>
           </a:xfrm>
         </p:grpSpPr>
         <p:sp>
@@ -13639,6 +12966,7 @@
                   </a:solidFill>
                 </a:ln>
                 <a:noFill/>
+                <a:latin typeface="+mn-ea"/>
               </a:endParaRPr>
             </a:p>
           </p:txBody>
@@ -13687,7 +13015,7 @@
           <p:spPr>
             <a:xfrm>
               <a:off x="1877654" y="2120555"/>
-              <a:ext cx="870143" cy="274074"/>
+              <a:ext cx="870143" cy="306699"/>
             </a:xfrm>
             <a:prstGeom prst="rect">
               <a:avLst/>
@@ -13706,8 +13034,7 @@
                   <a:solidFill>
                     <a:srgbClr val="333333"/>
                   </a:solidFill>
-                  <a:latin typeface="넥슨 풋볼고딕 B" panose="020B0803000000000000" pitchFamily="50" charset="-127"/>
-                  <a:ea typeface="넥슨 풋볼고딕 B" panose="020B0803000000000000" pitchFamily="50" charset="-127"/>
+                  <a:latin typeface="+mn-ea"/>
                 </a:rPr>
                 <a:t>0</a:t>
               </a:r>
@@ -13715,8 +13042,7 @@
                 <a:solidFill>
                   <a:srgbClr val="333333"/>
                 </a:solidFill>
-                <a:latin typeface="넥슨 풋볼고딕 B" panose="020B0803000000000000" pitchFamily="50" charset="-127"/>
-                <a:ea typeface="넥슨 풋볼고딕 B" panose="020B0803000000000000" pitchFamily="50" charset="-127"/>
+                <a:latin typeface="+mn-ea"/>
               </a:endParaRPr>
             </a:p>
           </p:txBody>
@@ -13749,8 +13075,7 @@
                   <a:solidFill>
                     <a:srgbClr val="333333"/>
                   </a:solidFill>
-                  <a:latin typeface="넥슨 풋볼고딕 B" panose="020B0803000000000000" pitchFamily="50" charset="-127"/>
-                  <a:ea typeface="넥슨 풋볼고딕 B" panose="020B0803000000000000" pitchFamily="50" charset="-127"/>
+                  <a:latin typeface="+mn-ea"/>
                 </a:rPr>
                 <a:t>10</a:t>
               </a:r>
@@ -13758,8 +13083,7 @@
                 <a:solidFill>
                   <a:srgbClr val="333333"/>
                 </a:solidFill>
-                <a:latin typeface="넥슨 풋볼고딕 B" panose="020B0803000000000000" pitchFamily="50" charset="-127"/>
-                <a:ea typeface="넥슨 풋볼고딕 B" panose="020B0803000000000000" pitchFamily="50" charset="-127"/>
+                <a:latin typeface="+mn-ea"/>
               </a:endParaRPr>
             </a:p>
           </p:txBody>
@@ -13774,9 +13098,9 @@
         <p:grpSpPr>
           <a:xfrm>
             <a:off x="4487804" y="2640086"/>
-            <a:ext cx="1036289" cy="1095195"/>
+            <a:ext cx="1036289" cy="1135372"/>
             <a:chOff x="1877654" y="1556951"/>
-            <a:chExt cx="873783" cy="839506"/>
+            <a:chExt cx="873783" cy="870303"/>
           </a:xfrm>
         </p:grpSpPr>
         <p:sp>
@@ -13835,6 +13159,7 @@
                   </a:solidFill>
                 </a:ln>
                 <a:noFill/>
+                <a:latin typeface="+mn-ea"/>
               </a:endParaRPr>
             </a:p>
           </p:txBody>
@@ -13883,7 +13208,7 @@
           <p:spPr>
             <a:xfrm>
               <a:off x="1877654" y="2120555"/>
-              <a:ext cx="870143" cy="274074"/>
+              <a:ext cx="870143" cy="306699"/>
             </a:xfrm>
             <a:prstGeom prst="rect">
               <a:avLst/>
@@ -13902,8 +13227,7 @@
                   <a:solidFill>
                     <a:srgbClr val="333333"/>
                   </a:solidFill>
-                  <a:latin typeface="넥슨 풋볼고딕 B" panose="020B0803000000000000" pitchFamily="50" charset="-127"/>
-                  <a:ea typeface="넥슨 풋볼고딕 B" panose="020B0803000000000000" pitchFamily="50" charset="-127"/>
+                  <a:latin typeface="+mn-ea"/>
                 </a:rPr>
                 <a:t>1</a:t>
               </a:r>
@@ -13911,8 +13235,7 @@
                 <a:solidFill>
                   <a:srgbClr val="333333"/>
                 </a:solidFill>
-                <a:latin typeface="넥슨 풋볼고딕 B" panose="020B0803000000000000" pitchFamily="50" charset="-127"/>
-                <a:ea typeface="넥슨 풋볼고딕 B" panose="020B0803000000000000" pitchFamily="50" charset="-127"/>
+                <a:latin typeface="+mn-ea"/>
               </a:endParaRPr>
             </a:p>
           </p:txBody>
@@ -13945,8 +13268,7 @@
                   <a:solidFill>
                     <a:srgbClr val="333333"/>
                   </a:solidFill>
-                  <a:latin typeface="넥슨 풋볼고딕 B" panose="020B0803000000000000" pitchFamily="50" charset="-127"/>
-                  <a:ea typeface="넥슨 풋볼고딕 B" panose="020B0803000000000000" pitchFamily="50" charset="-127"/>
+                  <a:latin typeface="+mn-ea"/>
                 </a:rPr>
                 <a:t>20</a:t>
               </a:r>
@@ -13954,8 +13276,7 @@
                 <a:solidFill>
                   <a:srgbClr val="333333"/>
                 </a:solidFill>
-                <a:latin typeface="넥슨 풋볼고딕 B" panose="020B0803000000000000" pitchFamily="50" charset="-127"/>
-                <a:ea typeface="넥슨 풋볼고딕 B" panose="020B0803000000000000" pitchFamily="50" charset="-127"/>
+                <a:latin typeface="+mn-ea"/>
               </a:endParaRPr>
             </a:p>
           </p:txBody>
@@ -13970,9 +13291,9 @@
         <p:grpSpPr>
           <a:xfrm>
             <a:off x="5940047" y="2640086"/>
-            <a:ext cx="1036289" cy="1095195"/>
+            <a:ext cx="1036289" cy="1135372"/>
             <a:chOff x="1877654" y="1556951"/>
-            <a:chExt cx="873783" cy="839506"/>
+            <a:chExt cx="873783" cy="870303"/>
           </a:xfrm>
         </p:grpSpPr>
         <p:sp>
@@ -14031,6 +13352,7 @@
                   </a:solidFill>
                 </a:ln>
                 <a:noFill/>
+                <a:latin typeface="+mn-ea"/>
               </a:endParaRPr>
             </a:p>
           </p:txBody>
@@ -14079,7 +13401,7 @@
           <p:spPr>
             <a:xfrm>
               <a:off x="1877654" y="2120555"/>
-              <a:ext cx="870143" cy="274074"/>
+              <a:ext cx="870143" cy="306699"/>
             </a:xfrm>
             <a:prstGeom prst="rect">
               <a:avLst/>
@@ -14098,8 +13420,7 @@
                   <a:solidFill>
                     <a:srgbClr val="333333"/>
                   </a:solidFill>
-                  <a:latin typeface="넥슨 풋볼고딕 B" panose="020B0803000000000000" pitchFamily="50" charset="-127"/>
-                  <a:ea typeface="넥슨 풋볼고딕 B" panose="020B0803000000000000" pitchFamily="50" charset="-127"/>
+                  <a:latin typeface="+mn-ea"/>
                 </a:rPr>
                 <a:t>2</a:t>
               </a:r>
@@ -14107,8 +13428,7 @@
                 <a:solidFill>
                   <a:srgbClr val="333333"/>
                 </a:solidFill>
-                <a:latin typeface="넥슨 풋볼고딕 B" panose="020B0803000000000000" pitchFamily="50" charset="-127"/>
-                <a:ea typeface="넥슨 풋볼고딕 B" panose="020B0803000000000000" pitchFamily="50" charset="-127"/>
+                <a:latin typeface="+mn-ea"/>
               </a:endParaRPr>
             </a:p>
           </p:txBody>
@@ -14141,8 +13461,7 @@
                   <a:solidFill>
                     <a:srgbClr val="333333"/>
                   </a:solidFill>
-                  <a:latin typeface="넥슨 풋볼고딕 B" panose="020B0803000000000000" pitchFamily="50" charset="-127"/>
-                  <a:ea typeface="넥슨 풋볼고딕 B" panose="020B0803000000000000" pitchFamily="50" charset="-127"/>
+                  <a:latin typeface="+mn-ea"/>
                 </a:rPr>
                 <a:t>30</a:t>
               </a:r>
@@ -14150,8 +13469,7 @@
                 <a:solidFill>
                   <a:srgbClr val="333333"/>
                 </a:solidFill>
-                <a:latin typeface="넥슨 풋볼고딕 B" panose="020B0803000000000000" pitchFamily="50" charset="-127"/>
-                <a:ea typeface="넥슨 풋볼고딕 B" panose="020B0803000000000000" pitchFamily="50" charset="-127"/>
+                <a:latin typeface="+mn-ea"/>
               </a:endParaRPr>
             </a:p>
           </p:txBody>
@@ -14227,6 +13545,7 @@
                   </a:solidFill>
                 </a:ln>
                 <a:noFill/>
+                <a:latin typeface="+mn-ea"/>
               </a:endParaRPr>
             </a:p>
           </p:txBody>
@@ -14294,8 +13613,7 @@
                   <a:solidFill>
                     <a:srgbClr val="333333"/>
                   </a:solidFill>
-                  <a:latin typeface="넥슨 풋볼고딕 B" panose="020B0803000000000000" pitchFamily="50" charset="-127"/>
-                  <a:ea typeface="넥슨 풋볼고딕 B" panose="020B0803000000000000" pitchFamily="50" charset="-127"/>
+                  <a:latin typeface="+mn-ea"/>
                 </a:rPr>
                 <a:t>3</a:t>
               </a:r>
@@ -14303,8 +13621,7 @@
                 <a:solidFill>
                   <a:srgbClr val="333333"/>
                 </a:solidFill>
-                <a:latin typeface="넥슨 풋볼고딕 B" panose="020B0803000000000000" pitchFamily="50" charset="-127"/>
-                <a:ea typeface="넥슨 풋볼고딕 B" panose="020B0803000000000000" pitchFamily="50" charset="-127"/>
+                <a:latin typeface="+mn-ea"/>
               </a:endParaRPr>
             </a:p>
           </p:txBody>
@@ -14337,8 +13654,7 @@
                   <a:solidFill>
                     <a:srgbClr val="333333"/>
                   </a:solidFill>
-                  <a:latin typeface="넥슨 풋볼고딕 B" panose="020B0803000000000000" pitchFamily="50" charset="-127"/>
-                  <a:ea typeface="넥슨 풋볼고딕 B" panose="020B0803000000000000" pitchFamily="50" charset="-127"/>
+                  <a:latin typeface="+mn-ea"/>
                 </a:rPr>
                 <a:t>40</a:t>
               </a:r>
@@ -14346,8 +13662,7 @@
                 <a:solidFill>
                   <a:srgbClr val="333333"/>
                 </a:solidFill>
-                <a:latin typeface="넥슨 풋볼고딕 B" panose="020B0803000000000000" pitchFamily="50" charset="-127"/>
-                <a:ea typeface="넥슨 풋볼고딕 B" panose="020B0803000000000000" pitchFamily="50" charset="-127"/>
+                <a:latin typeface="+mn-ea"/>
               </a:endParaRPr>
             </a:p>
           </p:txBody>
@@ -14465,9 +13780,9 @@
         <p:grpSpPr>
           <a:xfrm>
             <a:off x="3035560" y="2640086"/>
-            <a:ext cx="1036289" cy="1095195"/>
+            <a:ext cx="1036289" cy="1135372"/>
             <a:chOff x="1877654" y="1556951"/>
-            <a:chExt cx="873783" cy="839506"/>
+            <a:chExt cx="873783" cy="870303"/>
           </a:xfrm>
         </p:grpSpPr>
         <p:sp>
@@ -14526,6 +13841,7 @@
                   </a:solidFill>
                 </a:ln>
                 <a:noFill/>
+                <a:latin typeface="+mn-ea"/>
               </a:endParaRPr>
             </a:p>
           </p:txBody>
@@ -14574,7 +13890,7 @@
           <p:spPr>
             <a:xfrm>
               <a:off x="1877654" y="2120555"/>
-              <a:ext cx="870143" cy="274074"/>
+              <a:ext cx="870143" cy="306699"/>
             </a:xfrm>
             <a:prstGeom prst="rect">
               <a:avLst/>
@@ -14593,8 +13909,7 @@
                   <a:solidFill>
                     <a:srgbClr val="333333"/>
                   </a:solidFill>
-                  <a:latin typeface="넥슨 풋볼고딕 B" panose="020B0803000000000000" pitchFamily="50" charset="-127"/>
-                  <a:ea typeface="넥슨 풋볼고딕 B" panose="020B0803000000000000" pitchFamily="50" charset="-127"/>
+                  <a:latin typeface="+mn-ea"/>
                 </a:rPr>
                 <a:t>0</a:t>
               </a:r>
@@ -14602,8 +13917,7 @@
                 <a:solidFill>
                   <a:srgbClr val="333333"/>
                 </a:solidFill>
-                <a:latin typeface="넥슨 풋볼고딕 B" panose="020B0803000000000000" pitchFamily="50" charset="-127"/>
-                <a:ea typeface="넥슨 풋볼고딕 B" panose="020B0803000000000000" pitchFamily="50" charset="-127"/>
+                <a:latin typeface="+mn-ea"/>
               </a:endParaRPr>
             </a:p>
           </p:txBody>
@@ -14636,8 +13950,7 @@
                   <a:solidFill>
                     <a:srgbClr val="333333"/>
                   </a:solidFill>
-                  <a:latin typeface="넥슨 풋볼고딕 B" panose="020B0803000000000000" pitchFamily="50" charset="-127"/>
-                  <a:ea typeface="넥슨 풋볼고딕 B" panose="020B0803000000000000" pitchFamily="50" charset="-127"/>
+                  <a:latin typeface="+mn-ea"/>
                 </a:rPr>
                 <a:t>10</a:t>
               </a:r>
@@ -14645,8 +13958,7 @@
                 <a:solidFill>
                   <a:srgbClr val="333333"/>
                 </a:solidFill>
-                <a:latin typeface="넥슨 풋볼고딕 B" panose="020B0803000000000000" pitchFamily="50" charset="-127"/>
-                <a:ea typeface="넥슨 풋볼고딕 B" panose="020B0803000000000000" pitchFamily="50" charset="-127"/>
+                <a:latin typeface="+mn-ea"/>
               </a:endParaRPr>
             </a:p>
           </p:txBody>
@@ -14661,9 +13973,9 @@
         <p:grpSpPr>
           <a:xfrm>
             <a:off x="4487804" y="2640086"/>
-            <a:ext cx="1036289" cy="1095195"/>
+            <a:ext cx="1036289" cy="1135372"/>
             <a:chOff x="1877654" y="1556951"/>
-            <a:chExt cx="873783" cy="839506"/>
+            <a:chExt cx="873783" cy="870303"/>
           </a:xfrm>
         </p:grpSpPr>
         <p:sp>
@@ -14722,6 +14034,7 @@
                   </a:solidFill>
                 </a:ln>
                 <a:noFill/>
+                <a:latin typeface="+mn-ea"/>
               </a:endParaRPr>
             </a:p>
           </p:txBody>
@@ -14770,7 +14083,7 @@
           <p:spPr>
             <a:xfrm>
               <a:off x="1877654" y="2120555"/>
-              <a:ext cx="870143" cy="274074"/>
+              <a:ext cx="870143" cy="306699"/>
             </a:xfrm>
             <a:prstGeom prst="rect">
               <a:avLst/>
@@ -14789,8 +14102,7 @@
                   <a:solidFill>
                     <a:srgbClr val="333333"/>
                   </a:solidFill>
-                  <a:latin typeface="넥슨 풋볼고딕 B" panose="020B0803000000000000" pitchFamily="50" charset="-127"/>
-                  <a:ea typeface="넥슨 풋볼고딕 B" panose="020B0803000000000000" pitchFamily="50" charset="-127"/>
+                  <a:latin typeface="+mn-ea"/>
                 </a:rPr>
                 <a:t>1</a:t>
               </a:r>
@@ -14798,8 +14110,7 @@
                 <a:solidFill>
                   <a:srgbClr val="333333"/>
                 </a:solidFill>
-                <a:latin typeface="넥슨 풋볼고딕 B" panose="020B0803000000000000" pitchFamily="50" charset="-127"/>
-                <a:ea typeface="넥슨 풋볼고딕 B" panose="020B0803000000000000" pitchFamily="50" charset="-127"/>
+                <a:latin typeface="+mn-ea"/>
               </a:endParaRPr>
             </a:p>
           </p:txBody>
@@ -14832,8 +14143,7 @@
                   <a:solidFill>
                     <a:srgbClr val="333333"/>
                   </a:solidFill>
-                  <a:latin typeface="넥슨 풋볼고딕 B" panose="020B0803000000000000" pitchFamily="50" charset="-127"/>
-                  <a:ea typeface="넥슨 풋볼고딕 B" panose="020B0803000000000000" pitchFamily="50" charset="-127"/>
+                  <a:latin typeface="+mn-ea"/>
                 </a:rPr>
                 <a:t>20</a:t>
               </a:r>
@@ -14841,8 +14151,7 @@
                 <a:solidFill>
                   <a:srgbClr val="333333"/>
                 </a:solidFill>
-                <a:latin typeface="넥슨 풋볼고딕 B" panose="020B0803000000000000" pitchFamily="50" charset="-127"/>
-                <a:ea typeface="넥슨 풋볼고딕 B" panose="020B0803000000000000" pitchFamily="50" charset="-127"/>
+                <a:latin typeface="+mn-ea"/>
               </a:endParaRPr>
             </a:p>
           </p:txBody>
@@ -14857,9 +14166,9 @@
         <p:grpSpPr>
           <a:xfrm>
             <a:off x="5940047" y="2640086"/>
-            <a:ext cx="1036289" cy="1095195"/>
+            <a:ext cx="1036289" cy="1135372"/>
             <a:chOff x="1877654" y="1556951"/>
-            <a:chExt cx="873783" cy="839506"/>
+            <a:chExt cx="873783" cy="870303"/>
           </a:xfrm>
         </p:grpSpPr>
         <p:sp>
@@ -14918,6 +14227,7 @@
                   </a:solidFill>
                 </a:ln>
                 <a:noFill/>
+                <a:latin typeface="+mn-ea"/>
               </a:endParaRPr>
             </a:p>
           </p:txBody>
@@ -14966,7 +14276,7 @@
           <p:spPr>
             <a:xfrm>
               <a:off x="1877654" y="2120555"/>
-              <a:ext cx="870143" cy="274074"/>
+              <a:ext cx="870143" cy="306699"/>
             </a:xfrm>
             <a:prstGeom prst="rect">
               <a:avLst/>
@@ -14985,8 +14295,7 @@
                   <a:solidFill>
                     <a:srgbClr val="333333"/>
                   </a:solidFill>
-                  <a:latin typeface="넥슨 풋볼고딕 B" panose="020B0803000000000000" pitchFamily="50" charset="-127"/>
-                  <a:ea typeface="넥슨 풋볼고딕 B" panose="020B0803000000000000" pitchFamily="50" charset="-127"/>
+                  <a:latin typeface="+mn-ea"/>
                 </a:rPr>
                 <a:t>2</a:t>
               </a:r>
@@ -14994,8 +14303,7 @@
                 <a:solidFill>
                   <a:srgbClr val="333333"/>
                 </a:solidFill>
-                <a:latin typeface="넥슨 풋볼고딕 B" panose="020B0803000000000000" pitchFamily="50" charset="-127"/>
-                <a:ea typeface="넥슨 풋볼고딕 B" panose="020B0803000000000000" pitchFamily="50" charset="-127"/>
+                <a:latin typeface="+mn-ea"/>
               </a:endParaRPr>
             </a:p>
           </p:txBody>
@@ -15028,8 +14336,7 @@
                   <a:solidFill>
                     <a:srgbClr val="333333"/>
                   </a:solidFill>
-                  <a:latin typeface="넥슨 풋볼고딕 B" panose="020B0803000000000000" pitchFamily="50" charset="-127"/>
-                  <a:ea typeface="넥슨 풋볼고딕 B" panose="020B0803000000000000" pitchFamily="50" charset="-127"/>
+                  <a:latin typeface="+mn-ea"/>
                 </a:rPr>
                 <a:t>30</a:t>
               </a:r>
@@ -15037,8 +14344,7 @@
                 <a:solidFill>
                   <a:srgbClr val="333333"/>
                 </a:solidFill>
-                <a:latin typeface="넥슨 풋볼고딕 B" panose="020B0803000000000000" pitchFamily="50" charset="-127"/>
-                <a:ea typeface="넥슨 풋볼고딕 B" panose="020B0803000000000000" pitchFamily="50" charset="-127"/>
+                <a:latin typeface="+mn-ea"/>
               </a:endParaRPr>
             </a:p>
           </p:txBody>
@@ -15114,6 +14420,7 @@
                   </a:solidFill>
                 </a:ln>
                 <a:noFill/>
+                <a:latin typeface="+mn-ea"/>
               </a:endParaRPr>
             </a:p>
           </p:txBody>
@@ -15181,8 +14488,7 @@
                   <a:solidFill>
                     <a:srgbClr val="333333"/>
                   </a:solidFill>
-                  <a:latin typeface="넥슨 풋볼고딕 B" panose="020B0803000000000000" pitchFamily="50" charset="-127"/>
-                  <a:ea typeface="넥슨 풋볼고딕 B" panose="020B0803000000000000" pitchFamily="50" charset="-127"/>
+                  <a:latin typeface="+mn-ea"/>
                 </a:rPr>
                 <a:t>3</a:t>
               </a:r>
@@ -15190,8 +14496,7 @@
                 <a:solidFill>
                   <a:srgbClr val="333333"/>
                 </a:solidFill>
-                <a:latin typeface="넥슨 풋볼고딕 B" panose="020B0803000000000000" pitchFamily="50" charset="-127"/>
-                <a:ea typeface="넥슨 풋볼고딕 B" panose="020B0803000000000000" pitchFamily="50" charset="-127"/>
+                <a:latin typeface="+mn-ea"/>
               </a:endParaRPr>
             </a:p>
           </p:txBody>
@@ -15224,8 +14529,7 @@
                   <a:solidFill>
                     <a:srgbClr val="333333"/>
                   </a:solidFill>
-                  <a:latin typeface="넥슨 풋볼고딕 B" panose="020B0803000000000000" pitchFamily="50" charset="-127"/>
-                  <a:ea typeface="넥슨 풋볼고딕 B" panose="020B0803000000000000" pitchFamily="50" charset="-127"/>
+                  <a:latin typeface="+mn-ea"/>
                 </a:rPr>
                 <a:t>40</a:t>
               </a:r>
@@ -15233,8 +14537,7 @@
                 <a:solidFill>
                   <a:srgbClr val="333333"/>
                 </a:solidFill>
-                <a:latin typeface="넥슨 풋볼고딕 B" panose="020B0803000000000000" pitchFamily="50" charset="-127"/>
-                <a:ea typeface="넥슨 풋볼고딕 B" panose="020B0803000000000000" pitchFamily="50" charset="-127"/>
+                <a:latin typeface="+mn-ea"/>
               </a:endParaRPr>
             </a:p>
           </p:txBody>
@@ -15297,6 +14600,7 @@
                 </a:solidFill>
               </a:ln>
               <a:noFill/>
+              <a:latin typeface="+mn-ea"/>
             </a:endParaRPr>
           </a:p>
         </p:txBody>
@@ -15352,6 +14656,7 @@
               <a:solidFill>
                 <a:schemeClr val="tx1"/>
               </a:solidFill>
+              <a:latin typeface="+mn-ea"/>
             </a:endParaRPr>
           </a:p>
         </p:txBody>
@@ -15402,9 +14707,9 @@
         <p:grpSpPr>
           <a:xfrm>
             <a:off x="3035560" y="2640085"/>
-            <a:ext cx="1036289" cy="1095195"/>
+            <a:ext cx="1036289" cy="1135372"/>
             <a:chOff x="1877654" y="1556951"/>
-            <a:chExt cx="873783" cy="839506"/>
+            <a:chExt cx="873783" cy="870303"/>
           </a:xfrm>
         </p:grpSpPr>
         <p:sp>
@@ -15463,6 +14768,7 @@
                   </a:solidFill>
                 </a:ln>
                 <a:noFill/>
+                <a:latin typeface="+mn-ea"/>
               </a:endParaRPr>
             </a:p>
           </p:txBody>
@@ -15511,7 +14817,7 @@
           <p:spPr>
             <a:xfrm>
               <a:off x="1877654" y="2120555"/>
-              <a:ext cx="870143" cy="274074"/>
+              <a:ext cx="870143" cy="306699"/>
             </a:xfrm>
             <a:prstGeom prst="rect">
               <a:avLst/>
@@ -15530,8 +14836,7 @@
                   <a:solidFill>
                     <a:srgbClr val="333333"/>
                   </a:solidFill>
-                  <a:latin typeface="넥슨 풋볼고딕 B" panose="020B0803000000000000" pitchFamily="50" charset="-127"/>
-                  <a:ea typeface="넥슨 풋볼고딕 B" panose="020B0803000000000000" pitchFamily="50" charset="-127"/>
+                  <a:latin typeface="+mn-ea"/>
                 </a:rPr>
                 <a:t>0</a:t>
               </a:r>
@@ -15539,8 +14844,7 @@
                 <a:solidFill>
                   <a:srgbClr val="333333"/>
                 </a:solidFill>
-                <a:latin typeface="넥슨 풋볼고딕 B" panose="020B0803000000000000" pitchFamily="50" charset="-127"/>
-                <a:ea typeface="넥슨 풋볼고딕 B" panose="020B0803000000000000" pitchFamily="50" charset="-127"/>
+                <a:latin typeface="+mn-ea"/>
               </a:endParaRPr>
             </a:p>
           </p:txBody>
@@ -15573,8 +14877,7 @@
                   <a:solidFill>
                     <a:srgbClr val="333333"/>
                   </a:solidFill>
-                  <a:latin typeface="넥슨 풋볼고딕 B" panose="020B0803000000000000" pitchFamily="50" charset="-127"/>
-                  <a:ea typeface="넥슨 풋볼고딕 B" panose="020B0803000000000000" pitchFamily="50" charset="-127"/>
+                  <a:latin typeface="+mn-ea"/>
                 </a:rPr>
                 <a:t>10</a:t>
               </a:r>
@@ -15582,8 +14885,7 @@
                 <a:solidFill>
                   <a:srgbClr val="333333"/>
                 </a:solidFill>
-                <a:latin typeface="넥슨 풋볼고딕 B" panose="020B0803000000000000" pitchFamily="50" charset="-127"/>
-                <a:ea typeface="넥슨 풋볼고딕 B" panose="020B0803000000000000" pitchFamily="50" charset="-127"/>
+                <a:latin typeface="+mn-ea"/>
               </a:endParaRPr>
             </a:p>
           </p:txBody>
@@ -15598,9 +14900,9 @@
         <p:grpSpPr>
           <a:xfrm>
             <a:off x="4487804" y="2640085"/>
-            <a:ext cx="1036289" cy="1095195"/>
+            <a:ext cx="1036289" cy="1135372"/>
             <a:chOff x="1877654" y="1556951"/>
-            <a:chExt cx="873783" cy="839506"/>
+            <a:chExt cx="873783" cy="870303"/>
           </a:xfrm>
         </p:grpSpPr>
         <p:sp>
@@ -15659,6 +14961,7 @@
                   </a:solidFill>
                 </a:ln>
                 <a:noFill/>
+                <a:latin typeface="+mn-ea"/>
               </a:endParaRPr>
             </a:p>
           </p:txBody>
@@ -15707,7 +15010,7 @@
           <p:spPr>
             <a:xfrm>
               <a:off x="1877654" y="2120555"/>
-              <a:ext cx="870143" cy="274074"/>
+              <a:ext cx="870143" cy="306699"/>
             </a:xfrm>
             <a:prstGeom prst="rect">
               <a:avLst/>
@@ -15726,8 +15029,7 @@
                   <a:solidFill>
                     <a:srgbClr val="333333"/>
                   </a:solidFill>
-                  <a:latin typeface="넥슨 풋볼고딕 B" panose="020B0803000000000000" pitchFamily="50" charset="-127"/>
-                  <a:ea typeface="넥슨 풋볼고딕 B" panose="020B0803000000000000" pitchFamily="50" charset="-127"/>
+                  <a:latin typeface="+mn-ea"/>
                 </a:rPr>
                 <a:t>1</a:t>
               </a:r>
@@ -15735,8 +15037,7 @@
                 <a:solidFill>
                   <a:srgbClr val="333333"/>
                 </a:solidFill>
-                <a:latin typeface="넥슨 풋볼고딕 B" panose="020B0803000000000000" pitchFamily="50" charset="-127"/>
-                <a:ea typeface="넥슨 풋볼고딕 B" panose="020B0803000000000000" pitchFamily="50" charset="-127"/>
+                <a:latin typeface="+mn-ea"/>
               </a:endParaRPr>
             </a:p>
           </p:txBody>
@@ -15769,8 +15070,7 @@
                   <a:solidFill>
                     <a:srgbClr val="333333"/>
                   </a:solidFill>
-                  <a:latin typeface="넥슨 풋볼고딕 B" panose="020B0803000000000000" pitchFamily="50" charset="-127"/>
-                  <a:ea typeface="넥슨 풋볼고딕 B" panose="020B0803000000000000" pitchFamily="50" charset="-127"/>
+                  <a:latin typeface="+mn-ea"/>
                 </a:rPr>
                 <a:t>20</a:t>
               </a:r>
@@ -15778,8 +15078,7 @@
                 <a:solidFill>
                   <a:srgbClr val="333333"/>
                 </a:solidFill>
-                <a:latin typeface="넥슨 풋볼고딕 B" panose="020B0803000000000000" pitchFamily="50" charset="-127"/>
-                <a:ea typeface="넥슨 풋볼고딕 B" panose="020B0803000000000000" pitchFamily="50" charset="-127"/>
+                <a:latin typeface="+mn-ea"/>
               </a:endParaRPr>
             </a:p>
           </p:txBody>
@@ -15794,9 +15093,9 @@
         <p:grpSpPr>
           <a:xfrm>
             <a:off x="5940047" y="2640085"/>
-            <a:ext cx="1036289" cy="1095195"/>
+            <a:ext cx="1036289" cy="1135372"/>
             <a:chOff x="1877654" y="1556951"/>
-            <a:chExt cx="873783" cy="839506"/>
+            <a:chExt cx="873783" cy="870303"/>
           </a:xfrm>
         </p:grpSpPr>
         <p:sp>
@@ -15855,6 +15154,7 @@
                   </a:solidFill>
                 </a:ln>
                 <a:noFill/>
+                <a:latin typeface="+mn-ea"/>
               </a:endParaRPr>
             </a:p>
           </p:txBody>
@@ -15903,7 +15203,7 @@
           <p:spPr>
             <a:xfrm>
               <a:off x="1877654" y="2120555"/>
-              <a:ext cx="870143" cy="274074"/>
+              <a:ext cx="870143" cy="306699"/>
             </a:xfrm>
             <a:prstGeom prst="rect">
               <a:avLst/>
@@ -15922,8 +15222,7 @@
                   <a:solidFill>
                     <a:srgbClr val="333333"/>
                   </a:solidFill>
-                  <a:latin typeface="넥슨 풋볼고딕 B" panose="020B0803000000000000" pitchFamily="50" charset="-127"/>
-                  <a:ea typeface="넥슨 풋볼고딕 B" panose="020B0803000000000000" pitchFamily="50" charset="-127"/>
+                  <a:latin typeface="+mn-ea"/>
                 </a:rPr>
                 <a:t>2</a:t>
               </a:r>
@@ -15931,8 +15230,7 @@
                 <a:solidFill>
                   <a:srgbClr val="333333"/>
                 </a:solidFill>
-                <a:latin typeface="넥슨 풋볼고딕 B" panose="020B0803000000000000" pitchFamily="50" charset="-127"/>
-                <a:ea typeface="넥슨 풋볼고딕 B" panose="020B0803000000000000" pitchFamily="50" charset="-127"/>
+                <a:latin typeface="+mn-ea"/>
               </a:endParaRPr>
             </a:p>
           </p:txBody>
@@ -15965,8 +15263,7 @@
                   <a:solidFill>
                     <a:srgbClr val="333333"/>
                   </a:solidFill>
-                  <a:latin typeface="넥슨 풋볼고딕 B" panose="020B0803000000000000" pitchFamily="50" charset="-127"/>
-                  <a:ea typeface="넥슨 풋볼고딕 B" panose="020B0803000000000000" pitchFamily="50" charset="-127"/>
+                  <a:latin typeface="+mn-ea"/>
                 </a:rPr>
                 <a:t>30</a:t>
               </a:r>
@@ -15974,8 +15271,7 @@
                 <a:solidFill>
                   <a:srgbClr val="333333"/>
                 </a:solidFill>
-                <a:latin typeface="넥슨 풋볼고딕 B" panose="020B0803000000000000" pitchFamily="50" charset="-127"/>
-                <a:ea typeface="넥슨 풋볼고딕 B" panose="020B0803000000000000" pitchFamily="50" charset="-127"/>
+                <a:latin typeface="+mn-ea"/>
               </a:endParaRPr>
             </a:p>
           </p:txBody>
@@ -16039,6 +15335,7 @@
                 <a:prstDash val="dash"/>
               </a:ln>
               <a:noFill/>
+              <a:latin typeface="+mn-ea"/>
             </a:endParaRPr>
           </a:p>
         </p:txBody>
@@ -16113,6 +15410,7 @@
                   </a:solidFill>
                 </a:ln>
                 <a:noFill/>
+                <a:latin typeface="+mn-ea"/>
               </a:endParaRPr>
             </a:p>
           </p:txBody>
@@ -16180,8 +15478,7 @@
                   <a:solidFill>
                     <a:srgbClr val="333333"/>
                   </a:solidFill>
-                  <a:latin typeface="넥슨 풋볼고딕 B" panose="020B0803000000000000" pitchFamily="50" charset="-127"/>
-                  <a:ea typeface="넥슨 풋볼고딕 B" panose="020B0803000000000000" pitchFamily="50" charset="-127"/>
+                  <a:latin typeface="+mn-ea"/>
                 </a:rPr>
                 <a:t>4</a:t>
               </a:r>
@@ -16189,8 +15486,7 @@
                 <a:solidFill>
                   <a:srgbClr val="333333"/>
                 </a:solidFill>
-                <a:latin typeface="넥슨 풋볼고딕 B" panose="020B0803000000000000" pitchFamily="50" charset="-127"/>
-                <a:ea typeface="넥슨 풋볼고딕 B" panose="020B0803000000000000" pitchFamily="50" charset="-127"/>
+                <a:latin typeface="+mn-ea"/>
               </a:endParaRPr>
             </a:p>
           </p:txBody>
@@ -16223,8 +15519,7 @@
                   <a:solidFill>
                     <a:srgbClr val="333333"/>
                   </a:solidFill>
-                  <a:latin typeface="넥슨 풋볼고딕 B" panose="020B0803000000000000" pitchFamily="50" charset="-127"/>
-                  <a:ea typeface="넥슨 풋볼고딕 B" panose="020B0803000000000000" pitchFamily="50" charset="-127"/>
+                  <a:latin typeface="+mn-ea"/>
                 </a:rPr>
                 <a:t>40</a:t>
               </a:r>
@@ -16232,8 +15527,7 @@
                 <a:solidFill>
                   <a:srgbClr val="333333"/>
                 </a:solidFill>
-                <a:latin typeface="넥슨 풋볼고딕 B" panose="020B0803000000000000" pitchFamily="50" charset="-127"/>
-                <a:ea typeface="넥슨 풋볼고딕 B" panose="020B0803000000000000" pitchFamily="50" charset="-127"/>
+                <a:latin typeface="+mn-ea"/>
               </a:endParaRPr>
             </a:p>
           </p:txBody>
@@ -16290,6 +15584,7 @@
               <a:solidFill>
                 <a:schemeClr val="tx1"/>
               </a:solidFill>
+              <a:latin typeface="+mn-ea"/>
             </a:endParaRPr>
           </a:p>
         </p:txBody>
@@ -16315,7 +15610,7 @@
 </file>
 
 <file path=ppt/theme/theme1.xml><?xml version="1.0" encoding="utf-8"?>
-<a:theme xmlns:a="http://schemas.openxmlformats.org/drawingml/2006/main" name="비누">
+<a:theme xmlns:a="http://schemas.openxmlformats.org/drawingml/2006/main" name="1_비누">
   <a:themeElements>
     <a:clrScheme name="Savon">
       <a:dk1>
@@ -16355,15 +15650,15 @@
         <a:srgbClr val="739D9B"/>
       </a:folHlink>
     </a:clrScheme>
-    <a:fontScheme name="넥슨고딕">
+    <a:fontScheme name="사용자 지정 1">
       <a:majorFont>
-        <a:latin typeface="넥슨 풋볼고딕 B"/>
-        <a:ea typeface="넥슨 풋볼고딕 B"/>
+        <a:latin typeface="나눔바른펜"/>
+        <a:ea typeface="나눔바른펜"/>
         <a:cs typeface=""/>
       </a:majorFont>
       <a:minorFont>
-        <a:latin typeface="넥슨 풋볼고딕 L"/>
-        <a:ea typeface="넥슨 풋볼고딕 L"/>
+        <a:latin typeface="나눔바른펜"/>
+        <a:ea typeface="나눔바른펜"/>
         <a:cs typeface=""/>
       </a:minorFont>
     </a:fontScheme>
@@ -16564,7 +15859,7 @@
   <a:extraClrSchemeLst/>
   <a:extLst>
     <a:ext uri="{05A4C25C-085E-4340-85A3-A5531E510DB2}">
-      <thm15:themeFamily xmlns:thm15="http://schemas.microsoft.com/office/thememl/2012/main" name="Savon" id="{1306E473-ED32-493B-A2D0-240A757EDD34}" vid="{C20BADFE-D095-436F-9677-9264042809F0}"/>
+      <thm15:themeFamily xmlns:thm15="http://schemas.microsoft.com/office/thememl/2012/main" name="기본서식파일.potx" id="{8107AE13-CFC1-431E-B240-A284A1213AE0}" vid="{50A6A0A8-307C-4494-99DD-D39DD965E593}"/>
     </a:ext>
   </a:extLst>
 </a:theme>
